--- a/slide_programming_processing.pptx
+++ b/slide_programming_processing.pptx
@@ -5,7 +5,7 @@
     <p:sldMasterId id="2147483661" r:id="rId1"/>
   </p:sldMasterIdLst>
   <p:notesMasterIdLst>
-    <p:notesMasterId r:id="rId104"/>
+    <p:notesMasterId r:id="rId108"/>
   </p:notesMasterIdLst>
   <p:sldIdLst>
     <p:sldId id="256" r:id="rId2"/>
@@ -32,7 +32,7 @@
     <p:sldId id="320" r:id="rId23"/>
     <p:sldId id="261" r:id="rId24"/>
     <p:sldId id="293" r:id="rId25"/>
-    <p:sldId id="416" r:id="rId26"/>
+    <p:sldId id="419" r:id="rId26"/>
     <p:sldId id="311" r:id="rId27"/>
     <p:sldId id="306" r:id="rId28"/>
     <p:sldId id="305" r:id="rId29"/>
@@ -93,23 +93,27 @@
     <p:sldId id="370" r:id="rId84"/>
     <p:sldId id="373" r:id="rId85"/>
     <p:sldId id="408" r:id="rId86"/>
-    <p:sldId id="372" r:id="rId87"/>
-    <p:sldId id="407" r:id="rId88"/>
-    <p:sldId id="371" r:id="rId89"/>
-    <p:sldId id="409" r:id="rId90"/>
-    <p:sldId id="374" r:id="rId91"/>
-    <p:sldId id="410" r:id="rId92"/>
-    <p:sldId id="411" r:id="rId93"/>
-    <p:sldId id="413" r:id="rId94"/>
-    <p:sldId id="418" r:id="rId95"/>
-    <p:sldId id="412" r:id="rId96"/>
-    <p:sldId id="375" r:id="rId97"/>
-    <p:sldId id="414" r:id="rId98"/>
-    <p:sldId id="272" r:id="rId99"/>
-    <p:sldId id="357" r:id="rId100"/>
-    <p:sldId id="358" r:id="rId101"/>
-    <p:sldId id="415" r:id="rId102"/>
-    <p:sldId id="359" r:id="rId103"/>
+    <p:sldId id="420" r:id="rId87"/>
+    <p:sldId id="421" r:id="rId88"/>
+    <p:sldId id="422" r:id="rId89"/>
+    <p:sldId id="372" r:id="rId90"/>
+    <p:sldId id="423" r:id="rId91"/>
+    <p:sldId id="407" r:id="rId92"/>
+    <p:sldId id="371" r:id="rId93"/>
+    <p:sldId id="409" r:id="rId94"/>
+    <p:sldId id="374" r:id="rId95"/>
+    <p:sldId id="410" r:id="rId96"/>
+    <p:sldId id="411" r:id="rId97"/>
+    <p:sldId id="413" r:id="rId98"/>
+    <p:sldId id="418" r:id="rId99"/>
+    <p:sldId id="412" r:id="rId100"/>
+    <p:sldId id="375" r:id="rId101"/>
+    <p:sldId id="414" r:id="rId102"/>
+    <p:sldId id="272" r:id="rId103"/>
+    <p:sldId id="357" r:id="rId104"/>
+    <p:sldId id="358" r:id="rId105"/>
+    <p:sldId id="415" r:id="rId106"/>
+    <p:sldId id="359" r:id="rId107"/>
   </p:sldIdLst>
   <p:sldSz cx="9144000" cy="6858000" type="screen4x3"/>
   <p:notesSz cx="6858000" cy="9144000"/>
@@ -298,7 +302,7 @@
           <a:p>
             <a:fld id="{71984368-59CE-BF4B-96DC-49B83ECDD899}" type="datetimeFigureOut">
               <a:rPr kumimoji="1" lang="ja-JP" altLang="en-US" smtClean="0"/>
-              <a:t>2016/9/21</a:t>
+              <a:t>2017/8/28</a:t>
             </a:fld>
             <a:endParaRPr kumimoji="1" lang="ja-JP" altLang="en-US"/>
           </a:p>
@@ -1253,7 +1257,7 @@
           <a:p>
             <a:fld id="{A4339ECF-4268-CF43-973E-E0BDC6673544}" type="datetime1">
               <a:rPr lang="ja-JP" altLang="en-US" smtClean="0"/>
-              <a:t>2016/9/21</a:t>
+              <a:t>2017/8/28</a:t>
             </a:fld>
             <a:endParaRPr lang="en-US" dirty="0"/>
           </a:p>
@@ -1498,7 +1502,7 @@
           <a:p>
             <a:fld id="{DBE2F89D-5648-9040-9C9A-E3B66208AF07}" type="datetime1">
               <a:rPr lang="ja-JP" altLang="en-US" smtClean="0"/>
-              <a:t>2016/9/21</a:t>
+              <a:t>2017/8/28</a:t>
             </a:fld>
             <a:endParaRPr lang="en-US" dirty="0"/>
           </a:p>
@@ -1786,7 +1790,7 @@
           <a:p>
             <a:fld id="{1B8FC488-FE64-554F-AE5C-0DAF04315A50}" type="datetime1">
               <a:rPr lang="ja-JP" altLang="en-US" smtClean="0"/>
-              <a:t>2016/9/21</a:t>
+              <a:t>2017/8/28</a:t>
             </a:fld>
             <a:endParaRPr lang="en-US" dirty="0"/>
           </a:p>
@@ -2027,7 +2031,7 @@
           <a:p>
             <a:fld id="{4307745D-31D3-AB4D-8AE1-F450CF30FFEC}" type="datetime1">
               <a:rPr lang="ja-JP" altLang="en-US" smtClean="0"/>
-              <a:t>2016/9/21</a:t>
+              <a:t>2017/8/28</a:t>
             </a:fld>
             <a:endParaRPr lang="en-US" dirty="0"/>
           </a:p>
@@ -2385,7 +2389,7 @@
           <a:p>
             <a:fld id="{4E1C71AF-FCB5-E047-81EE-CCADF9049F68}" type="datetime1">
               <a:rPr lang="ja-JP" altLang="en-US" smtClean="0"/>
-              <a:t>2016/9/21</a:t>
+              <a:t>2017/8/28</a:t>
             </a:fld>
             <a:endParaRPr lang="en-US" dirty="0"/>
           </a:p>
@@ -2747,7 +2751,7 @@
           <a:p>
             <a:fld id="{F744B96D-8FD7-1C45-A616-068160AC20F9}" type="datetime1">
               <a:rPr lang="ja-JP" altLang="en-US" smtClean="0"/>
-              <a:t>2016/9/21</a:t>
+              <a:t>2017/8/28</a:t>
             </a:fld>
             <a:endParaRPr lang="en-US" dirty="0"/>
           </a:p>
@@ -3215,7 +3219,7 @@
           <a:p>
             <a:fld id="{48698094-E788-7E4D-9D8D-95CCE9BA87B0}" type="datetime1">
               <a:rPr lang="ja-JP" altLang="en-US" smtClean="0"/>
-              <a:t>2016/9/21</a:t>
+              <a:t>2017/8/28</a:t>
             </a:fld>
             <a:endParaRPr lang="en-US" dirty="0"/>
           </a:p>
@@ -3338,7 +3342,7 @@
           <a:p>
             <a:fld id="{CCD86B9D-072D-E447-86A7-329282897A3E}" type="datetime1">
               <a:rPr lang="ja-JP" altLang="en-US" smtClean="0"/>
-              <a:t>2016/9/21</a:t>
+              <a:t>2017/8/28</a:t>
             </a:fld>
             <a:endParaRPr lang="en-US" dirty="0"/>
           </a:p>
@@ -3514,7 +3518,7 @@
           <a:p>
             <a:fld id="{39EEAD98-9C65-3745-B7A0-834F18E59615}" type="datetime1">
               <a:rPr lang="ja-JP" altLang="en-US" smtClean="0"/>
-              <a:t>2016/9/21</a:t>
+              <a:t>2017/8/28</a:t>
             </a:fld>
             <a:endParaRPr lang="en-US" dirty="0"/>
           </a:p>
@@ -3901,7 +3905,7 @@
           <a:p>
             <a:fld id="{B750A2BE-7E35-344B-9C31-178C60B1730B}" type="datetime1">
               <a:rPr lang="ja-JP" altLang="en-US" smtClean="0"/>
-              <a:t>2016/9/21</a:t>
+              <a:t>2017/8/28</a:t>
             </a:fld>
             <a:endParaRPr lang="en-US" dirty="0"/>
           </a:p>
@@ -4284,7 +4288,7 @@
           <a:p>
             <a:fld id="{533B88BB-C6B3-BC45-993D-59E8C06AE742}" type="datetime1">
               <a:rPr lang="ja-JP" altLang="en-US" smtClean="0"/>
-              <a:t>2016/9/21</a:t>
+              <a:t>2017/8/28</a:t>
             </a:fld>
             <a:endParaRPr lang="en-US" dirty="0"/>
           </a:p>
@@ -4605,7 +4609,7 @@
             <a:fld id="{64F144C7-65D9-1246-BCEF-DA52814F34F2}" type="datetime1">
               <a:rPr lang="ja-JP" altLang="en-US" smtClean="0"/>
               <a:pPr/>
-              <a:t>2016/9/21</a:t>
+              <a:t>2017/8/28</a:t>
             </a:fld>
             <a:endParaRPr lang="en-US" dirty="0"/>
           </a:p>
@@ -5185,7 +5189,34 @@
           <a:p>
             <a:r>
               <a:rPr kumimoji="1" lang="ja-JP" altLang="en-US" dirty="0" smtClean="0"/>
-              <a:t>青森大学ソフトウェア情報学部</a:t>
+              <a:t>八戸工業大学工学部システム情報工学科</a:t>
+            </a:r>
+            <a:endParaRPr kumimoji="1" lang="en-US" altLang="ja-JP" dirty="0" smtClean="0"/>
+          </a:p>
+          <a:p>
+            <a:r>
+              <a:rPr lang="ja-JP" altLang="en-US" dirty="0" smtClean="0"/>
+              <a:t>小久保</a:t>
+            </a:r>
+            <a:r>
+              <a:rPr lang="en-US" altLang="ja-JP" dirty="0" smtClean="0"/>
+              <a:t> </a:t>
+            </a:r>
+            <a:r>
+              <a:rPr lang="ja-JP" altLang="en-US" dirty="0" smtClean="0"/>
+              <a:t>温</a:t>
+            </a:r>
+            <a:r>
+              <a:rPr lang="en-US" altLang="ja-JP" dirty="0" smtClean="0"/>
+              <a:t>(</a:t>
+            </a:r>
+            <a:r>
+              <a:rPr lang="ja-JP" altLang="en-US" dirty="0" smtClean="0"/>
+              <a:t>こくぼ・あつし</a:t>
+            </a:r>
+            <a:r>
+              <a:rPr lang="en-US" altLang="ja-JP" dirty="0" smtClean="0"/>
+              <a:t>)</a:t>
             </a:r>
             <a:endParaRPr kumimoji="1" lang="ja-JP" altLang="en-US" dirty="0"/>
           </a:p>
@@ -5223,7 +5254,7 @@
         <p:spPr>
           <a:xfrm>
             <a:off x="629265" y="353961"/>
-            <a:ext cx="3313728" cy="369332"/>
+            <a:ext cx="3826689" cy="369332"/>
           </a:xfrm>
           <a:prstGeom prst="rect">
             <a:avLst/>
@@ -5237,12 +5268,8 @@
           <a:lstStyle/>
           <a:p>
             <a:r>
-              <a:rPr kumimoji="1" lang="ja-JP" altLang="en-US" dirty="0" smtClean="0"/>
-              <a:t>平成</a:t>
-            </a:r>
-            <a:r>
               <a:rPr kumimoji="1" lang="en-US" altLang="ja-JP" dirty="0" smtClean="0"/>
-              <a:t>28</a:t>
+              <a:t>2017</a:t>
             </a:r>
             <a:r>
               <a:rPr kumimoji="1" lang="ja-JP" altLang="en-US" dirty="0" smtClean="0"/>
@@ -5257,8 +5284,8 @@
               <a:t>月</a:t>
             </a:r>
             <a:r>
-              <a:rPr kumimoji="1" lang="en-US" altLang="ja-JP" dirty="0" smtClean="0"/>
-              <a:t>13</a:t>
+              <a:rPr kumimoji="1" lang="en-US" altLang="ja-JP" dirty="0"/>
+              <a:t>4</a:t>
             </a:r>
             <a:r>
               <a:rPr kumimoji="1" lang="ja-JP" altLang="en-US" dirty="0" smtClean="0"/>
@@ -5270,11 +5297,43 @@
             </a:r>
             <a:r>
               <a:rPr kumimoji="1" lang="ja-JP" altLang="en-US" dirty="0" smtClean="0"/>
+              <a:t>月</a:t>
+            </a:r>
+            <a:r>
+              <a:rPr kumimoji="1" lang="en-US" altLang="ja-JP" dirty="0" smtClean="0"/>
+              <a:t>)</a:t>
+            </a:r>
+            <a:r>
+              <a:rPr kumimoji="1" lang="ja-JP" altLang="en-US" dirty="0" smtClean="0"/>
+              <a:t>、</a:t>
+            </a:r>
+            <a:r>
+              <a:rPr kumimoji="1" lang="en-US" altLang="ja-JP" dirty="0" smtClean="0"/>
+              <a:t>5</a:t>
+            </a:r>
+            <a:r>
+              <a:rPr kumimoji="1" lang="ja-JP" altLang="en-US" dirty="0" smtClean="0"/>
+              <a:t>日</a:t>
+            </a:r>
+            <a:r>
+              <a:rPr kumimoji="1" lang="en-US" altLang="ja-JP" dirty="0" smtClean="0"/>
+              <a:t>(</a:t>
+            </a:r>
+            <a:r>
+              <a:rPr kumimoji="1" lang="ja-JP" altLang="en-US" dirty="0" smtClean="0"/>
               <a:t>火</a:t>
             </a:r>
             <a:r>
               <a:rPr kumimoji="1" lang="en-US" altLang="ja-JP" dirty="0" smtClean="0"/>
-              <a:t>)-15</a:t>
+              <a:t>)</a:t>
+            </a:r>
+            <a:r>
+              <a:rPr kumimoji="1" lang="ja-JP" altLang="en-US" dirty="0" smtClean="0"/>
+              <a:t>、</a:t>
+            </a:r>
+            <a:r>
+              <a:rPr kumimoji="1" lang="en-US" altLang="ja-JP" dirty="0" smtClean="0"/>
+              <a:t>7</a:t>
             </a:r>
             <a:r>
               <a:rPr kumimoji="1" lang="ja-JP" altLang="en-US" dirty="0" smtClean="0"/>
@@ -5773,10 +5832,144 @@
           <a:lstStyle/>
           <a:p>
             <a:r>
+              <a:rPr lang="ja-JP" altLang="en-US" dirty="0" smtClean="0"/>
+              <a:t>多態性</a:t>
+            </a:r>
+            <a:endParaRPr kumimoji="1" lang="ja-JP" altLang="en-US" dirty="0"/>
+          </a:p>
+        </p:txBody>
+      </p:sp>
+      <p:sp>
+        <p:nvSpPr>
+          <p:cNvPr id="3" name="コンテンツ プレースホルダー 2"/>
+          <p:cNvSpPr>
+            <a:spLocks noGrp="1"/>
+          </p:cNvSpPr>
+          <p:nvPr>
+            <p:ph idx="1"/>
+          </p:nvPr>
+        </p:nvSpPr>
+        <p:spPr>
+          <a:xfrm>
+            <a:off x="822959" y="1845734"/>
+            <a:ext cx="7543801" cy="4402666"/>
+          </a:xfrm>
+        </p:spPr>
+        <p:txBody>
+          <a:bodyPr>
+            <a:normAutofit fontScale="92500" lnSpcReduction="10000"/>
+          </a:bodyPr>
+          <a:lstStyle/>
+          <a:p>
+            <a:r>
+              <a:rPr lang="ja-JP" altLang="en-US" dirty="0" smtClean="0"/>
+              <a:t>親クラスの変数に、</a:t>
+            </a:r>
+            <a:r>
+              <a:rPr lang="en-US" altLang="ja-JP" dirty="0" smtClean="0"/>
+              <a:t/>
+            </a:r>
+            <a:br>
+              <a:rPr lang="en-US" altLang="ja-JP" dirty="0" smtClean="0"/>
+            </a:br>
+            <a:r>
+              <a:rPr lang="ja-JP" altLang="en-US" dirty="0" smtClean="0"/>
+              <a:t>子クラスのインスタンスが代入できる</a:t>
+            </a:r>
+            <a:endParaRPr lang="en-US" altLang="ja-JP" dirty="0" smtClean="0"/>
+          </a:p>
+          <a:p>
+            <a:pPr lvl="1"/>
+            <a:r>
               <a:rPr kumimoji="1" lang="ja-JP" altLang="en-US" dirty="0" smtClean="0"/>
-              <a:t>配列の例</a:t>
-            </a:r>
-            <a:endParaRPr kumimoji="1" lang="ja-JP" altLang="en-US" dirty="0"/>
+              <a:t>例</a:t>
+            </a:r>
+            <a:r>
+              <a:rPr kumimoji="1" lang="en-US" altLang="ja-JP" dirty="0" smtClean="0"/>
+              <a:t>: </a:t>
+            </a:r>
+            <a:r>
+              <a:rPr kumimoji="1" lang="ja-JP" altLang="en-US" dirty="0" smtClean="0"/>
+              <a:t>イヌ科</a:t>
+            </a:r>
+            <a:r>
+              <a:rPr kumimoji="1" lang="en-US" altLang="ja-JP" dirty="0" smtClean="0"/>
+              <a:t> </a:t>
+            </a:r>
+            <a:r>
+              <a:rPr lang="ja-JP" altLang="en-US" dirty="0" smtClean="0"/>
+              <a:t>イヌ科の動物</a:t>
+            </a:r>
+            <a:r>
+              <a:rPr kumimoji="1" lang="en-US" altLang="ja-JP" dirty="0" smtClean="0"/>
+              <a:t> = new </a:t>
+            </a:r>
+            <a:r>
+              <a:rPr lang="ja-JP" altLang="en-US" dirty="0" smtClean="0"/>
+              <a:t>狐</a:t>
+            </a:r>
+            <a:r>
+              <a:rPr kumimoji="1" lang="en-US" altLang="ja-JP" dirty="0" smtClean="0"/>
+              <a:t>();</a:t>
+            </a:r>
+          </a:p>
+          <a:p>
+            <a:r>
+              <a:rPr lang="ja-JP" altLang="en-US" dirty="0" smtClean="0"/>
+              <a:t>そのときに、メソッドを起動すると、</a:t>
+            </a:r>
+            <a:r>
+              <a:rPr lang="en-US" altLang="ja-JP" dirty="0" smtClean="0"/>
+              <a:t/>
+            </a:r>
+            <a:br>
+              <a:rPr lang="en-US" altLang="ja-JP" dirty="0" smtClean="0"/>
+            </a:br>
+            <a:r>
+              <a:rPr lang="ja-JP" altLang="en-US" dirty="0" smtClean="0"/>
+              <a:t>子クラスのメソッドが起動される</a:t>
+            </a:r>
+            <a:endParaRPr lang="en-US" altLang="ja-JP" dirty="0" smtClean="0"/>
+          </a:p>
+          <a:p>
+            <a:pPr lvl="1"/>
+            <a:r>
+              <a:rPr kumimoji="1" lang="ja-JP" altLang="en-US" dirty="0" smtClean="0"/>
+              <a:t>例</a:t>
+            </a:r>
+            <a:r>
+              <a:rPr kumimoji="1" lang="en-US" altLang="ja-JP" dirty="0" smtClean="0"/>
+              <a:t>: </a:t>
+            </a:r>
+            <a:r>
+              <a:rPr lang="ja-JP" altLang="en-US" dirty="0" smtClean="0"/>
+              <a:t>イヌ科の動物</a:t>
+            </a:r>
+            <a:r>
+              <a:rPr kumimoji="1" lang="en-US" altLang="ja-JP" dirty="0" smtClean="0"/>
+              <a:t>.</a:t>
+            </a:r>
+            <a:r>
+              <a:rPr kumimoji="1" lang="ja-JP" altLang="en-US" dirty="0" smtClean="0"/>
+              <a:t>吠える</a:t>
+            </a:r>
+            <a:r>
+              <a:rPr kumimoji="1" lang="en-US" altLang="ja-JP" dirty="0" smtClean="0"/>
+              <a:t>(); </a:t>
+            </a:r>
+            <a:r>
+              <a:rPr kumimoji="1" lang="ja-JP" altLang="en-US" dirty="0" smtClean="0"/>
+              <a:t>→</a:t>
+            </a:r>
+            <a:r>
+              <a:rPr kumimoji="1" lang="en-US" altLang="ja-JP" dirty="0" smtClean="0"/>
+              <a:t> </a:t>
+            </a:r>
+            <a:r>
+              <a:rPr kumimoji="1" lang="ja-JP" altLang="en-US" dirty="0" smtClean="0"/>
+              <a:t>「ケーン」</a:t>
+            </a:r>
+            <a:endParaRPr kumimoji="1" lang="en-US" altLang="ja-JP" dirty="0" smtClean="0"/>
           </a:p>
         </p:txBody>
       </p:sp>
@@ -5799,6 +5992,684 @@
               <a:rPr lang="en-US" smtClean="0"/>
               <a:pPr/>
               <a:t>100</a:t>
+            </a:fld>
+            <a:endParaRPr lang="en-US" dirty="0"/>
+          </a:p>
+        </p:txBody>
+      </p:sp>
+      <p:sp>
+        <p:nvSpPr>
+          <p:cNvPr id="5" name="テキスト ボックス 4"/>
+          <p:cNvSpPr txBox="1"/>
+          <p:nvPr/>
+        </p:nvSpPr>
+        <p:spPr>
+          <a:xfrm>
+            <a:off x="2715178" y="1255042"/>
+            <a:ext cx="4859022" cy="369332"/>
+          </a:xfrm>
+          <a:prstGeom prst="rect">
+            <a:avLst/>
+          </a:prstGeom>
+          <a:noFill/>
+        </p:spPr>
+        <p:txBody>
+          <a:bodyPr wrap="none" rtlCol="0">
+            <a:spAutoFit/>
+          </a:bodyPr>
+          <a:lstStyle/>
+          <a:p>
+            <a:r>
+              <a:rPr kumimoji="1" lang="en-US" altLang="ja-JP" dirty="0" smtClean="0"/>
+              <a:t>※polymorphism: </a:t>
+            </a:r>
+            <a:r>
+              <a:rPr kumimoji="1" lang="ja-JP" altLang="en-US" dirty="0" smtClean="0"/>
+              <a:t>同じ何かが多様な性質を持つ</a:t>
+            </a:r>
+            <a:endParaRPr kumimoji="1" lang="ja-JP" altLang="en-US" dirty="0"/>
+          </a:p>
+        </p:txBody>
+      </p:sp>
+    </p:spTree>
+    <p:extLst>
+      <p:ext uri="{BB962C8B-B14F-4D97-AF65-F5344CB8AC3E}">
+        <p14:creationId xmlns:p14="http://schemas.microsoft.com/office/powerpoint/2010/main" val="44584765"/>
+      </p:ext>
+    </p:extLst>
+  </p:cSld>
+  <p:clrMapOvr>
+    <a:masterClrMapping/>
+  </p:clrMapOvr>
+</p:sld>
+</file>
+
+<file path=ppt/slides/slide101.xml><?xml version="1.0" encoding="utf-8"?>
+<p:sld xmlns:a="http://schemas.openxmlformats.org/drawingml/2006/main" xmlns:r="http://schemas.openxmlformats.org/officeDocument/2006/relationships" xmlns:p="http://schemas.openxmlformats.org/presentationml/2006/main">
+  <p:cSld>
+    <p:spTree>
+      <p:nvGrpSpPr>
+        <p:cNvPr id="1" name=""/>
+        <p:cNvGrpSpPr/>
+        <p:nvPr/>
+      </p:nvGrpSpPr>
+      <p:grpSpPr>
+        <a:xfrm>
+          <a:off x="0" y="0"/>
+          <a:ext cx="0" cy="0"/>
+          <a:chOff x="0" y="0"/>
+          <a:chExt cx="0" cy="0"/>
+        </a:xfrm>
+      </p:grpSpPr>
+      <p:sp>
+        <p:nvSpPr>
+          <p:cNvPr id="2" name="タイトル 1"/>
+          <p:cNvSpPr>
+            <a:spLocks noGrp="1"/>
+          </p:cNvSpPr>
+          <p:nvPr>
+            <p:ph type="title"/>
+          </p:nvPr>
+        </p:nvSpPr>
+        <p:spPr/>
+        <p:txBody>
+          <a:bodyPr/>
+          <a:lstStyle/>
+          <a:p>
+            <a:r>
+              <a:rPr lang="ja-JP" altLang="en-US" dirty="0" smtClean="0"/>
+              <a:t>多態性の実例</a:t>
+            </a:r>
+            <a:endParaRPr kumimoji="1" lang="ja-JP" altLang="en-US" dirty="0"/>
+          </a:p>
+        </p:txBody>
+      </p:sp>
+      <p:sp>
+        <p:nvSpPr>
+          <p:cNvPr id="3" name="コンテンツ プレースホルダー 2"/>
+          <p:cNvSpPr>
+            <a:spLocks noGrp="1"/>
+          </p:cNvSpPr>
+          <p:nvPr>
+            <p:ph idx="1"/>
+          </p:nvPr>
+        </p:nvSpPr>
+        <p:spPr>
+          <a:xfrm>
+            <a:off x="822959" y="1845734"/>
+            <a:ext cx="7543801" cy="4402666"/>
+          </a:xfrm>
+        </p:spPr>
+        <p:txBody>
+          <a:bodyPr>
+            <a:normAutofit fontScale="85000" lnSpcReduction="20000"/>
+          </a:bodyPr>
+          <a:lstStyle/>
+          <a:p>
+            <a:pPr lvl="1"/>
+            <a:r>
+              <a:rPr kumimoji="1" lang="en-US" altLang="ja-JP" dirty="0" smtClean="0"/>
+              <a:t>Android</a:t>
+            </a:r>
+            <a:r>
+              <a:rPr kumimoji="1" lang="ja-JP" altLang="en-US" dirty="0" smtClean="0"/>
+              <a:t>アプリのプログラミング</a:t>
+            </a:r>
+            <a:endParaRPr kumimoji="1" lang="en-US" altLang="ja-JP" dirty="0" smtClean="0"/>
+          </a:p>
+          <a:p>
+            <a:pPr lvl="2"/>
+            <a:r>
+              <a:rPr kumimoji="1" lang="ja-JP" altLang="en-US" dirty="0" smtClean="0"/>
+              <a:t>ボタン、入力欄などは、共通の親クラスを持っている</a:t>
+            </a:r>
+            <a:endParaRPr kumimoji="1" lang="en-US" altLang="ja-JP" dirty="0" smtClean="0"/>
+          </a:p>
+          <a:p>
+            <a:pPr lvl="2"/>
+            <a:r>
+              <a:rPr lang="ja-JP" altLang="en-US" dirty="0" smtClean="0"/>
+              <a:t>その親クラスは画面に配置できるようになっている</a:t>
+            </a:r>
+            <a:endParaRPr lang="en-US" altLang="ja-JP" dirty="0" smtClean="0"/>
+          </a:p>
+          <a:p>
+            <a:pPr lvl="2"/>
+            <a:r>
+              <a:rPr lang="ja-JP" altLang="en-US" dirty="0" smtClean="0"/>
+              <a:t>ボタンや入力欄は配置するときに親クラスに代入される</a:t>
+            </a:r>
+            <a:endParaRPr lang="en-US" altLang="ja-JP" dirty="0" smtClean="0"/>
+          </a:p>
+          <a:p>
+            <a:pPr lvl="2"/>
+            <a:r>
+              <a:rPr lang="ja-JP" altLang="en-US" dirty="0" smtClean="0"/>
+              <a:t>その結果、どのパーツも全く同じように画面に配置できる</a:t>
+            </a:r>
+            <a:endParaRPr lang="en-US" altLang="ja-JP" dirty="0" smtClean="0"/>
+          </a:p>
+          <a:p>
+            <a:pPr lvl="1"/>
+            <a:r>
+              <a:rPr kumimoji="1" lang="en-US" altLang="ja-JP" dirty="0" smtClean="0"/>
+              <a:t>Windows</a:t>
+            </a:r>
+            <a:r>
+              <a:rPr kumimoji="1" lang="ja-JP" altLang="en-US" dirty="0" smtClean="0"/>
+              <a:t>の右クリック</a:t>
+            </a:r>
+            <a:endParaRPr kumimoji="1" lang="en-US" altLang="ja-JP" dirty="0" smtClean="0"/>
+          </a:p>
+          <a:p>
+            <a:pPr lvl="2"/>
+            <a:r>
+              <a:rPr kumimoji="1" lang="ja-JP" altLang="en-US" dirty="0" smtClean="0"/>
+              <a:t>アイコンごとに、対応したクラスがある</a:t>
+            </a:r>
+            <a:endParaRPr kumimoji="1" lang="en-US" altLang="ja-JP" dirty="0" smtClean="0"/>
+          </a:p>
+          <a:p>
+            <a:pPr lvl="2"/>
+            <a:r>
+              <a:rPr lang="ja-JP" altLang="en-US" dirty="0" smtClean="0"/>
+              <a:t>それらのクラスは共通の親クラスを持っている</a:t>
+            </a:r>
+            <a:endParaRPr kumimoji="1" lang="en-US" altLang="ja-JP" dirty="0" smtClean="0"/>
+          </a:p>
+          <a:p>
+            <a:pPr lvl="2"/>
+            <a:r>
+              <a:rPr kumimoji="1" lang="ja-JP" altLang="en-US" dirty="0" smtClean="0"/>
+              <a:t>右クリックすると、子クラスの右クリック・メソッドが起動され、アイコンごとに異なったメニューが表示される</a:t>
+            </a:r>
+            <a:endParaRPr kumimoji="1" lang="ja-JP" altLang="en-US" dirty="0"/>
+          </a:p>
+        </p:txBody>
+      </p:sp>
+      <p:sp>
+        <p:nvSpPr>
+          <p:cNvPr id="4" name="スライド番号プレースホルダー 3"/>
+          <p:cNvSpPr>
+            <a:spLocks noGrp="1"/>
+          </p:cNvSpPr>
+          <p:nvPr>
+            <p:ph type="sldNum" sz="quarter" idx="12"/>
+          </p:nvPr>
+        </p:nvSpPr>
+        <p:spPr/>
+        <p:txBody>
+          <a:bodyPr/>
+          <a:lstStyle/>
+          <a:p>
+            <a:fld id="{6113E31D-E2AB-40D1-8B51-AFA5AFEF393A}" type="slidenum">
+              <a:rPr lang="en-US" smtClean="0"/>
+              <a:pPr/>
+              <a:t>101</a:t>
+            </a:fld>
+            <a:endParaRPr lang="en-US" dirty="0"/>
+          </a:p>
+        </p:txBody>
+      </p:sp>
+    </p:spTree>
+    <p:extLst>
+      <p:ext uri="{BB962C8B-B14F-4D97-AF65-F5344CB8AC3E}">
+        <p14:creationId xmlns:p14="http://schemas.microsoft.com/office/powerpoint/2010/main" val="236918164"/>
+      </p:ext>
+    </p:extLst>
+  </p:cSld>
+  <p:clrMapOvr>
+    <a:masterClrMapping/>
+  </p:clrMapOvr>
+</p:sld>
+</file>
+
+<file path=ppt/slides/slide102.xml><?xml version="1.0" encoding="utf-8"?>
+<p:sld xmlns:a="http://schemas.openxmlformats.org/drawingml/2006/main" xmlns:r="http://schemas.openxmlformats.org/officeDocument/2006/relationships" xmlns:p="http://schemas.openxmlformats.org/presentationml/2006/main">
+  <p:cSld>
+    <p:spTree>
+      <p:nvGrpSpPr>
+        <p:cNvPr id="1" name=""/>
+        <p:cNvGrpSpPr/>
+        <p:nvPr/>
+      </p:nvGrpSpPr>
+      <p:grpSpPr>
+        <a:xfrm>
+          <a:off x="0" y="0"/>
+          <a:ext cx="0" cy="0"/>
+          <a:chOff x="0" y="0"/>
+          <a:chExt cx="0" cy="0"/>
+        </a:xfrm>
+      </p:grpSpPr>
+      <p:sp>
+        <p:nvSpPr>
+          <p:cNvPr id="2" name="タイトル 1"/>
+          <p:cNvSpPr>
+            <a:spLocks noGrp="1"/>
+          </p:cNvSpPr>
+          <p:nvPr>
+            <p:ph type="title"/>
+          </p:nvPr>
+        </p:nvSpPr>
+        <p:spPr/>
+        <p:txBody>
+          <a:bodyPr/>
+          <a:lstStyle/>
+          <a:p>
+            <a:r>
+              <a:rPr kumimoji="1" lang="en-US" altLang="ja-JP" dirty="0" smtClean="0"/>
+              <a:t>16. </a:t>
+            </a:r>
+            <a:r>
+              <a:rPr kumimoji="1" lang="ja-JP" altLang="en-US" dirty="0" smtClean="0"/>
+              <a:t>配列</a:t>
+            </a:r>
+            <a:endParaRPr kumimoji="1" lang="ja-JP" altLang="en-US" dirty="0"/>
+          </a:p>
+        </p:txBody>
+      </p:sp>
+      <p:sp>
+        <p:nvSpPr>
+          <p:cNvPr id="3" name="テキスト プレースホルダー 2"/>
+          <p:cNvSpPr>
+            <a:spLocks noGrp="1"/>
+          </p:cNvSpPr>
+          <p:nvPr>
+            <p:ph type="body" idx="1"/>
+          </p:nvPr>
+        </p:nvSpPr>
+        <p:spPr/>
+        <p:txBody>
+          <a:bodyPr/>
+          <a:lstStyle/>
+          <a:p>
+            <a:r>
+              <a:rPr lang="ja-JP" altLang="en-US" dirty="0" smtClean="0"/>
+              <a:t>たくさんの</a:t>
+            </a:r>
+            <a:r>
+              <a:rPr kumimoji="1" lang="ja-JP" altLang="en-US" dirty="0" smtClean="0"/>
+              <a:t>データ</a:t>
+            </a:r>
+            <a:endParaRPr kumimoji="1" lang="ja-JP" altLang="en-US" dirty="0"/>
+          </a:p>
+        </p:txBody>
+      </p:sp>
+      <p:sp>
+        <p:nvSpPr>
+          <p:cNvPr id="4" name="スライド番号プレースホルダー 3"/>
+          <p:cNvSpPr>
+            <a:spLocks noGrp="1"/>
+          </p:cNvSpPr>
+          <p:nvPr>
+            <p:ph type="sldNum" sz="quarter" idx="12"/>
+          </p:nvPr>
+        </p:nvSpPr>
+        <p:spPr/>
+        <p:txBody>
+          <a:bodyPr/>
+          <a:lstStyle/>
+          <a:p>
+            <a:fld id="{4FAB73BC-B049-4115-A692-8D63A059BFB8}" type="slidenum">
+              <a:rPr lang="en-US" smtClean="0"/>
+              <a:t>102</a:t>
+            </a:fld>
+            <a:endParaRPr lang="en-US" dirty="0"/>
+          </a:p>
+        </p:txBody>
+      </p:sp>
+    </p:spTree>
+    <p:extLst>
+      <p:ext uri="{BB962C8B-B14F-4D97-AF65-F5344CB8AC3E}">
+        <p14:creationId xmlns:p14="http://schemas.microsoft.com/office/powerpoint/2010/main" val="348294036"/>
+      </p:ext>
+    </p:extLst>
+  </p:cSld>
+  <p:clrMapOvr>
+    <a:masterClrMapping/>
+  </p:clrMapOvr>
+  <p:timing>
+    <p:tnLst>
+      <p:par>
+        <p:cTn id="1" dur="indefinite" restart="never" nodeType="tmRoot"/>
+      </p:par>
+    </p:tnLst>
+  </p:timing>
+</p:sld>
+</file>
+
+<file path=ppt/slides/slide103.xml><?xml version="1.0" encoding="utf-8"?>
+<p:sld xmlns:a="http://schemas.openxmlformats.org/drawingml/2006/main" xmlns:r="http://schemas.openxmlformats.org/officeDocument/2006/relationships" xmlns:p="http://schemas.openxmlformats.org/presentationml/2006/main">
+  <p:cSld>
+    <p:spTree>
+      <p:nvGrpSpPr>
+        <p:cNvPr id="1" name=""/>
+        <p:cNvGrpSpPr/>
+        <p:nvPr/>
+      </p:nvGrpSpPr>
+      <p:grpSpPr>
+        <a:xfrm>
+          <a:off x="0" y="0"/>
+          <a:ext cx="0" cy="0"/>
+          <a:chOff x="0" y="0"/>
+          <a:chExt cx="0" cy="0"/>
+        </a:xfrm>
+      </p:grpSpPr>
+      <p:sp>
+        <p:nvSpPr>
+          <p:cNvPr id="2" name="タイトル 1"/>
+          <p:cNvSpPr>
+            <a:spLocks noGrp="1"/>
+          </p:cNvSpPr>
+          <p:nvPr>
+            <p:ph type="title"/>
+          </p:nvPr>
+        </p:nvSpPr>
+        <p:spPr/>
+        <p:txBody>
+          <a:bodyPr/>
+          <a:lstStyle/>
+          <a:p>
+            <a:r>
+              <a:rPr kumimoji="1" lang="en-US" altLang="ja-JP" dirty="0" smtClean="0"/>
+              <a:t>16.1 </a:t>
+            </a:r>
+            <a:r>
+              <a:rPr kumimoji="1" lang="ja-JP" altLang="en-US" dirty="0" smtClean="0"/>
+              <a:t>配列のプログラミング</a:t>
+            </a:r>
+            <a:endParaRPr kumimoji="1" lang="ja-JP" altLang="en-US" dirty="0"/>
+          </a:p>
+        </p:txBody>
+      </p:sp>
+      <p:sp>
+        <p:nvSpPr>
+          <p:cNvPr id="3" name="コンテンツ プレースホルダー 2"/>
+          <p:cNvSpPr>
+            <a:spLocks noGrp="1"/>
+          </p:cNvSpPr>
+          <p:nvPr>
+            <p:ph idx="1"/>
+          </p:nvPr>
+        </p:nvSpPr>
+        <p:spPr>
+          <a:xfrm>
+            <a:off x="822959" y="1845734"/>
+            <a:ext cx="7543801" cy="4364566"/>
+          </a:xfrm>
+        </p:spPr>
+        <p:txBody>
+          <a:bodyPr>
+            <a:normAutofit fontScale="70000" lnSpcReduction="20000"/>
+          </a:bodyPr>
+          <a:lstStyle/>
+          <a:p>
+            <a:r>
+              <a:rPr lang="ja-JP" altLang="en-US" dirty="0" smtClean="0"/>
+              <a:t>配列を利用する</a:t>
+            </a:r>
+            <a:r>
+              <a:rPr lang="ja-JP" altLang="en-US" smtClean="0"/>
+              <a:t>と、たくさんの同じ型のデータを扱える</a:t>
+            </a:r>
+            <a:endParaRPr lang="en-US" altLang="ja-JP" dirty="0" smtClean="0"/>
+          </a:p>
+          <a:p>
+            <a:r>
+              <a:rPr lang="ja-JP" altLang="en-US" dirty="0" smtClean="0"/>
+              <a:t>配列</a:t>
+            </a:r>
+            <a:r>
+              <a:rPr lang="ja-JP" altLang="en-US" dirty="0"/>
+              <a:t>を表す変数を用意</a:t>
+            </a:r>
+            <a:endParaRPr lang="en-US" altLang="ja-JP" dirty="0"/>
+          </a:p>
+          <a:p>
+            <a:pPr lvl="1"/>
+            <a:r>
+              <a:rPr lang="ja-JP" altLang="en-US" dirty="0" smtClean="0"/>
+              <a:t>型</a:t>
+            </a:r>
+            <a:r>
+              <a:rPr lang="en-US" altLang="ja-JP" dirty="0" smtClean="0"/>
+              <a:t>[] </a:t>
+            </a:r>
+            <a:r>
+              <a:rPr lang="ja-JP" altLang="en-US" dirty="0" smtClean="0"/>
+              <a:t>変数名</a:t>
+            </a:r>
+            <a:r>
+              <a:rPr lang="en-US" altLang="ja-JP" dirty="0" smtClean="0"/>
+              <a:t>;</a:t>
+            </a:r>
+          </a:p>
+          <a:p>
+            <a:r>
+              <a:rPr lang="ja-JP" altLang="en-US" dirty="0" smtClean="0"/>
+              <a:t>配列</a:t>
+            </a:r>
+            <a:r>
+              <a:rPr lang="ja-JP" altLang="en-US" dirty="0"/>
+              <a:t>を生成して変数に</a:t>
+            </a:r>
+            <a:r>
+              <a:rPr lang="ja-JP" altLang="en-US" dirty="0" smtClean="0"/>
+              <a:t>代入</a:t>
+            </a:r>
+            <a:endParaRPr lang="en-US" altLang="ja-JP" dirty="0" smtClean="0"/>
+          </a:p>
+          <a:p>
+            <a:pPr lvl="1"/>
+            <a:r>
+              <a:rPr lang="ja-JP" altLang="en-US" dirty="0" smtClean="0"/>
+              <a:t>変数名</a:t>
+            </a:r>
+            <a:r>
+              <a:rPr lang="en-US" altLang="ja-JP" dirty="0" smtClean="0"/>
+              <a:t> = new </a:t>
+            </a:r>
+            <a:r>
+              <a:rPr lang="ja-JP" altLang="en-US" dirty="0" smtClean="0"/>
+              <a:t>型</a:t>
+            </a:r>
+            <a:r>
+              <a:rPr lang="en-US" altLang="ja-JP" dirty="0" smtClean="0"/>
+              <a:t>[</a:t>
+            </a:r>
+            <a:r>
+              <a:rPr lang="ja-JP" altLang="en-US" dirty="0" smtClean="0"/>
+              <a:t>要素の個数</a:t>
+            </a:r>
+            <a:r>
+              <a:rPr lang="en-US" altLang="ja-JP" dirty="0" smtClean="0"/>
+              <a:t>];</a:t>
+            </a:r>
+          </a:p>
+          <a:p>
+            <a:pPr lvl="2"/>
+            <a:r>
+              <a:rPr lang="ja-JP" altLang="en-US" dirty="0" smtClean="0"/>
+              <a:t>変数名</a:t>
+            </a:r>
+            <a:r>
+              <a:rPr lang="en-US" altLang="ja-JP" dirty="0" smtClean="0"/>
+              <a:t>[0]</a:t>
+            </a:r>
+            <a:r>
+              <a:rPr lang="ja-JP" altLang="en-US" dirty="0" smtClean="0"/>
+              <a:t>から変数名</a:t>
+            </a:r>
+            <a:r>
+              <a:rPr lang="en-US" altLang="ja-JP" dirty="0" smtClean="0"/>
+              <a:t>[</a:t>
+            </a:r>
+            <a:r>
+              <a:rPr lang="ja-JP" altLang="en-US" dirty="0" smtClean="0"/>
+              <a:t>要素の個数</a:t>
+            </a:r>
+            <a:r>
+              <a:rPr lang="en-US" altLang="ja-JP" dirty="0" smtClean="0"/>
+              <a:t> - 1]</a:t>
+            </a:r>
+            <a:r>
+              <a:rPr lang="ja-JP" altLang="en-US" dirty="0" smtClean="0"/>
+              <a:t>までが使用できるようになる</a:t>
+            </a:r>
+            <a:endParaRPr lang="en-US" altLang="ja-JP" dirty="0" smtClean="0"/>
+          </a:p>
+          <a:p>
+            <a:r>
+              <a:rPr lang="ja-JP" altLang="en-US" dirty="0" smtClean="0"/>
+              <a:t>配列の要素を</a:t>
+            </a:r>
+            <a:r>
+              <a:rPr lang="en-US" altLang="ja-JP" dirty="0" smtClean="0"/>
+              <a:t>1</a:t>
+            </a:r>
+            <a:r>
+              <a:rPr lang="ja-JP" altLang="en-US" dirty="0" smtClean="0"/>
+              <a:t>つずつ代入</a:t>
+            </a:r>
+            <a:endParaRPr lang="en-US" altLang="ja-JP" dirty="0" smtClean="0"/>
+          </a:p>
+          <a:p>
+            <a:pPr lvl="1"/>
+            <a:r>
+              <a:rPr lang="ja-JP" altLang="en-US" dirty="0" smtClean="0"/>
+              <a:t>変数名</a:t>
+            </a:r>
+            <a:r>
+              <a:rPr lang="en-US" altLang="ja-JP" dirty="0" smtClean="0"/>
+              <a:t>[</a:t>
+            </a:r>
+            <a:r>
+              <a:rPr lang="ja-JP" altLang="en-US" dirty="0" smtClean="0"/>
+              <a:t>添字</a:t>
+            </a:r>
+            <a:r>
+              <a:rPr lang="en-US" altLang="ja-JP" dirty="0" smtClean="0"/>
+              <a:t>] = </a:t>
+            </a:r>
+            <a:r>
+              <a:rPr lang="ja-JP" altLang="en-US" dirty="0" smtClean="0"/>
+              <a:t>値</a:t>
+            </a:r>
+            <a:r>
+              <a:rPr lang="en-US" altLang="ja-JP" dirty="0" smtClean="0"/>
+              <a:t>; // </a:t>
+            </a:r>
+            <a:r>
+              <a:rPr lang="ja-JP" altLang="en-US" dirty="0" smtClean="0"/>
+              <a:t>これをくりかえす</a:t>
+            </a:r>
+            <a:endParaRPr lang="en-US" altLang="ja-JP" dirty="0"/>
+          </a:p>
+        </p:txBody>
+      </p:sp>
+      <p:sp>
+        <p:nvSpPr>
+          <p:cNvPr id="4" name="スライド番号プレースホルダー 3"/>
+          <p:cNvSpPr>
+            <a:spLocks noGrp="1"/>
+          </p:cNvSpPr>
+          <p:nvPr>
+            <p:ph type="sldNum" sz="quarter" idx="12"/>
+          </p:nvPr>
+        </p:nvSpPr>
+        <p:spPr/>
+        <p:txBody>
+          <a:bodyPr/>
+          <a:lstStyle/>
+          <a:p>
+            <a:fld id="{6113E31D-E2AB-40D1-8B51-AFA5AFEF393A}" type="slidenum">
+              <a:rPr lang="en-US" smtClean="0"/>
+              <a:pPr/>
+              <a:t>103</a:t>
+            </a:fld>
+            <a:endParaRPr lang="en-US" dirty="0"/>
+          </a:p>
+        </p:txBody>
+      </p:sp>
+    </p:spTree>
+    <p:extLst>
+      <p:ext uri="{BB962C8B-B14F-4D97-AF65-F5344CB8AC3E}">
+        <p14:creationId xmlns:p14="http://schemas.microsoft.com/office/powerpoint/2010/main" val="1583976377"/>
+      </p:ext>
+    </p:extLst>
+  </p:cSld>
+  <p:clrMapOvr>
+    <a:masterClrMapping/>
+  </p:clrMapOvr>
+  <p:timing>
+    <p:tnLst>
+      <p:par>
+        <p:cTn id="1" dur="indefinite" restart="never" nodeType="tmRoot"/>
+      </p:par>
+    </p:tnLst>
+  </p:timing>
+</p:sld>
+</file>
+
+<file path=ppt/slides/slide104.xml><?xml version="1.0" encoding="utf-8"?>
+<p:sld xmlns:a="http://schemas.openxmlformats.org/drawingml/2006/main" xmlns:r="http://schemas.openxmlformats.org/officeDocument/2006/relationships" xmlns:p="http://schemas.openxmlformats.org/presentationml/2006/main">
+  <p:cSld>
+    <p:spTree>
+      <p:nvGrpSpPr>
+        <p:cNvPr id="1" name=""/>
+        <p:cNvGrpSpPr/>
+        <p:nvPr/>
+      </p:nvGrpSpPr>
+      <p:grpSpPr>
+        <a:xfrm>
+          <a:off x="0" y="0"/>
+          <a:ext cx="0" cy="0"/>
+          <a:chOff x="0" y="0"/>
+          <a:chExt cx="0" cy="0"/>
+        </a:xfrm>
+      </p:grpSpPr>
+      <p:sp>
+        <p:nvSpPr>
+          <p:cNvPr id="2" name="タイトル 1"/>
+          <p:cNvSpPr>
+            <a:spLocks noGrp="1"/>
+          </p:cNvSpPr>
+          <p:nvPr>
+            <p:ph type="title"/>
+          </p:nvPr>
+        </p:nvSpPr>
+        <p:spPr/>
+        <p:txBody>
+          <a:bodyPr/>
+          <a:lstStyle/>
+          <a:p>
+            <a:r>
+              <a:rPr kumimoji="1" lang="ja-JP" altLang="en-US" dirty="0" smtClean="0"/>
+              <a:t>配列の例</a:t>
+            </a:r>
+            <a:endParaRPr kumimoji="1" lang="ja-JP" altLang="en-US" dirty="0"/>
+          </a:p>
+        </p:txBody>
+      </p:sp>
+      <p:sp>
+        <p:nvSpPr>
+          <p:cNvPr id="4" name="スライド番号プレースホルダー 3"/>
+          <p:cNvSpPr>
+            <a:spLocks noGrp="1"/>
+          </p:cNvSpPr>
+          <p:nvPr>
+            <p:ph type="sldNum" sz="quarter" idx="12"/>
+          </p:nvPr>
+        </p:nvSpPr>
+        <p:spPr/>
+        <p:txBody>
+          <a:bodyPr/>
+          <a:lstStyle/>
+          <a:p>
+            <a:fld id="{6113E31D-E2AB-40D1-8B51-AFA5AFEF393A}" type="slidenum">
+              <a:rPr lang="en-US" smtClean="0"/>
+              <a:pPr/>
+              <a:t>104</a:t>
             </a:fld>
             <a:endParaRPr lang="en-US" dirty="0"/>
           </a:p>
@@ -6129,7 +7000,7 @@
 </p:sld>
 </file>
 
-<file path=ppt/slides/slide101.xml><?xml version="1.0" encoding="utf-8"?>
+<file path=ppt/slides/slide105.xml><?xml version="1.0" encoding="utf-8"?>
 <p:sld xmlns:a="http://schemas.openxmlformats.org/drawingml/2006/main" xmlns:r="http://schemas.openxmlformats.org/officeDocument/2006/relationships" xmlns:p="http://schemas.openxmlformats.org/presentationml/2006/main">
   <p:cSld>
     <p:spTree>
@@ -6281,7 +7152,7 @@
             <a:fld id="{6113E31D-E2AB-40D1-8B51-AFA5AFEF393A}" type="slidenum">
               <a:rPr lang="en-US" smtClean="0"/>
               <a:pPr/>
-              <a:t>101</a:t>
+              <a:t>105</a:t>
             </a:fld>
             <a:endParaRPr lang="en-US" dirty="0"/>
           </a:p>
@@ -6307,7 +7178,7 @@
 </p:sld>
 </file>
 
-<file path=ppt/slides/slide102.xml><?xml version="1.0" encoding="utf-8"?>
+<file path=ppt/slides/slide106.xml><?xml version="1.0" encoding="utf-8"?>
 <p:sld xmlns:a="http://schemas.openxmlformats.org/drawingml/2006/main" xmlns:r="http://schemas.openxmlformats.org/officeDocument/2006/relationships" xmlns:p="http://schemas.openxmlformats.org/presentationml/2006/main">
   <p:cSld>
     <p:spTree>
@@ -6459,7 +7330,7 @@
             <a:fld id="{6113E31D-E2AB-40D1-8B51-AFA5AFEF393A}" type="slidenum">
               <a:rPr lang="en-US" smtClean="0"/>
               <a:pPr/>
-              <a:t>102</a:t>
+              <a:t>106</a:t>
             </a:fld>
             <a:endParaRPr lang="en-US" dirty="0"/>
           </a:p>
@@ -11322,15 +12193,11 @@
           </p:cNvGraphicFramePr>
           <p:nvPr>
             <p:ph idx="1"/>
-            <p:extLst>
-              <p:ext uri="{D42A27DB-BD31-4B8C-83A1-F6EECF244321}">
-                <p14:modId xmlns:p14="http://schemas.microsoft.com/office/powerpoint/2010/main" val="2006901873"/>
-              </p:ext>
-            </p:extLst>
+            <p:extLst/>
           </p:nvPr>
         </p:nvGraphicFramePr>
         <p:xfrm>
-          <a:off x="822325" y="1846263"/>
+          <a:off x="822960" y="1791812"/>
           <a:ext cx="7543800" cy="3337560"/>
         </p:xfrm>
         <a:graphic>
@@ -11495,10 +12362,10 @@
                     <a:lstStyle/>
                     <a:p>
                       <a:r>
-                        <a:rPr kumimoji="1" lang="ja-JP" altLang="en-US" dirty="0" smtClean="0"/>
+                        <a:rPr kumimoji="1" lang="ja-JP" altLang="en-US" strike="sngStrike" dirty="0" smtClean="0"/>
                         <a:t>倍精度浮動小数点数</a:t>
                       </a:r>
-                      <a:endParaRPr kumimoji="1" lang="ja-JP" altLang="en-US" dirty="0"/>
+                      <a:endParaRPr kumimoji="1" lang="ja-JP" altLang="en-US" strike="sngStrike" dirty="0"/>
                     </a:p>
                   </a:txBody>
                   <a:tcPr/>
@@ -11509,10 +12376,10 @@
                     <a:lstStyle/>
                     <a:p>
                       <a:r>
-                        <a:rPr kumimoji="1" lang="en-US" altLang="ja-JP" dirty="0" smtClean="0"/>
+                        <a:rPr kumimoji="1" lang="en-US" altLang="ja-JP" strike="sngStrike" dirty="0" smtClean="0"/>
                         <a:t>double</a:t>
                       </a:r>
-                      <a:endParaRPr kumimoji="1" lang="ja-JP" altLang="en-US" dirty="0"/>
+                      <a:endParaRPr kumimoji="1" lang="ja-JP" altLang="en-US" strike="sngStrike" dirty="0"/>
                     </a:p>
                   </a:txBody>
                   <a:tcPr/>
@@ -11540,10 +12407,10 @@
                         <a:defRPr/>
                       </a:pPr>
                       <a:r>
-                        <a:rPr kumimoji="1" lang="en-US" altLang="ja-JP" dirty="0" smtClean="0"/>
+                        <a:rPr kumimoji="1" lang="en-US" altLang="ja-JP" strike="sngStrike" dirty="0" smtClean="0"/>
                         <a:t>12.234, 0.0012, -99.021</a:t>
                       </a:r>
-                      <a:endParaRPr kumimoji="1" lang="ja-JP" altLang="en-US" dirty="0" smtClean="0"/>
+                      <a:endParaRPr kumimoji="1" lang="ja-JP" altLang="en-US" strike="sngStrike" dirty="0" smtClean="0"/>
                     </a:p>
                   </a:txBody>
                   <a:tcPr/>
@@ -11817,8 +12684,8 @@
         </p:nvSpPr>
         <p:spPr>
           <a:xfrm>
-            <a:off x="4513788" y="5183823"/>
-            <a:ext cx="3852337" cy="1200329"/>
+            <a:off x="4668312" y="5186046"/>
+            <a:ext cx="3799438" cy="1169551"/>
           </a:xfrm>
           <a:prstGeom prst="rect">
             <a:avLst/>
@@ -11832,52 +12699,82 @@
           <a:lstStyle/>
           <a:p>
             <a:r>
-              <a:rPr kumimoji="1" lang="ja-JP" altLang="en-US" dirty="0" smtClean="0"/>
+              <a:rPr kumimoji="1" lang="ja-JP" altLang="en-US" sz="1400" dirty="0" smtClean="0"/>
               <a:t>整数</a:t>
             </a:r>
             <a:r>
-              <a:rPr kumimoji="1" lang="en-US" altLang="ja-JP" dirty="0" smtClean="0"/>
+              <a:rPr kumimoji="1" lang="en-US" altLang="ja-JP" sz="1400" dirty="0" smtClean="0"/>
               <a:t>: integer</a:t>
             </a:r>
-            <a:endParaRPr kumimoji="1" lang="en-US" altLang="ja-JP" dirty="0"/>
-          </a:p>
-          <a:p>
-            <a:r>
-              <a:rPr kumimoji="1" lang="ja-JP" altLang="en-US" dirty="0" smtClean="0"/>
+            <a:endParaRPr kumimoji="1" lang="en-US" altLang="ja-JP" sz="1400" dirty="0"/>
+          </a:p>
+          <a:p>
+            <a:r>
+              <a:rPr kumimoji="1" lang="ja-JP" altLang="en-US" sz="1400" dirty="0" smtClean="0"/>
               <a:t>浮動小数点数</a:t>
             </a:r>
             <a:r>
-              <a:rPr kumimoji="1" lang="en-US" altLang="ja-JP" dirty="0" smtClean="0"/>
+              <a:rPr kumimoji="1" lang="en-US" altLang="ja-JP" sz="1400" dirty="0" smtClean="0"/>
               <a:t>: floating point number</a:t>
             </a:r>
           </a:p>
           <a:p>
             <a:r>
-              <a:rPr kumimoji="1" lang="ja-JP" altLang="en-US" dirty="0" smtClean="0"/>
+              <a:rPr kumimoji="1" lang="ja-JP" altLang="en-US" sz="1400" dirty="0" smtClean="0"/>
               <a:t>倍精度</a:t>
             </a:r>
             <a:r>
-              <a:rPr kumimoji="1" lang="en-US" altLang="ja-JP" dirty="0" smtClean="0"/>
+              <a:rPr kumimoji="1" lang="en-US" altLang="ja-JP" sz="1400" dirty="0" smtClean="0"/>
               <a:t>: double precision</a:t>
             </a:r>
           </a:p>
           <a:p>
             <a:r>
-              <a:rPr kumimoji="1" lang="ja-JP" altLang="en-US" dirty="0" smtClean="0"/>
+              <a:rPr kumimoji="1" lang="ja-JP" altLang="en-US" sz="1400" dirty="0" smtClean="0"/>
+              <a:t>　</a:t>
+            </a:r>
+            <a:r>
+              <a:rPr kumimoji="1" lang="en-US" altLang="ja-JP" sz="1400" dirty="0" smtClean="0"/>
+              <a:t>※</a:t>
+            </a:r>
+            <a:r>
+              <a:rPr kumimoji="1" lang="en-US" altLang="ja-JP" sz="1400" dirty="0"/>
+              <a:t>Processing</a:t>
+            </a:r>
+            <a:r>
+              <a:rPr kumimoji="1" lang="ja-JP" altLang="en-US" sz="1400" dirty="0"/>
+              <a:t>では</a:t>
+            </a:r>
+            <a:r>
+              <a:rPr kumimoji="1" lang="en-US" altLang="ja-JP" sz="1400" dirty="0"/>
+              <a:t>double</a:t>
+            </a:r>
+            <a:r>
+              <a:rPr kumimoji="1" lang="ja-JP" altLang="en-US" sz="1400" dirty="0"/>
+              <a:t>は使わない方</a:t>
+            </a:r>
+            <a:r>
+              <a:rPr kumimoji="1" lang="ja-JP" altLang="en-US" sz="1400" dirty="0" smtClean="0"/>
+              <a:t>が無難</a:t>
+            </a:r>
+            <a:endParaRPr kumimoji="1" lang="en-US" altLang="ja-JP" sz="1400" dirty="0" smtClean="0"/>
+          </a:p>
+          <a:p>
+            <a:r>
+              <a:rPr kumimoji="1" lang="ja-JP" altLang="en-US" sz="1400" dirty="0" smtClean="0"/>
               <a:t>文字</a:t>
             </a:r>
             <a:r>
-              <a:rPr kumimoji="1" lang="en-US" altLang="ja-JP" dirty="0" smtClean="0"/>
+              <a:rPr kumimoji="1" lang="en-US" altLang="ja-JP" sz="1400" dirty="0" smtClean="0"/>
               <a:t>: character</a:t>
             </a:r>
-            <a:endParaRPr kumimoji="1" lang="ja-JP" altLang="en-US" dirty="0"/>
           </a:p>
         </p:txBody>
       </p:sp>
     </p:spTree>
     <p:extLst>
       <p:ext uri="{BB962C8B-B14F-4D97-AF65-F5344CB8AC3E}">
-        <p14:creationId xmlns:p14="http://schemas.microsoft.com/office/powerpoint/2010/main" val="637915715"/>
+        <p14:creationId xmlns:p14="http://schemas.microsoft.com/office/powerpoint/2010/main" val="290441311"/>
       </p:ext>
     </p:extLst>
   </p:cSld>
@@ -14745,11 +15642,7 @@
             <a:pPr lvl="1"/>
             <a:r>
               <a:rPr lang="ja-JP" altLang="en-US" dirty="0" smtClean="0"/>
-              <a:t>型を変換する必要が</a:t>
-            </a:r>
-            <a:r>
-              <a:rPr lang="ja-JP" altLang="en-US" dirty="0" smtClean="0"/>
-              <a:t>ある</a:t>
+              <a:t>型を変換する必要がある</a:t>
             </a:r>
             <a:endParaRPr lang="en-US" altLang="ja-JP" dirty="0" smtClean="0"/>
           </a:p>
@@ -15305,11 +16198,6 @@
               </a:rPr>
               <a:t>d);</a:t>
             </a:r>
-            <a:endParaRPr kumimoji="1" lang="en-US" altLang="ja-JP" dirty="0" smtClean="0">
-              <a:latin typeface="MS Gothic" charset="-128"/>
-              <a:ea typeface="MS Gothic" charset="-128"/>
-              <a:cs typeface="MS Gothic" charset="-128"/>
-            </a:endParaRPr>
           </a:p>
         </p:txBody>
       </p:sp>
@@ -17086,11 +17974,7 @@
             </a:r>
             <a:r>
               <a:rPr lang="en-US" altLang="ja-JP" dirty="0" smtClean="0"/>
-              <a:t> </a:t>
-            </a:r>
-            <a:r>
-              <a:rPr lang="en-US" altLang="ja-JP" dirty="0" smtClean="0"/>
-              <a:t>||</a:t>
+              <a:t> ||</a:t>
             </a:r>
           </a:p>
           <a:p>
@@ -30235,6 +31119,1469 @@
         <p:spPr/>
         <p:txBody>
           <a:bodyPr>
+            <a:noAutofit/>
+          </a:bodyPr>
+          <a:lstStyle/>
+          <a:p>
+            <a:r>
+              <a:rPr lang="en-US" altLang="ja-JP" sz="4000" dirty="0" smtClean="0"/>
+              <a:t>15.1.5 </a:t>
+            </a:r>
+            <a:r>
+              <a:rPr lang="ja-JP" altLang="en-US" sz="4000" dirty="0" smtClean="0"/>
+              <a:t>オブジェクトを使う</a:t>
+            </a:r>
+            <a:r>
+              <a:rPr lang="en-US" altLang="ja-JP" sz="4000" dirty="0" smtClean="0"/>
+              <a:t/>
+            </a:r>
+            <a:br>
+              <a:rPr lang="en-US" altLang="ja-JP" sz="4000" dirty="0" smtClean="0"/>
+            </a:br>
+            <a:r>
+              <a:rPr lang="ja-JP" altLang="en-US" sz="4000" dirty="0" smtClean="0"/>
+              <a:t>インスタンスを表す変数の用意</a:t>
+            </a:r>
+            <a:endParaRPr kumimoji="1" lang="ja-JP" altLang="en-US" sz="4000" dirty="0"/>
+          </a:p>
+        </p:txBody>
+      </p:sp>
+      <p:sp>
+        <p:nvSpPr>
+          <p:cNvPr id="3" name="コンテンツ プレースホルダー 2"/>
+          <p:cNvSpPr>
+            <a:spLocks noGrp="1"/>
+          </p:cNvSpPr>
+          <p:nvPr>
+            <p:ph idx="1"/>
+          </p:nvPr>
+        </p:nvSpPr>
+        <p:spPr/>
+        <p:txBody>
+          <a:bodyPr>
+            <a:normAutofit/>
+          </a:bodyPr>
+          <a:lstStyle/>
+          <a:p>
+            <a:pPr marL="91440" lvl="1" indent="-91440">
+              <a:spcBef>
+                <a:spcPts val="1200"/>
+              </a:spcBef>
+              <a:spcAft>
+                <a:spcPts val="200"/>
+              </a:spcAft>
+              <a:buSzPct val="100000"/>
+              <a:buFont typeface="Calibri" charset="0"/>
+              <a:buChar char="◦"/>
+            </a:pPr>
+            <a:r>
+              <a:rPr lang="ja-JP" altLang="en-US" sz="2400" dirty="0"/>
+              <a:t>インスタンスを表す変数を用意</a:t>
+            </a:r>
+            <a:r>
+              <a:rPr lang="ja-JP" altLang="en-US" sz="2400" dirty="0" smtClean="0"/>
+              <a:t>する</a:t>
+            </a:r>
+            <a:endParaRPr lang="en-US" altLang="ja-JP" sz="2400" dirty="0"/>
+          </a:p>
+          <a:p>
+            <a:pPr marL="274320" lvl="2" indent="-91440">
+              <a:spcBef>
+                <a:spcPts val="1200"/>
+              </a:spcBef>
+              <a:spcAft>
+                <a:spcPts val="200"/>
+              </a:spcAft>
+              <a:buSzPct val="100000"/>
+              <a:buFont typeface="Calibri" charset="0"/>
+              <a:buChar char="◦"/>
+            </a:pPr>
+            <a:endParaRPr lang="en-US" altLang="ja-JP" sz="1800" dirty="0" smtClean="0"/>
+          </a:p>
+          <a:p>
+            <a:pPr marL="91440" lvl="1" indent="-91440">
+              <a:spcBef>
+                <a:spcPts val="1200"/>
+              </a:spcBef>
+              <a:spcAft>
+                <a:spcPts val="200"/>
+              </a:spcAft>
+              <a:buSzPct val="100000"/>
+              <a:buFont typeface="Calibri" charset="0"/>
+              <a:buChar char="◦"/>
+            </a:pPr>
+            <a:r>
+              <a:rPr lang="ja-JP" altLang="en-US" sz="2400" dirty="0" smtClean="0"/>
+              <a:t>プログラム全体で使うインスタンスは、一番外側で宣言</a:t>
+            </a:r>
+            <a:endParaRPr lang="en-US" altLang="ja-JP" sz="2400" dirty="0"/>
+          </a:p>
+        </p:txBody>
+      </p:sp>
+      <p:sp>
+        <p:nvSpPr>
+          <p:cNvPr id="4" name="スライド番号プレースホルダー 3"/>
+          <p:cNvSpPr>
+            <a:spLocks noGrp="1"/>
+          </p:cNvSpPr>
+          <p:nvPr>
+            <p:ph type="sldNum" sz="quarter" idx="12"/>
+          </p:nvPr>
+        </p:nvSpPr>
+        <p:spPr/>
+        <p:txBody>
+          <a:bodyPr/>
+          <a:lstStyle/>
+          <a:p>
+            <a:fld id="{6113E31D-E2AB-40D1-8B51-AFA5AFEF393A}" type="slidenum">
+              <a:rPr lang="en-US" smtClean="0"/>
+              <a:pPr/>
+              <a:t>86</a:t>
+            </a:fld>
+            <a:endParaRPr lang="en-US" dirty="0"/>
+          </a:p>
+        </p:txBody>
+      </p:sp>
+      <p:sp>
+        <p:nvSpPr>
+          <p:cNvPr id="5" name="テキスト ボックス 4"/>
+          <p:cNvSpPr txBox="1"/>
+          <p:nvPr/>
+        </p:nvSpPr>
+        <p:spPr>
+          <a:xfrm>
+            <a:off x="1331451" y="3889502"/>
+            <a:ext cx="1826141" cy="2308324"/>
+          </a:xfrm>
+          <a:prstGeom prst="rect">
+            <a:avLst/>
+          </a:prstGeom>
+          <a:noFill/>
+          <a:ln>
+            <a:solidFill>
+              <a:schemeClr val="tx1"/>
+            </a:solidFill>
+          </a:ln>
+        </p:spPr>
+        <p:txBody>
+          <a:bodyPr wrap="none" rtlCol="0">
+            <a:spAutoFit/>
+          </a:bodyPr>
+          <a:lstStyle/>
+          <a:p>
+            <a:r>
+              <a:rPr kumimoji="1" lang="ja-JP" altLang="en-US" sz="1600" dirty="0" smtClean="0">
+                <a:latin typeface="MS Gothic" charset="-128"/>
+                <a:ea typeface="MS Gothic" charset="-128"/>
+                <a:cs typeface="MS Gothic" charset="-128"/>
+              </a:rPr>
+              <a:t>クラス名</a:t>
+            </a:r>
+            <a:r>
+              <a:rPr kumimoji="1" lang="en-US" altLang="ja-JP" sz="1600" dirty="0" smtClean="0">
+                <a:latin typeface="MS Gothic" charset="-128"/>
+                <a:ea typeface="MS Gothic" charset="-128"/>
+                <a:cs typeface="MS Gothic" charset="-128"/>
+              </a:rPr>
+              <a:t> </a:t>
+            </a:r>
+            <a:r>
+              <a:rPr kumimoji="1" lang="ja-JP" altLang="en-US" sz="1600" dirty="0" smtClean="0">
+                <a:latin typeface="MS Gothic" charset="-128"/>
+                <a:ea typeface="MS Gothic" charset="-128"/>
+                <a:cs typeface="MS Gothic" charset="-128"/>
+              </a:rPr>
+              <a:t>変数名</a:t>
+            </a:r>
+            <a:r>
+              <a:rPr kumimoji="1" lang="en-US" altLang="ja-JP" sz="1600" dirty="0" smtClean="0">
+                <a:latin typeface="MS Gothic" charset="-128"/>
+                <a:ea typeface="MS Gothic" charset="-128"/>
+                <a:cs typeface="MS Gothic" charset="-128"/>
+              </a:rPr>
+              <a:t>;</a:t>
+            </a:r>
+          </a:p>
+          <a:p>
+            <a:endParaRPr kumimoji="1" lang="en-US" altLang="ja-JP" sz="1600" dirty="0">
+              <a:latin typeface="MS Gothic" charset="-128"/>
+              <a:ea typeface="MS Gothic" charset="-128"/>
+              <a:cs typeface="MS Gothic" charset="-128"/>
+            </a:endParaRPr>
+          </a:p>
+          <a:p>
+            <a:r>
+              <a:rPr kumimoji="1" lang="en-US" altLang="ja-JP" sz="1600" dirty="0" smtClean="0">
+                <a:latin typeface="MS Gothic" charset="-128"/>
+                <a:ea typeface="MS Gothic" charset="-128"/>
+                <a:cs typeface="MS Gothic" charset="-128"/>
+              </a:rPr>
+              <a:t>void setup() {</a:t>
+            </a:r>
+          </a:p>
+          <a:p>
+            <a:r>
+              <a:rPr kumimoji="1" lang="en-US" altLang="ja-JP" sz="1600" dirty="0">
+                <a:latin typeface="MS Gothic" charset="-128"/>
+                <a:ea typeface="MS Gothic" charset="-128"/>
+                <a:cs typeface="MS Gothic" charset="-128"/>
+              </a:rPr>
+              <a:t> </a:t>
+            </a:r>
+            <a:r>
+              <a:rPr kumimoji="1" lang="en-US" altLang="ja-JP" sz="1600" dirty="0" smtClean="0">
+                <a:latin typeface="MS Gothic" charset="-128"/>
+                <a:ea typeface="MS Gothic" charset="-128"/>
+                <a:cs typeface="MS Gothic" charset="-128"/>
+              </a:rPr>
+              <a:t> …</a:t>
+            </a:r>
+          </a:p>
+          <a:p>
+            <a:r>
+              <a:rPr kumimoji="1" lang="en-US" altLang="ja-JP" sz="1600" dirty="0" smtClean="0">
+                <a:latin typeface="MS Gothic" charset="-128"/>
+                <a:ea typeface="MS Gothic" charset="-128"/>
+                <a:cs typeface="MS Gothic" charset="-128"/>
+              </a:rPr>
+              <a:t>}</a:t>
+            </a:r>
+          </a:p>
+          <a:p>
+            <a:endParaRPr kumimoji="1" lang="en-US" altLang="ja-JP" sz="1600" dirty="0">
+              <a:latin typeface="MS Gothic" charset="-128"/>
+              <a:ea typeface="MS Gothic" charset="-128"/>
+              <a:cs typeface="MS Gothic" charset="-128"/>
+            </a:endParaRPr>
+          </a:p>
+          <a:p>
+            <a:r>
+              <a:rPr kumimoji="1" lang="en-US" altLang="ja-JP" sz="1600" dirty="0">
+                <a:latin typeface="MS Gothic" charset="-128"/>
+                <a:ea typeface="MS Gothic" charset="-128"/>
+                <a:cs typeface="MS Gothic" charset="-128"/>
+              </a:rPr>
+              <a:t>void </a:t>
+            </a:r>
+            <a:r>
+              <a:rPr kumimoji="1" lang="en-US" altLang="ja-JP" sz="1600" dirty="0" smtClean="0">
+                <a:latin typeface="MS Gothic" charset="-128"/>
+                <a:ea typeface="MS Gothic" charset="-128"/>
+                <a:cs typeface="MS Gothic" charset="-128"/>
+              </a:rPr>
+              <a:t>draw() </a:t>
+            </a:r>
+            <a:r>
+              <a:rPr kumimoji="1" lang="en-US" altLang="ja-JP" sz="1600" dirty="0">
+                <a:latin typeface="MS Gothic" charset="-128"/>
+                <a:ea typeface="MS Gothic" charset="-128"/>
+                <a:cs typeface="MS Gothic" charset="-128"/>
+              </a:rPr>
+              <a:t>{</a:t>
+            </a:r>
+          </a:p>
+          <a:p>
+            <a:r>
+              <a:rPr kumimoji="1" lang="en-US" altLang="ja-JP" sz="1600" dirty="0">
+                <a:latin typeface="MS Gothic" charset="-128"/>
+                <a:ea typeface="MS Gothic" charset="-128"/>
+                <a:cs typeface="MS Gothic" charset="-128"/>
+              </a:rPr>
+              <a:t>  …</a:t>
+            </a:r>
+          </a:p>
+          <a:p>
+            <a:r>
+              <a:rPr kumimoji="1" lang="en-US" altLang="ja-JP" sz="1600" dirty="0" smtClean="0">
+                <a:latin typeface="MS Gothic" charset="-128"/>
+                <a:ea typeface="MS Gothic" charset="-128"/>
+                <a:cs typeface="MS Gothic" charset="-128"/>
+              </a:rPr>
+              <a:t>}</a:t>
+            </a:r>
+            <a:endParaRPr kumimoji="1" lang="en-US" altLang="ja-JP" sz="1600" dirty="0">
+              <a:latin typeface="MS Gothic" charset="-128"/>
+              <a:ea typeface="MS Gothic" charset="-128"/>
+              <a:cs typeface="MS Gothic" charset="-128"/>
+            </a:endParaRPr>
+          </a:p>
+        </p:txBody>
+      </p:sp>
+      <p:sp>
+        <p:nvSpPr>
+          <p:cNvPr id="6" name="テキスト ボックス 5"/>
+          <p:cNvSpPr txBox="1"/>
+          <p:nvPr/>
+        </p:nvSpPr>
+        <p:spPr>
+          <a:xfrm>
+            <a:off x="4303252" y="2564752"/>
+            <a:ext cx="1210588" cy="338554"/>
+          </a:xfrm>
+          <a:prstGeom prst="rect">
+            <a:avLst/>
+          </a:prstGeom>
+          <a:noFill/>
+          <a:ln>
+            <a:solidFill>
+              <a:schemeClr val="tx1"/>
+            </a:solidFill>
+          </a:ln>
+        </p:spPr>
+        <p:txBody>
+          <a:bodyPr wrap="none" rtlCol="0">
+            <a:spAutoFit/>
+          </a:bodyPr>
+          <a:lstStyle/>
+          <a:p>
+            <a:r>
+              <a:rPr kumimoji="1" lang="en-US" altLang="ja-JP" sz="1600" smtClean="0">
+                <a:latin typeface="MS Gothic" charset="-128"/>
+                <a:ea typeface="MS Gothic" charset="-128"/>
+                <a:cs typeface="MS Gothic" charset="-128"/>
+              </a:rPr>
+              <a:t>Ball ball;</a:t>
+            </a:r>
+            <a:endParaRPr kumimoji="1" lang="ja-JP" altLang="en-US" sz="1600" dirty="0">
+              <a:latin typeface="MS Gothic" charset="-128"/>
+              <a:ea typeface="MS Gothic" charset="-128"/>
+              <a:cs typeface="MS Gothic" charset="-128"/>
+            </a:endParaRPr>
+          </a:p>
+        </p:txBody>
+      </p:sp>
+      <p:sp>
+        <p:nvSpPr>
+          <p:cNvPr id="7" name="テキスト ボックス 6"/>
+          <p:cNvSpPr txBox="1"/>
+          <p:nvPr/>
+        </p:nvSpPr>
+        <p:spPr>
+          <a:xfrm>
+            <a:off x="1331452" y="2564752"/>
+            <a:ext cx="1826141" cy="338554"/>
+          </a:xfrm>
+          <a:prstGeom prst="rect">
+            <a:avLst/>
+          </a:prstGeom>
+          <a:noFill/>
+          <a:ln>
+            <a:solidFill>
+              <a:schemeClr val="tx1"/>
+            </a:solidFill>
+          </a:ln>
+        </p:spPr>
+        <p:txBody>
+          <a:bodyPr wrap="none" rtlCol="0">
+            <a:spAutoFit/>
+          </a:bodyPr>
+          <a:lstStyle/>
+          <a:p>
+            <a:r>
+              <a:rPr kumimoji="1" lang="ja-JP" altLang="en-US" sz="1600" dirty="0" smtClean="0">
+                <a:latin typeface="MS Gothic" charset="-128"/>
+                <a:ea typeface="MS Gothic" charset="-128"/>
+                <a:cs typeface="MS Gothic" charset="-128"/>
+              </a:rPr>
+              <a:t>クラス名</a:t>
+            </a:r>
+            <a:r>
+              <a:rPr kumimoji="1" lang="en-US" altLang="ja-JP" sz="1600" dirty="0" smtClean="0">
+                <a:latin typeface="MS Gothic" charset="-128"/>
+                <a:ea typeface="MS Gothic" charset="-128"/>
+                <a:cs typeface="MS Gothic" charset="-128"/>
+              </a:rPr>
+              <a:t> </a:t>
+            </a:r>
+            <a:r>
+              <a:rPr kumimoji="1" lang="ja-JP" altLang="en-US" sz="1600" dirty="0" smtClean="0">
+                <a:latin typeface="MS Gothic" charset="-128"/>
+                <a:ea typeface="MS Gothic" charset="-128"/>
+                <a:cs typeface="MS Gothic" charset="-128"/>
+              </a:rPr>
+              <a:t>変数名</a:t>
+            </a:r>
+            <a:r>
+              <a:rPr kumimoji="1" lang="en-US" altLang="ja-JP" sz="1600" dirty="0" smtClean="0">
+                <a:latin typeface="MS Gothic" charset="-128"/>
+                <a:ea typeface="MS Gothic" charset="-128"/>
+                <a:cs typeface="MS Gothic" charset="-128"/>
+              </a:rPr>
+              <a:t>;</a:t>
+            </a:r>
+          </a:p>
+        </p:txBody>
+      </p:sp>
+    </p:spTree>
+    <p:extLst>
+      <p:ext uri="{BB962C8B-B14F-4D97-AF65-F5344CB8AC3E}">
+        <p14:creationId xmlns:p14="http://schemas.microsoft.com/office/powerpoint/2010/main" val="434107458"/>
+      </p:ext>
+    </p:extLst>
+  </p:cSld>
+  <p:clrMapOvr>
+    <a:masterClrMapping/>
+  </p:clrMapOvr>
+</p:sld>
+</file>
+
+<file path=ppt/slides/slide87.xml><?xml version="1.0" encoding="utf-8"?>
+<p:sld xmlns:a="http://schemas.openxmlformats.org/drawingml/2006/main" xmlns:r="http://schemas.openxmlformats.org/officeDocument/2006/relationships" xmlns:p="http://schemas.openxmlformats.org/presentationml/2006/main">
+  <p:cSld>
+    <p:spTree>
+      <p:nvGrpSpPr>
+        <p:cNvPr id="1" name=""/>
+        <p:cNvGrpSpPr/>
+        <p:nvPr/>
+      </p:nvGrpSpPr>
+      <p:grpSpPr>
+        <a:xfrm>
+          <a:off x="0" y="0"/>
+          <a:ext cx="0" cy="0"/>
+          <a:chOff x="0" y="0"/>
+          <a:chExt cx="0" cy="0"/>
+        </a:xfrm>
+      </p:grpSpPr>
+      <p:sp>
+        <p:nvSpPr>
+          <p:cNvPr id="2" name="タイトル 1"/>
+          <p:cNvSpPr>
+            <a:spLocks noGrp="1"/>
+          </p:cNvSpPr>
+          <p:nvPr>
+            <p:ph type="title"/>
+          </p:nvPr>
+        </p:nvSpPr>
+        <p:spPr/>
+        <p:txBody>
+          <a:bodyPr>
+            <a:noAutofit/>
+          </a:bodyPr>
+          <a:lstStyle/>
+          <a:p>
+            <a:r>
+              <a:rPr lang="ja-JP" altLang="en-US" sz="4000" dirty="0" smtClean="0"/>
+              <a:t>インスタンスを作り変数に代入</a:t>
+            </a:r>
+            <a:endParaRPr kumimoji="1" lang="ja-JP" altLang="en-US" sz="4000" dirty="0"/>
+          </a:p>
+        </p:txBody>
+      </p:sp>
+      <p:sp>
+        <p:nvSpPr>
+          <p:cNvPr id="3" name="コンテンツ プレースホルダー 2"/>
+          <p:cNvSpPr>
+            <a:spLocks noGrp="1"/>
+          </p:cNvSpPr>
+          <p:nvPr>
+            <p:ph idx="1"/>
+          </p:nvPr>
+        </p:nvSpPr>
+        <p:spPr/>
+        <p:txBody>
+          <a:bodyPr>
+            <a:normAutofit/>
+          </a:bodyPr>
+          <a:lstStyle/>
+          <a:p>
+            <a:pPr marL="91440" lvl="1" indent="-91440">
+              <a:spcBef>
+                <a:spcPts val="1200"/>
+              </a:spcBef>
+              <a:spcAft>
+                <a:spcPts val="200"/>
+              </a:spcAft>
+              <a:buSzPct val="100000"/>
+              <a:buFont typeface="Calibri" charset="0"/>
+              <a:buChar char="◦"/>
+            </a:pPr>
+            <a:r>
+              <a:rPr lang="en-US" altLang="ja-JP" sz="2400" dirty="0" smtClean="0"/>
+              <a:t>new</a:t>
+            </a:r>
+            <a:r>
+              <a:rPr lang="ja-JP" altLang="en-US" sz="2400" dirty="0" smtClean="0"/>
+              <a:t>で作り、</a:t>
+            </a:r>
+            <a:r>
+              <a:rPr lang="en-US" altLang="ja-JP" sz="2400" dirty="0" smtClean="0"/>
+              <a:t>=</a:t>
+            </a:r>
+            <a:r>
+              <a:rPr lang="ja-JP" altLang="en-US" sz="2400" dirty="0" smtClean="0"/>
+              <a:t>で変数に代入</a:t>
+            </a:r>
+            <a:endParaRPr lang="en-US" altLang="ja-JP" sz="2400" dirty="0"/>
+          </a:p>
+          <a:p>
+            <a:pPr marL="274320" lvl="2" indent="-91440">
+              <a:spcBef>
+                <a:spcPts val="1200"/>
+              </a:spcBef>
+              <a:spcAft>
+                <a:spcPts val="200"/>
+              </a:spcAft>
+              <a:buSzPct val="100000"/>
+              <a:buFont typeface="Calibri" charset="0"/>
+              <a:buChar char="◦"/>
+            </a:pPr>
+            <a:endParaRPr lang="en-US" altLang="ja-JP" sz="1800" dirty="0" smtClean="0"/>
+          </a:p>
+          <a:p>
+            <a:pPr marL="91440" lvl="1" indent="-91440">
+              <a:spcBef>
+                <a:spcPts val="1200"/>
+              </a:spcBef>
+              <a:spcAft>
+                <a:spcPts val="200"/>
+              </a:spcAft>
+              <a:buSzPct val="100000"/>
+              <a:buFont typeface="Calibri" charset="0"/>
+              <a:buChar char="◦"/>
+            </a:pPr>
+            <a:r>
+              <a:rPr lang="ja-JP" altLang="en-US" sz="2400" dirty="0" smtClean="0"/>
+              <a:t>初期化のときにインスタンスを作るには、</a:t>
+            </a:r>
+            <a:r>
+              <a:rPr lang="en-US" altLang="ja-JP" sz="2400" dirty="0" smtClean="0"/>
+              <a:t>setup</a:t>
+            </a:r>
+            <a:r>
+              <a:rPr lang="ja-JP" altLang="en-US" sz="2400" dirty="0" smtClean="0"/>
+              <a:t>の中で</a:t>
+            </a:r>
+            <a:endParaRPr lang="en-US" altLang="ja-JP" sz="2400" dirty="0"/>
+          </a:p>
+        </p:txBody>
+      </p:sp>
+      <p:sp>
+        <p:nvSpPr>
+          <p:cNvPr id="4" name="スライド番号プレースホルダー 3"/>
+          <p:cNvSpPr>
+            <a:spLocks noGrp="1"/>
+          </p:cNvSpPr>
+          <p:nvPr>
+            <p:ph type="sldNum" sz="quarter" idx="12"/>
+          </p:nvPr>
+        </p:nvSpPr>
+        <p:spPr/>
+        <p:txBody>
+          <a:bodyPr/>
+          <a:lstStyle/>
+          <a:p>
+            <a:fld id="{6113E31D-E2AB-40D1-8B51-AFA5AFEF393A}" type="slidenum">
+              <a:rPr lang="en-US" smtClean="0"/>
+              <a:pPr/>
+              <a:t>87</a:t>
+            </a:fld>
+            <a:endParaRPr lang="en-US" dirty="0"/>
+          </a:p>
+        </p:txBody>
+      </p:sp>
+      <p:sp>
+        <p:nvSpPr>
+          <p:cNvPr id="5" name="テキスト ボックス 4"/>
+          <p:cNvSpPr txBox="1"/>
+          <p:nvPr/>
+        </p:nvSpPr>
+        <p:spPr>
+          <a:xfrm>
+            <a:off x="1331452" y="3737102"/>
+            <a:ext cx="2852063" cy="2554545"/>
+          </a:xfrm>
+          <a:prstGeom prst="rect">
+            <a:avLst/>
+          </a:prstGeom>
+          <a:noFill/>
+          <a:ln>
+            <a:solidFill>
+              <a:schemeClr val="tx1"/>
+            </a:solidFill>
+          </a:ln>
+        </p:spPr>
+        <p:txBody>
+          <a:bodyPr wrap="none" rtlCol="0">
+            <a:spAutoFit/>
+          </a:bodyPr>
+          <a:lstStyle/>
+          <a:p>
+            <a:r>
+              <a:rPr kumimoji="1" lang="ja-JP" altLang="en-US" sz="1600" dirty="0" smtClean="0">
+                <a:latin typeface="MS Gothic" charset="-128"/>
+                <a:ea typeface="MS Gothic" charset="-128"/>
+                <a:cs typeface="MS Gothic" charset="-128"/>
+              </a:rPr>
+              <a:t>クラス名</a:t>
+            </a:r>
+            <a:r>
+              <a:rPr kumimoji="1" lang="en-US" altLang="ja-JP" sz="1600" dirty="0" smtClean="0">
+                <a:latin typeface="MS Gothic" charset="-128"/>
+                <a:ea typeface="MS Gothic" charset="-128"/>
+                <a:cs typeface="MS Gothic" charset="-128"/>
+              </a:rPr>
+              <a:t> </a:t>
+            </a:r>
+            <a:r>
+              <a:rPr kumimoji="1" lang="ja-JP" altLang="en-US" sz="1600" dirty="0" smtClean="0">
+                <a:latin typeface="MS Gothic" charset="-128"/>
+                <a:ea typeface="MS Gothic" charset="-128"/>
+                <a:cs typeface="MS Gothic" charset="-128"/>
+              </a:rPr>
+              <a:t>変数名</a:t>
+            </a:r>
+            <a:r>
+              <a:rPr kumimoji="1" lang="en-US" altLang="ja-JP" sz="1600" dirty="0" smtClean="0">
+                <a:latin typeface="MS Gothic" charset="-128"/>
+                <a:ea typeface="MS Gothic" charset="-128"/>
+                <a:cs typeface="MS Gothic" charset="-128"/>
+              </a:rPr>
+              <a:t>;</a:t>
+            </a:r>
+          </a:p>
+          <a:p>
+            <a:endParaRPr kumimoji="1" lang="en-US" altLang="ja-JP" sz="1600" dirty="0">
+              <a:latin typeface="MS Gothic" charset="-128"/>
+              <a:ea typeface="MS Gothic" charset="-128"/>
+              <a:cs typeface="MS Gothic" charset="-128"/>
+            </a:endParaRPr>
+          </a:p>
+          <a:p>
+            <a:r>
+              <a:rPr kumimoji="1" lang="en-US" altLang="ja-JP" sz="1600" dirty="0" smtClean="0">
+                <a:latin typeface="MS Gothic" charset="-128"/>
+                <a:ea typeface="MS Gothic" charset="-128"/>
+                <a:cs typeface="MS Gothic" charset="-128"/>
+              </a:rPr>
+              <a:t>void setup() {</a:t>
+            </a:r>
+          </a:p>
+          <a:p>
+            <a:r>
+              <a:rPr kumimoji="1" lang="en-US" altLang="ja-JP" sz="1600" dirty="0">
+                <a:latin typeface="MS Gothic" charset="-128"/>
+                <a:ea typeface="MS Gothic" charset="-128"/>
+                <a:cs typeface="MS Gothic" charset="-128"/>
+              </a:rPr>
+              <a:t> </a:t>
+            </a:r>
+            <a:r>
+              <a:rPr kumimoji="1" lang="en-US" altLang="ja-JP" sz="1600" dirty="0" smtClean="0">
+                <a:latin typeface="MS Gothic" charset="-128"/>
+                <a:ea typeface="MS Gothic" charset="-128"/>
+                <a:cs typeface="MS Gothic" charset="-128"/>
+              </a:rPr>
+              <a:t> </a:t>
+            </a:r>
+            <a:r>
+              <a:rPr kumimoji="1" lang="ja-JP" altLang="en-US" sz="1600" dirty="0" smtClean="0">
+                <a:latin typeface="MS Gothic" charset="-128"/>
+                <a:ea typeface="MS Gothic" charset="-128"/>
+                <a:cs typeface="MS Gothic" charset="-128"/>
+              </a:rPr>
+              <a:t>変数名</a:t>
+            </a:r>
+            <a:r>
+              <a:rPr kumimoji="1" lang="en-US" altLang="ja-JP" sz="1600" dirty="0" smtClean="0">
+                <a:latin typeface="MS Gothic" charset="-128"/>
+                <a:ea typeface="MS Gothic" charset="-128"/>
+                <a:cs typeface="MS Gothic" charset="-128"/>
+              </a:rPr>
+              <a:t> = new </a:t>
+            </a:r>
+            <a:r>
+              <a:rPr kumimoji="1" lang="ja-JP" altLang="en-US" sz="1600" dirty="0" smtClean="0">
+                <a:latin typeface="MS Gothic" charset="-128"/>
+                <a:ea typeface="MS Gothic" charset="-128"/>
+                <a:cs typeface="MS Gothic" charset="-128"/>
+              </a:rPr>
+              <a:t>クラス名</a:t>
+            </a:r>
+            <a:r>
+              <a:rPr kumimoji="1" lang="en-US" altLang="ja-JP" sz="1600" dirty="0" smtClean="0">
+                <a:latin typeface="MS Gothic" charset="-128"/>
+                <a:ea typeface="MS Gothic" charset="-128"/>
+                <a:cs typeface="MS Gothic" charset="-128"/>
+              </a:rPr>
+              <a:t>();</a:t>
+            </a:r>
+            <a:endParaRPr kumimoji="1" lang="en-US" altLang="ja-JP" sz="1600" dirty="0" smtClean="0">
+              <a:latin typeface="MS Gothic" charset="-128"/>
+              <a:ea typeface="MS Gothic" charset="-128"/>
+              <a:cs typeface="MS Gothic" charset="-128"/>
+            </a:endParaRPr>
+          </a:p>
+          <a:p>
+            <a:r>
+              <a:rPr kumimoji="1" lang="en-US" altLang="ja-JP" sz="1600" dirty="0">
+                <a:latin typeface="MS Gothic" charset="-128"/>
+                <a:ea typeface="MS Gothic" charset="-128"/>
+                <a:cs typeface="MS Gothic" charset="-128"/>
+              </a:rPr>
+              <a:t> </a:t>
+            </a:r>
+            <a:r>
+              <a:rPr kumimoji="1" lang="en-US" altLang="ja-JP" sz="1600" dirty="0" smtClean="0">
+                <a:latin typeface="MS Gothic" charset="-128"/>
+                <a:ea typeface="MS Gothic" charset="-128"/>
+                <a:cs typeface="MS Gothic" charset="-128"/>
+              </a:rPr>
+              <a:t> …</a:t>
+            </a:r>
+          </a:p>
+          <a:p>
+            <a:r>
+              <a:rPr kumimoji="1" lang="en-US" altLang="ja-JP" sz="1600" dirty="0" smtClean="0">
+                <a:latin typeface="MS Gothic" charset="-128"/>
+                <a:ea typeface="MS Gothic" charset="-128"/>
+                <a:cs typeface="MS Gothic" charset="-128"/>
+              </a:rPr>
+              <a:t>}</a:t>
+            </a:r>
+          </a:p>
+          <a:p>
+            <a:endParaRPr kumimoji="1" lang="en-US" altLang="ja-JP" sz="1600" dirty="0">
+              <a:latin typeface="MS Gothic" charset="-128"/>
+              <a:ea typeface="MS Gothic" charset="-128"/>
+              <a:cs typeface="MS Gothic" charset="-128"/>
+            </a:endParaRPr>
+          </a:p>
+          <a:p>
+            <a:r>
+              <a:rPr kumimoji="1" lang="en-US" altLang="ja-JP" sz="1600" dirty="0">
+                <a:latin typeface="MS Gothic" charset="-128"/>
+                <a:ea typeface="MS Gothic" charset="-128"/>
+                <a:cs typeface="MS Gothic" charset="-128"/>
+              </a:rPr>
+              <a:t>void </a:t>
+            </a:r>
+            <a:r>
+              <a:rPr kumimoji="1" lang="en-US" altLang="ja-JP" sz="1600" dirty="0" smtClean="0">
+                <a:latin typeface="MS Gothic" charset="-128"/>
+                <a:ea typeface="MS Gothic" charset="-128"/>
+                <a:cs typeface="MS Gothic" charset="-128"/>
+              </a:rPr>
+              <a:t>draw() </a:t>
+            </a:r>
+            <a:r>
+              <a:rPr kumimoji="1" lang="en-US" altLang="ja-JP" sz="1600" dirty="0">
+                <a:latin typeface="MS Gothic" charset="-128"/>
+                <a:ea typeface="MS Gothic" charset="-128"/>
+                <a:cs typeface="MS Gothic" charset="-128"/>
+              </a:rPr>
+              <a:t>{</a:t>
+            </a:r>
+          </a:p>
+          <a:p>
+            <a:r>
+              <a:rPr kumimoji="1" lang="en-US" altLang="ja-JP" sz="1600" dirty="0">
+                <a:latin typeface="MS Gothic" charset="-128"/>
+                <a:ea typeface="MS Gothic" charset="-128"/>
+                <a:cs typeface="MS Gothic" charset="-128"/>
+              </a:rPr>
+              <a:t>  …</a:t>
+            </a:r>
+          </a:p>
+          <a:p>
+            <a:r>
+              <a:rPr kumimoji="1" lang="en-US" altLang="ja-JP" sz="1600" dirty="0" smtClean="0">
+                <a:latin typeface="MS Gothic" charset="-128"/>
+                <a:ea typeface="MS Gothic" charset="-128"/>
+                <a:cs typeface="MS Gothic" charset="-128"/>
+              </a:rPr>
+              <a:t>}</a:t>
+            </a:r>
+            <a:endParaRPr kumimoji="1" lang="en-US" altLang="ja-JP" sz="1600" dirty="0">
+              <a:latin typeface="MS Gothic" charset="-128"/>
+              <a:ea typeface="MS Gothic" charset="-128"/>
+              <a:cs typeface="MS Gothic" charset="-128"/>
+            </a:endParaRPr>
+          </a:p>
+        </p:txBody>
+      </p:sp>
+      <p:sp>
+        <p:nvSpPr>
+          <p:cNvPr id="6" name="テキスト ボックス 5"/>
+          <p:cNvSpPr txBox="1"/>
+          <p:nvPr/>
+        </p:nvSpPr>
+        <p:spPr>
+          <a:xfrm>
+            <a:off x="4303252" y="2564752"/>
+            <a:ext cx="2031325" cy="338554"/>
+          </a:xfrm>
+          <a:prstGeom prst="rect">
+            <a:avLst/>
+          </a:prstGeom>
+          <a:noFill/>
+          <a:ln>
+            <a:solidFill>
+              <a:schemeClr val="tx1"/>
+            </a:solidFill>
+          </a:ln>
+        </p:spPr>
+        <p:txBody>
+          <a:bodyPr wrap="none" rtlCol="0">
+            <a:spAutoFit/>
+          </a:bodyPr>
+          <a:lstStyle/>
+          <a:p>
+            <a:r>
+              <a:rPr kumimoji="1" lang="en-US" altLang="ja-JP" sz="1600" dirty="0" smtClean="0">
+                <a:latin typeface="MS Gothic" charset="-128"/>
+                <a:ea typeface="MS Gothic" charset="-128"/>
+                <a:cs typeface="MS Gothic" charset="-128"/>
+              </a:rPr>
+              <a:t>ball = new Ball();</a:t>
+            </a:r>
+            <a:endParaRPr kumimoji="1" lang="ja-JP" altLang="en-US" sz="1600" dirty="0">
+              <a:latin typeface="MS Gothic" charset="-128"/>
+              <a:ea typeface="MS Gothic" charset="-128"/>
+              <a:cs typeface="MS Gothic" charset="-128"/>
+            </a:endParaRPr>
+          </a:p>
+        </p:txBody>
+      </p:sp>
+      <p:sp>
+        <p:nvSpPr>
+          <p:cNvPr id="7" name="テキスト ボックス 6"/>
+          <p:cNvSpPr txBox="1"/>
+          <p:nvPr/>
+        </p:nvSpPr>
+        <p:spPr>
+          <a:xfrm>
+            <a:off x="1331452" y="2564752"/>
+            <a:ext cx="2646878" cy="338554"/>
+          </a:xfrm>
+          <a:prstGeom prst="rect">
+            <a:avLst/>
+          </a:prstGeom>
+          <a:noFill/>
+          <a:ln>
+            <a:solidFill>
+              <a:schemeClr val="tx1"/>
+            </a:solidFill>
+          </a:ln>
+        </p:spPr>
+        <p:txBody>
+          <a:bodyPr wrap="none" rtlCol="0">
+            <a:spAutoFit/>
+          </a:bodyPr>
+          <a:lstStyle/>
+          <a:p>
+            <a:r>
+              <a:rPr kumimoji="1" lang="ja-JP" altLang="en-US" sz="1600" dirty="0" smtClean="0">
+                <a:latin typeface="MS Gothic" charset="-128"/>
+                <a:ea typeface="MS Gothic" charset="-128"/>
+                <a:cs typeface="MS Gothic" charset="-128"/>
+              </a:rPr>
+              <a:t>変数名</a:t>
+            </a:r>
+            <a:r>
+              <a:rPr kumimoji="1" lang="en-US" altLang="ja-JP" sz="1600" dirty="0" smtClean="0">
+                <a:latin typeface="MS Gothic" charset="-128"/>
+                <a:ea typeface="MS Gothic" charset="-128"/>
+                <a:cs typeface="MS Gothic" charset="-128"/>
+              </a:rPr>
+              <a:t> = new </a:t>
+            </a:r>
+            <a:r>
+              <a:rPr kumimoji="1" lang="ja-JP" altLang="en-US" sz="1600" dirty="0" smtClean="0">
+                <a:latin typeface="MS Gothic" charset="-128"/>
+                <a:ea typeface="MS Gothic" charset="-128"/>
+                <a:cs typeface="MS Gothic" charset="-128"/>
+              </a:rPr>
+              <a:t>クラス名</a:t>
+            </a:r>
+            <a:r>
+              <a:rPr kumimoji="1" lang="en-US" altLang="ja-JP" sz="1600" dirty="0" smtClean="0">
+                <a:latin typeface="MS Gothic" charset="-128"/>
+                <a:ea typeface="MS Gothic" charset="-128"/>
+                <a:cs typeface="MS Gothic" charset="-128"/>
+              </a:rPr>
+              <a:t>()</a:t>
+            </a:r>
+            <a:r>
+              <a:rPr kumimoji="1" lang="en-US" altLang="ja-JP" sz="1600" dirty="0" smtClean="0">
+                <a:latin typeface="MS Gothic" charset="-128"/>
+                <a:ea typeface="MS Gothic" charset="-128"/>
+                <a:cs typeface="MS Gothic" charset="-128"/>
+              </a:rPr>
+              <a:t>;</a:t>
+            </a:r>
+          </a:p>
+        </p:txBody>
+      </p:sp>
+    </p:spTree>
+    <p:extLst>
+      <p:ext uri="{BB962C8B-B14F-4D97-AF65-F5344CB8AC3E}">
+        <p14:creationId xmlns:p14="http://schemas.microsoft.com/office/powerpoint/2010/main" val="1355625965"/>
+      </p:ext>
+    </p:extLst>
+  </p:cSld>
+  <p:clrMapOvr>
+    <a:masterClrMapping/>
+  </p:clrMapOvr>
+</p:sld>
+</file>
+
+<file path=ppt/slides/slide88.xml><?xml version="1.0" encoding="utf-8"?>
+<p:sld xmlns:a="http://schemas.openxmlformats.org/drawingml/2006/main" xmlns:r="http://schemas.openxmlformats.org/officeDocument/2006/relationships" xmlns:p="http://schemas.openxmlformats.org/presentationml/2006/main">
+  <p:cSld>
+    <p:spTree>
+      <p:nvGrpSpPr>
+        <p:cNvPr id="1" name=""/>
+        <p:cNvGrpSpPr/>
+        <p:nvPr/>
+      </p:nvGrpSpPr>
+      <p:grpSpPr>
+        <a:xfrm>
+          <a:off x="0" y="0"/>
+          <a:ext cx="0" cy="0"/>
+          <a:chOff x="0" y="0"/>
+          <a:chExt cx="0" cy="0"/>
+        </a:xfrm>
+      </p:grpSpPr>
+      <p:sp>
+        <p:nvSpPr>
+          <p:cNvPr id="2" name="タイトル 1"/>
+          <p:cNvSpPr>
+            <a:spLocks noGrp="1"/>
+          </p:cNvSpPr>
+          <p:nvPr>
+            <p:ph type="title"/>
+          </p:nvPr>
+        </p:nvSpPr>
+        <p:spPr/>
+        <p:txBody>
+          <a:bodyPr>
+            <a:noAutofit/>
+          </a:bodyPr>
+          <a:lstStyle/>
+          <a:p>
+            <a:r>
+              <a:rPr lang="ja-JP" altLang="en-US" sz="4000" dirty="0" smtClean="0"/>
+              <a:t>インスタンスを操作</a:t>
+            </a:r>
+            <a:endParaRPr kumimoji="1" lang="ja-JP" altLang="en-US" sz="4000" dirty="0"/>
+          </a:p>
+        </p:txBody>
+      </p:sp>
+      <p:sp>
+        <p:nvSpPr>
+          <p:cNvPr id="3" name="コンテンツ プレースホルダー 2"/>
+          <p:cNvSpPr>
+            <a:spLocks noGrp="1"/>
+          </p:cNvSpPr>
+          <p:nvPr>
+            <p:ph idx="1"/>
+          </p:nvPr>
+        </p:nvSpPr>
+        <p:spPr/>
+        <p:txBody>
+          <a:bodyPr>
+            <a:normAutofit/>
+          </a:bodyPr>
+          <a:lstStyle/>
+          <a:p>
+            <a:pPr marL="91440" lvl="1" indent="-91440">
+              <a:spcBef>
+                <a:spcPts val="1200"/>
+              </a:spcBef>
+              <a:spcAft>
+                <a:spcPts val="200"/>
+              </a:spcAft>
+              <a:buSzPct val="100000"/>
+              <a:buFont typeface="Calibri" charset="0"/>
+              <a:buChar char="◦"/>
+            </a:pPr>
+            <a:r>
+              <a:rPr lang="ja-JP" altLang="en-US" sz="2400" dirty="0" smtClean="0"/>
+              <a:t>「インスタンス</a:t>
+            </a:r>
+            <a:r>
+              <a:rPr lang="en-US" altLang="ja-JP" sz="4800" dirty="0" smtClean="0">
+                <a:solidFill>
+                  <a:srgbClr val="FF0000"/>
+                </a:solidFill>
+              </a:rPr>
+              <a:t>.</a:t>
+            </a:r>
+            <a:r>
+              <a:rPr lang="ja-JP" altLang="en-US" sz="2400" dirty="0" smtClean="0">
+                <a:solidFill>
+                  <a:srgbClr val="FF0000"/>
+                </a:solidFill>
+              </a:rPr>
+              <a:t>フィールド</a:t>
+            </a:r>
+            <a:r>
+              <a:rPr lang="ja-JP" altLang="en-US" sz="2400" dirty="0" smtClean="0"/>
+              <a:t>」でフィールドにアクセス</a:t>
+            </a:r>
+            <a:endParaRPr lang="en-US" altLang="ja-JP" sz="2400" dirty="0" smtClean="0"/>
+          </a:p>
+          <a:p>
+            <a:pPr marL="274320" lvl="2" indent="-91440">
+              <a:spcBef>
+                <a:spcPts val="1200"/>
+              </a:spcBef>
+              <a:spcAft>
+                <a:spcPts val="200"/>
+              </a:spcAft>
+              <a:buSzPct val="100000"/>
+              <a:buFont typeface="Calibri" charset="0"/>
+              <a:buChar char="◦"/>
+            </a:pPr>
+            <a:endParaRPr lang="en-US" altLang="ja-JP" sz="1600" dirty="0" smtClean="0"/>
+          </a:p>
+          <a:p>
+            <a:pPr marL="274320" lvl="2" indent="-91440">
+              <a:spcBef>
+                <a:spcPts val="1200"/>
+              </a:spcBef>
+              <a:spcAft>
+                <a:spcPts val="200"/>
+              </a:spcAft>
+              <a:buSzPct val="100000"/>
+              <a:buFont typeface="Calibri" charset="0"/>
+              <a:buChar char="◦"/>
+            </a:pPr>
+            <a:endParaRPr lang="en-US" altLang="ja-JP" sz="1600" dirty="0" smtClean="0"/>
+          </a:p>
+          <a:p>
+            <a:pPr marL="91440" lvl="1" indent="-91440">
+              <a:spcBef>
+                <a:spcPts val="1200"/>
+              </a:spcBef>
+              <a:spcAft>
+                <a:spcPts val="200"/>
+              </a:spcAft>
+              <a:buSzPct val="100000"/>
+              <a:buFont typeface="Calibri" charset="0"/>
+              <a:buChar char="◦"/>
+            </a:pPr>
+            <a:r>
+              <a:rPr lang="ja-JP" altLang="en-US" sz="2400" dirty="0" smtClean="0"/>
+              <a:t>「インスタンス</a:t>
+            </a:r>
+            <a:r>
+              <a:rPr lang="en-US" altLang="ja-JP" sz="4800" dirty="0" smtClean="0">
+                <a:solidFill>
+                  <a:srgbClr val="FF0000"/>
+                </a:solidFill>
+              </a:rPr>
+              <a:t>.</a:t>
+            </a:r>
+            <a:r>
+              <a:rPr lang="ja-JP" altLang="en-US" sz="2400" dirty="0" smtClean="0">
+                <a:solidFill>
+                  <a:srgbClr val="FF0000"/>
+                </a:solidFill>
+              </a:rPr>
+              <a:t>メソッド</a:t>
+            </a:r>
+            <a:r>
+              <a:rPr lang="en-US" altLang="ja-JP" sz="2400" dirty="0" smtClean="0">
+                <a:solidFill>
+                  <a:srgbClr val="FF0000"/>
+                </a:solidFill>
+              </a:rPr>
+              <a:t>()</a:t>
+            </a:r>
+            <a:r>
+              <a:rPr lang="ja-JP" altLang="en-US" sz="2400" dirty="0" smtClean="0"/>
+              <a:t>」でメソッドを実行</a:t>
+            </a:r>
+            <a:endParaRPr lang="en-US" altLang="ja-JP" sz="2400" dirty="0"/>
+          </a:p>
+        </p:txBody>
+      </p:sp>
+      <p:sp>
+        <p:nvSpPr>
+          <p:cNvPr id="4" name="スライド番号プレースホルダー 3"/>
+          <p:cNvSpPr>
+            <a:spLocks noGrp="1"/>
+          </p:cNvSpPr>
+          <p:nvPr>
+            <p:ph type="sldNum" sz="quarter" idx="12"/>
+          </p:nvPr>
+        </p:nvSpPr>
+        <p:spPr/>
+        <p:txBody>
+          <a:bodyPr/>
+          <a:lstStyle/>
+          <a:p>
+            <a:fld id="{6113E31D-E2AB-40D1-8B51-AFA5AFEF393A}" type="slidenum">
+              <a:rPr lang="en-US" smtClean="0"/>
+              <a:pPr/>
+              <a:t>88</a:t>
+            </a:fld>
+            <a:endParaRPr lang="en-US" dirty="0"/>
+          </a:p>
+        </p:txBody>
+      </p:sp>
+      <p:sp>
+        <p:nvSpPr>
+          <p:cNvPr id="6" name="テキスト ボックス 5"/>
+          <p:cNvSpPr txBox="1"/>
+          <p:nvPr/>
+        </p:nvSpPr>
+        <p:spPr>
+          <a:xfrm>
+            <a:off x="1187739" y="2955719"/>
+            <a:ext cx="5570756" cy="1631216"/>
+          </a:xfrm>
+          <a:prstGeom prst="rect">
+            <a:avLst/>
+          </a:prstGeom>
+          <a:noFill/>
+          <a:ln>
+            <a:solidFill>
+              <a:schemeClr val="tx1"/>
+            </a:solidFill>
+          </a:ln>
+        </p:spPr>
+        <p:txBody>
+          <a:bodyPr wrap="none" rtlCol="0">
+            <a:spAutoFit/>
+          </a:bodyPr>
+          <a:lstStyle/>
+          <a:p>
+            <a:r>
+              <a:rPr kumimoji="1" lang="en-US" altLang="ja-JP" sz="2000" dirty="0" smtClean="0">
+                <a:latin typeface="MS Gothic" charset="-128"/>
+                <a:ea typeface="MS Gothic" charset="-128"/>
+                <a:cs typeface="MS Gothic" charset="-128"/>
+              </a:rPr>
+              <a:t>// ball</a:t>
+            </a:r>
+            <a:r>
+              <a:rPr kumimoji="1" lang="ja-JP" altLang="en-US" sz="2000" dirty="0" smtClean="0">
+                <a:latin typeface="MS Gothic" charset="-128"/>
+                <a:ea typeface="MS Gothic" charset="-128"/>
+                <a:cs typeface="MS Gothic" charset="-128"/>
+              </a:rPr>
+              <a:t>の</a:t>
+            </a:r>
+            <a:r>
+              <a:rPr kumimoji="1" lang="en-US" altLang="ja-JP" sz="2000" dirty="0" smtClean="0">
+                <a:latin typeface="MS Gothic" charset="-128"/>
+                <a:ea typeface="MS Gothic" charset="-128"/>
+                <a:cs typeface="MS Gothic" charset="-128"/>
+              </a:rPr>
+              <a:t>x</a:t>
+            </a:r>
+            <a:r>
+              <a:rPr kumimoji="1" lang="ja-JP" altLang="en-US" sz="2000" dirty="0" smtClean="0">
+                <a:latin typeface="MS Gothic" charset="-128"/>
+                <a:ea typeface="MS Gothic" charset="-128"/>
+                <a:cs typeface="MS Gothic" charset="-128"/>
+              </a:rPr>
+              <a:t>フィールドに</a:t>
+            </a:r>
+            <a:r>
+              <a:rPr kumimoji="1" lang="en-US" altLang="ja-JP" sz="2000" dirty="0" smtClean="0">
+                <a:latin typeface="MS Gothic" charset="-128"/>
+                <a:ea typeface="MS Gothic" charset="-128"/>
+                <a:cs typeface="MS Gothic" charset="-128"/>
+              </a:rPr>
+              <a:t>10</a:t>
+            </a:r>
+            <a:r>
+              <a:rPr kumimoji="1" lang="ja-JP" altLang="en-US" sz="2000" dirty="0" smtClean="0">
+                <a:latin typeface="MS Gothic" charset="-128"/>
+                <a:ea typeface="MS Gothic" charset="-128"/>
+                <a:cs typeface="MS Gothic" charset="-128"/>
+              </a:rPr>
+              <a:t>を代入</a:t>
+            </a:r>
+            <a:endParaRPr kumimoji="1" lang="en-US" altLang="ja-JP" sz="2000" dirty="0" smtClean="0">
+              <a:latin typeface="MS Gothic" charset="-128"/>
+              <a:ea typeface="MS Gothic" charset="-128"/>
+              <a:cs typeface="MS Gothic" charset="-128"/>
+            </a:endParaRPr>
+          </a:p>
+          <a:p>
+            <a:r>
+              <a:rPr kumimoji="1" lang="en-US" altLang="ja-JP" sz="2000" dirty="0" err="1">
+                <a:latin typeface="MS Gothic" charset="-128"/>
+                <a:ea typeface="MS Gothic" charset="-128"/>
+                <a:cs typeface="MS Gothic" charset="-128"/>
+              </a:rPr>
+              <a:t>ball</a:t>
+            </a:r>
+            <a:r>
+              <a:rPr kumimoji="1" lang="en-US" altLang="ja-JP" sz="2000" dirty="0" err="1">
+                <a:solidFill>
+                  <a:srgbClr val="FF0000"/>
+                </a:solidFill>
+                <a:latin typeface="MS Gothic" charset="-128"/>
+                <a:ea typeface="MS Gothic" charset="-128"/>
+                <a:cs typeface="MS Gothic" charset="-128"/>
+              </a:rPr>
+              <a:t>.x</a:t>
+            </a:r>
+            <a:r>
+              <a:rPr kumimoji="1" lang="en-US" altLang="ja-JP" sz="2000" dirty="0">
+                <a:latin typeface="MS Gothic" charset="-128"/>
+                <a:ea typeface="MS Gothic" charset="-128"/>
+                <a:cs typeface="MS Gothic" charset="-128"/>
+              </a:rPr>
+              <a:t> = 10</a:t>
+            </a:r>
+            <a:r>
+              <a:rPr kumimoji="1" lang="en-US" altLang="ja-JP" sz="2000" dirty="0" smtClean="0">
+                <a:latin typeface="MS Gothic" charset="-128"/>
+                <a:ea typeface="MS Gothic" charset="-128"/>
+                <a:cs typeface="MS Gothic" charset="-128"/>
+              </a:rPr>
+              <a:t>;</a:t>
+            </a:r>
+          </a:p>
+          <a:p>
+            <a:endParaRPr kumimoji="1" lang="en-US" altLang="ja-JP" sz="2000" dirty="0">
+              <a:latin typeface="MS Gothic" charset="-128"/>
+              <a:ea typeface="MS Gothic" charset="-128"/>
+              <a:cs typeface="MS Gothic" charset="-128"/>
+            </a:endParaRPr>
+          </a:p>
+          <a:p>
+            <a:r>
+              <a:rPr kumimoji="1" lang="en-US" altLang="ja-JP" sz="2000" dirty="0" smtClean="0">
+                <a:latin typeface="MS Gothic" charset="-128"/>
+                <a:ea typeface="MS Gothic" charset="-128"/>
+                <a:cs typeface="MS Gothic" charset="-128"/>
+              </a:rPr>
+              <a:t>// ball</a:t>
+            </a:r>
+            <a:r>
+              <a:rPr kumimoji="1" lang="ja-JP" altLang="en-US" sz="2000" dirty="0" smtClean="0">
+                <a:latin typeface="MS Gothic" charset="-128"/>
+                <a:ea typeface="MS Gothic" charset="-128"/>
+                <a:cs typeface="MS Gothic" charset="-128"/>
+              </a:rPr>
+              <a:t>の</a:t>
+            </a:r>
+            <a:r>
+              <a:rPr kumimoji="1" lang="en-US" altLang="ja-JP" sz="2000" dirty="0" smtClean="0">
+                <a:latin typeface="MS Gothic" charset="-128"/>
+                <a:ea typeface="MS Gothic" charset="-128"/>
+                <a:cs typeface="MS Gothic" charset="-128"/>
+              </a:rPr>
+              <a:t>x</a:t>
+            </a:r>
+            <a:r>
+              <a:rPr kumimoji="1" lang="ja-JP" altLang="en-US" sz="2000" dirty="0" smtClean="0">
+                <a:latin typeface="MS Gothic" charset="-128"/>
+                <a:ea typeface="MS Gothic" charset="-128"/>
+                <a:cs typeface="MS Gothic" charset="-128"/>
+              </a:rPr>
+              <a:t>フィールドの値をコンソールに表示</a:t>
+            </a:r>
+            <a:endParaRPr kumimoji="1" lang="en-US" altLang="ja-JP" sz="2000" dirty="0" smtClean="0">
+              <a:latin typeface="MS Gothic" charset="-128"/>
+              <a:ea typeface="MS Gothic" charset="-128"/>
+              <a:cs typeface="MS Gothic" charset="-128"/>
+            </a:endParaRPr>
+          </a:p>
+          <a:p>
+            <a:r>
+              <a:rPr kumimoji="1" lang="en-US" altLang="ja-JP" sz="2000" dirty="0" err="1">
+                <a:latin typeface="MS Gothic" charset="-128"/>
+                <a:ea typeface="MS Gothic" charset="-128"/>
+                <a:cs typeface="MS Gothic" charset="-128"/>
+              </a:rPr>
+              <a:t>println</a:t>
+            </a:r>
+            <a:r>
+              <a:rPr kumimoji="1" lang="en-US" altLang="ja-JP" sz="2000" dirty="0">
+                <a:latin typeface="MS Gothic" charset="-128"/>
+                <a:ea typeface="MS Gothic" charset="-128"/>
+                <a:cs typeface="MS Gothic" charset="-128"/>
+              </a:rPr>
+              <a:t>(</a:t>
+            </a:r>
+            <a:r>
+              <a:rPr kumimoji="1" lang="en-US" altLang="ja-JP" sz="2000" dirty="0" err="1">
+                <a:latin typeface="MS Gothic" charset="-128"/>
+                <a:ea typeface="MS Gothic" charset="-128"/>
+                <a:cs typeface="MS Gothic" charset="-128"/>
+              </a:rPr>
+              <a:t>ball</a:t>
+            </a:r>
+            <a:r>
+              <a:rPr kumimoji="1" lang="en-US" altLang="ja-JP" sz="2000" dirty="0" err="1">
+                <a:solidFill>
+                  <a:srgbClr val="FF0000"/>
+                </a:solidFill>
+                <a:latin typeface="MS Gothic" charset="-128"/>
+                <a:ea typeface="MS Gothic" charset="-128"/>
+                <a:cs typeface="MS Gothic" charset="-128"/>
+              </a:rPr>
+              <a:t>.x</a:t>
+            </a:r>
+            <a:r>
+              <a:rPr kumimoji="1" lang="en-US" altLang="ja-JP" sz="2000" dirty="0" smtClean="0">
+                <a:latin typeface="MS Gothic" charset="-128"/>
+                <a:ea typeface="MS Gothic" charset="-128"/>
+                <a:cs typeface="MS Gothic" charset="-128"/>
+              </a:rPr>
+              <a:t>);</a:t>
+            </a:r>
+            <a:endParaRPr kumimoji="1" lang="en-US" altLang="ja-JP" sz="2000" dirty="0">
+              <a:latin typeface="MS Gothic" charset="-128"/>
+              <a:ea typeface="MS Gothic" charset="-128"/>
+              <a:cs typeface="MS Gothic" charset="-128"/>
+            </a:endParaRPr>
+          </a:p>
+        </p:txBody>
+      </p:sp>
+      <p:sp>
+        <p:nvSpPr>
+          <p:cNvPr id="8" name="テキスト ボックス 7"/>
+          <p:cNvSpPr txBox="1"/>
+          <p:nvPr/>
+        </p:nvSpPr>
+        <p:spPr>
+          <a:xfrm>
+            <a:off x="1187739" y="5260768"/>
+            <a:ext cx="4544834" cy="707886"/>
+          </a:xfrm>
+          <a:prstGeom prst="rect">
+            <a:avLst/>
+          </a:prstGeom>
+          <a:noFill/>
+          <a:ln>
+            <a:solidFill>
+              <a:schemeClr val="tx1"/>
+            </a:solidFill>
+          </a:ln>
+        </p:spPr>
+        <p:txBody>
+          <a:bodyPr wrap="none" rtlCol="0">
+            <a:spAutoFit/>
+          </a:bodyPr>
+          <a:lstStyle/>
+          <a:p>
+            <a:r>
+              <a:rPr kumimoji="1" lang="en-US" altLang="ja-JP" sz="2000" dirty="0">
+                <a:latin typeface="MS Gothic" charset="-128"/>
+                <a:ea typeface="MS Gothic" charset="-128"/>
+                <a:cs typeface="MS Gothic" charset="-128"/>
+              </a:rPr>
+              <a:t>// </a:t>
+            </a:r>
+            <a:r>
+              <a:rPr kumimoji="1" lang="ja-JP" altLang="en-US" sz="2000" dirty="0">
+                <a:latin typeface="MS Gothic" charset="-128"/>
+                <a:ea typeface="MS Gothic" charset="-128"/>
+                <a:cs typeface="MS Gothic" charset="-128"/>
+              </a:rPr>
+              <a:t>ボールの</a:t>
+            </a:r>
+            <a:r>
+              <a:rPr kumimoji="1" lang="en-US" altLang="ja-JP" sz="2000" dirty="0">
+                <a:latin typeface="MS Gothic" charset="-128"/>
+                <a:ea typeface="MS Gothic" charset="-128"/>
+                <a:cs typeface="MS Gothic" charset="-128"/>
+              </a:rPr>
+              <a:t>display()</a:t>
+            </a:r>
+            <a:r>
+              <a:rPr kumimoji="1" lang="ja-JP" altLang="en-US" sz="2000" dirty="0">
+                <a:latin typeface="MS Gothic" charset="-128"/>
+                <a:ea typeface="MS Gothic" charset="-128"/>
+                <a:cs typeface="MS Gothic" charset="-128"/>
+              </a:rPr>
+              <a:t>メソッドを実行</a:t>
+            </a:r>
+          </a:p>
+          <a:p>
+            <a:r>
+              <a:rPr kumimoji="1" lang="en-US" altLang="ja-JP" sz="2000" dirty="0" err="1" smtClean="0">
+                <a:latin typeface="MS Gothic" charset="-128"/>
+                <a:ea typeface="MS Gothic" charset="-128"/>
+                <a:cs typeface="MS Gothic" charset="-128"/>
+              </a:rPr>
+              <a:t>ball</a:t>
+            </a:r>
+            <a:r>
+              <a:rPr kumimoji="1" lang="en-US" altLang="ja-JP" sz="2000" dirty="0" err="1" smtClean="0">
+                <a:solidFill>
+                  <a:srgbClr val="FF0000"/>
+                </a:solidFill>
+                <a:latin typeface="MS Gothic" charset="-128"/>
+                <a:ea typeface="MS Gothic" charset="-128"/>
+                <a:cs typeface="MS Gothic" charset="-128"/>
+              </a:rPr>
+              <a:t>.display</a:t>
+            </a:r>
+            <a:r>
+              <a:rPr kumimoji="1" lang="en-US" altLang="ja-JP" sz="2000" dirty="0" smtClean="0">
+                <a:solidFill>
+                  <a:srgbClr val="FF0000"/>
+                </a:solidFill>
+                <a:latin typeface="MS Gothic" charset="-128"/>
+                <a:ea typeface="MS Gothic" charset="-128"/>
+                <a:cs typeface="MS Gothic" charset="-128"/>
+              </a:rPr>
+              <a:t>()</a:t>
+            </a:r>
+            <a:r>
+              <a:rPr kumimoji="1" lang="en-US" altLang="ja-JP" sz="2000" dirty="0" smtClean="0">
+                <a:latin typeface="MS Gothic" charset="-128"/>
+                <a:ea typeface="MS Gothic" charset="-128"/>
+                <a:cs typeface="MS Gothic" charset="-128"/>
+              </a:rPr>
+              <a:t>;</a:t>
+            </a:r>
+          </a:p>
+        </p:txBody>
+      </p:sp>
+    </p:spTree>
+    <p:extLst>
+      <p:ext uri="{BB962C8B-B14F-4D97-AF65-F5344CB8AC3E}">
+        <p14:creationId xmlns:p14="http://schemas.microsoft.com/office/powerpoint/2010/main" val="745435550"/>
+      </p:ext>
+    </p:extLst>
+  </p:cSld>
+  <p:clrMapOvr>
+    <a:masterClrMapping/>
+  </p:clrMapOvr>
+</p:sld>
+</file>
+
+<file path=ppt/slides/slide89.xml><?xml version="1.0" encoding="utf-8"?>
+<p:sld xmlns:a="http://schemas.openxmlformats.org/drawingml/2006/main" xmlns:r="http://schemas.openxmlformats.org/officeDocument/2006/relationships" xmlns:p="http://schemas.openxmlformats.org/presentationml/2006/main">
+  <p:cSld>
+    <p:spTree>
+      <p:nvGrpSpPr>
+        <p:cNvPr id="1" name=""/>
+        <p:cNvGrpSpPr/>
+        <p:nvPr/>
+      </p:nvGrpSpPr>
+      <p:grpSpPr>
+        <a:xfrm>
+          <a:off x="0" y="0"/>
+          <a:ext cx="0" cy="0"/>
+          <a:chOff x="0" y="0"/>
+          <a:chExt cx="0" cy="0"/>
+        </a:xfrm>
+      </p:grpSpPr>
+      <p:sp>
+        <p:nvSpPr>
+          <p:cNvPr id="2" name="タイトル 1"/>
+          <p:cNvSpPr>
+            <a:spLocks noGrp="1"/>
+          </p:cNvSpPr>
+          <p:nvPr>
+            <p:ph type="title"/>
+          </p:nvPr>
+        </p:nvSpPr>
+        <p:spPr/>
+        <p:txBody>
+          <a:bodyPr>
             <a:normAutofit/>
           </a:bodyPr>
           <a:lstStyle/>
@@ -30333,7 +32680,7 @@
             <a:fld id="{6113E31D-E2AB-40D1-8B51-AFA5AFEF393A}" type="slidenum">
               <a:rPr lang="en-US" smtClean="0"/>
               <a:pPr/>
-              <a:t>86</a:t>
+              <a:t>89</a:t>
             </a:fld>
             <a:endParaRPr lang="en-US" dirty="0"/>
           </a:p>
@@ -30680,7 +33027,7 @@
 </p:sld>
 </file>
 
-<file path=ppt/slides/slide87.xml><?xml version="1.0" encoding="utf-8"?>
+<file path=ppt/slides/slide9.xml><?xml version="1.0" encoding="utf-8"?>
 <p:sld xmlns:a="http://schemas.openxmlformats.org/drawingml/2006/main" xmlns:r="http://schemas.openxmlformats.org/officeDocument/2006/relationships" xmlns:p="http://schemas.openxmlformats.org/presentationml/2006/main">
   <p:cSld>
     <p:spTree>
@@ -30713,6 +33060,790 @@
           <a:lstStyle/>
           <a:p>
             <a:r>
+              <a:rPr kumimoji="1" lang="ja-JP" altLang="en-US" dirty="0" smtClean="0"/>
+              <a:t>自動フォーマット</a:t>
+            </a:r>
+            <a:endParaRPr kumimoji="1" lang="ja-JP" altLang="en-US" dirty="0"/>
+          </a:p>
+        </p:txBody>
+      </p:sp>
+      <p:sp>
+        <p:nvSpPr>
+          <p:cNvPr id="3" name="コンテンツ プレースホルダー 2"/>
+          <p:cNvSpPr>
+            <a:spLocks noGrp="1"/>
+          </p:cNvSpPr>
+          <p:nvPr>
+            <p:ph idx="1"/>
+          </p:nvPr>
+        </p:nvSpPr>
+        <p:spPr/>
+        <p:txBody>
+          <a:bodyPr/>
+          <a:lstStyle/>
+          <a:p>
+            <a:r>
+              <a:rPr kumimoji="1" lang="en-US" altLang="ja-JP" dirty="0" smtClean="0"/>
+              <a:t>[</a:t>
+            </a:r>
+            <a:r>
+              <a:rPr kumimoji="1" lang="ja-JP" altLang="en-US" dirty="0" smtClean="0"/>
+              <a:t>編集</a:t>
+            </a:r>
+            <a:r>
+              <a:rPr kumimoji="1" lang="en-US" altLang="ja-JP" dirty="0" smtClean="0"/>
+              <a:t>]→[</a:t>
+            </a:r>
+            <a:r>
+              <a:rPr kumimoji="1" lang="ja-JP" altLang="en-US" dirty="0" smtClean="0"/>
+              <a:t>自動フォーマット</a:t>
+            </a:r>
+            <a:r>
+              <a:rPr kumimoji="1" lang="en-US" altLang="ja-JP" dirty="0" smtClean="0"/>
+              <a:t>]</a:t>
+            </a:r>
+          </a:p>
+          <a:p>
+            <a:pPr lvl="1"/>
+            <a:r>
+              <a:rPr kumimoji="1" lang="ja-JP" altLang="en-US" dirty="0" smtClean="0"/>
+              <a:t>プログラムのインデントを整形してくれる</a:t>
+            </a:r>
+            <a:endParaRPr kumimoji="1" lang="ja-JP" altLang="en-US" dirty="0"/>
+          </a:p>
+        </p:txBody>
+      </p:sp>
+      <p:sp>
+        <p:nvSpPr>
+          <p:cNvPr id="4" name="スライド番号プレースホルダー 3"/>
+          <p:cNvSpPr>
+            <a:spLocks noGrp="1"/>
+          </p:cNvSpPr>
+          <p:nvPr>
+            <p:ph type="sldNum" sz="quarter" idx="12"/>
+          </p:nvPr>
+        </p:nvSpPr>
+        <p:spPr/>
+        <p:txBody>
+          <a:bodyPr/>
+          <a:lstStyle/>
+          <a:p>
+            <a:fld id="{6113E31D-E2AB-40D1-8B51-AFA5AFEF393A}" type="slidenum">
+              <a:rPr lang="en-US" smtClean="0"/>
+              <a:pPr/>
+              <a:t>9</a:t>
+            </a:fld>
+            <a:endParaRPr lang="en-US" dirty="0"/>
+          </a:p>
+        </p:txBody>
+      </p:sp>
+      <p:sp>
+        <p:nvSpPr>
+          <p:cNvPr id="5" name="テキスト ボックス 4"/>
+          <p:cNvSpPr txBox="1"/>
+          <p:nvPr/>
+        </p:nvSpPr>
+        <p:spPr>
+          <a:xfrm>
+            <a:off x="1317356" y="4581140"/>
+            <a:ext cx="5540644" cy="1200329"/>
+          </a:xfrm>
+          <a:prstGeom prst="rect">
+            <a:avLst/>
+          </a:prstGeom>
+          <a:noFill/>
+          <a:ln>
+            <a:solidFill>
+              <a:schemeClr val="accent1"/>
+            </a:solidFill>
+          </a:ln>
+        </p:spPr>
+        <p:txBody>
+          <a:bodyPr wrap="square" rtlCol="0">
+            <a:spAutoFit/>
+          </a:bodyPr>
+          <a:lstStyle/>
+          <a:p>
+            <a:r>
+              <a:rPr lang="en-US" altLang="ja-JP" sz="2400" dirty="0" smtClean="0">
+                <a:latin typeface="MS Gothic" charset="-128"/>
+                <a:ea typeface="MS Gothic" charset="-128"/>
+                <a:cs typeface="MS Gothic" charset="-128"/>
+              </a:rPr>
+              <a:t>for (</a:t>
+            </a:r>
+            <a:r>
+              <a:rPr lang="en-US" altLang="ja-JP" sz="2400" dirty="0" err="1" smtClean="0">
+                <a:latin typeface="MS Gothic" charset="-128"/>
+                <a:ea typeface="MS Gothic" charset="-128"/>
+                <a:cs typeface="MS Gothic" charset="-128"/>
+              </a:rPr>
+              <a:t>int</a:t>
+            </a:r>
+            <a:r>
+              <a:rPr lang="en-US" altLang="ja-JP" sz="2400" dirty="0" smtClean="0">
+                <a:latin typeface="MS Gothic" charset="-128"/>
+                <a:ea typeface="MS Gothic" charset="-128"/>
+                <a:cs typeface="MS Gothic" charset="-128"/>
+              </a:rPr>
+              <a:t> </a:t>
+            </a:r>
+            <a:r>
+              <a:rPr lang="en-US" altLang="ja-JP" sz="2400" dirty="0" err="1" smtClean="0">
+                <a:latin typeface="MS Gothic" charset="-128"/>
+                <a:ea typeface="MS Gothic" charset="-128"/>
+                <a:cs typeface="MS Gothic" charset="-128"/>
+              </a:rPr>
+              <a:t>i</a:t>
+            </a:r>
+            <a:r>
+              <a:rPr lang="en-US" altLang="ja-JP" sz="2400" dirty="0" smtClean="0">
+                <a:latin typeface="MS Gothic" charset="-128"/>
+                <a:ea typeface="MS Gothic" charset="-128"/>
+                <a:cs typeface="MS Gothic" charset="-128"/>
+              </a:rPr>
+              <a:t>=0; </a:t>
+            </a:r>
+            <a:r>
+              <a:rPr lang="en-US" altLang="ja-JP" sz="2400" dirty="0" err="1" smtClean="0">
+                <a:latin typeface="MS Gothic" charset="-128"/>
+                <a:ea typeface="MS Gothic" charset="-128"/>
+                <a:cs typeface="MS Gothic" charset="-128"/>
+              </a:rPr>
+              <a:t>i</a:t>
+            </a:r>
+            <a:r>
+              <a:rPr lang="en-US" altLang="ja-JP" sz="2400" dirty="0" smtClean="0">
+                <a:latin typeface="MS Gothic" charset="-128"/>
+                <a:ea typeface="MS Gothic" charset="-128"/>
+                <a:cs typeface="MS Gothic" charset="-128"/>
+              </a:rPr>
+              <a:t>&lt;10; </a:t>
+            </a:r>
+            <a:r>
+              <a:rPr lang="en-US" altLang="ja-JP" sz="2400" dirty="0" err="1" smtClean="0">
+                <a:latin typeface="MS Gothic" charset="-128"/>
+                <a:ea typeface="MS Gothic" charset="-128"/>
+                <a:cs typeface="MS Gothic" charset="-128"/>
+              </a:rPr>
+              <a:t>i</a:t>
+            </a:r>
+            <a:r>
+              <a:rPr lang="en-US" altLang="ja-JP" sz="2400" dirty="0" smtClean="0">
+                <a:latin typeface="MS Gothic" charset="-128"/>
+                <a:ea typeface="MS Gothic" charset="-128"/>
+                <a:cs typeface="MS Gothic" charset="-128"/>
+              </a:rPr>
+              <a:t>++) {</a:t>
+            </a:r>
+          </a:p>
+          <a:p>
+            <a:r>
+              <a:rPr lang="en-US" altLang="ja-JP" sz="2400" dirty="0" smtClean="0">
+                <a:latin typeface="MS Gothic" charset="-128"/>
+                <a:ea typeface="MS Gothic" charset="-128"/>
+                <a:cs typeface="MS Gothic" charset="-128"/>
+              </a:rPr>
+              <a:t>  </a:t>
+            </a:r>
+            <a:r>
+              <a:rPr lang="en-US" altLang="ja-JP" sz="2400" dirty="0" err="1" smtClean="0">
+                <a:latin typeface="MS Gothic" charset="-128"/>
+                <a:ea typeface="MS Gothic" charset="-128"/>
+                <a:cs typeface="MS Gothic" charset="-128"/>
+              </a:rPr>
+              <a:t>println</a:t>
+            </a:r>
+            <a:r>
+              <a:rPr lang="en-US" altLang="ja-JP" sz="2400" dirty="0" smtClean="0">
+                <a:latin typeface="MS Gothic" charset="-128"/>
+                <a:ea typeface="MS Gothic" charset="-128"/>
+                <a:cs typeface="MS Gothic" charset="-128"/>
+              </a:rPr>
+              <a:t>(</a:t>
+            </a:r>
+            <a:r>
+              <a:rPr lang="en-US" altLang="ja-JP" sz="2400" dirty="0" err="1" smtClean="0">
+                <a:latin typeface="MS Gothic" charset="-128"/>
+                <a:ea typeface="MS Gothic" charset="-128"/>
+                <a:cs typeface="MS Gothic" charset="-128"/>
+              </a:rPr>
+              <a:t>i</a:t>
+            </a:r>
+            <a:r>
+              <a:rPr lang="en-US" altLang="ja-JP" sz="2400" dirty="0" smtClean="0">
+                <a:latin typeface="MS Gothic" charset="-128"/>
+                <a:ea typeface="MS Gothic" charset="-128"/>
+                <a:cs typeface="MS Gothic" charset="-128"/>
+              </a:rPr>
+              <a:t>);</a:t>
+            </a:r>
+          </a:p>
+          <a:p>
+            <a:r>
+              <a:rPr lang="en-US" altLang="ja-JP" sz="2400" dirty="0" smtClean="0">
+                <a:latin typeface="MS Gothic" charset="-128"/>
+                <a:ea typeface="MS Gothic" charset="-128"/>
+                <a:cs typeface="MS Gothic" charset="-128"/>
+              </a:rPr>
+              <a:t>}</a:t>
+            </a:r>
+            <a:endParaRPr lang="en-US" altLang="ja-JP" sz="2400" dirty="0">
+              <a:latin typeface="MS Gothic" charset="-128"/>
+              <a:ea typeface="MS Gothic" charset="-128"/>
+              <a:cs typeface="MS Gothic" charset="-128"/>
+            </a:endParaRPr>
+          </a:p>
+        </p:txBody>
+      </p:sp>
+      <p:sp>
+        <p:nvSpPr>
+          <p:cNvPr id="6" name="テキスト ボックス 5"/>
+          <p:cNvSpPr txBox="1"/>
+          <p:nvPr/>
+        </p:nvSpPr>
+        <p:spPr>
+          <a:xfrm>
+            <a:off x="1317356" y="3390283"/>
+            <a:ext cx="5540644" cy="461665"/>
+          </a:xfrm>
+          <a:prstGeom prst="rect">
+            <a:avLst/>
+          </a:prstGeom>
+          <a:noFill/>
+          <a:ln>
+            <a:solidFill>
+              <a:schemeClr val="accent1"/>
+            </a:solidFill>
+          </a:ln>
+        </p:spPr>
+        <p:txBody>
+          <a:bodyPr wrap="square" rtlCol="0">
+            <a:spAutoFit/>
+          </a:bodyPr>
+          <a:lstStyle/>
+          <a:p>
+            <a:r>
+              <a:rPr lang="en-US" altLang="ja-JP" sz="2400" dirty="0">
+                <a:latin typeface="MS Gothic" charset="-128"/>
+                <a:ea typeface="MS Gothic" charset="-128"/>
+                <a:cs typeface="MS Gothic" charset="-128"/>
+              </a:rPr>
+              <a:t>for(</a:t>
+            </a:r>
+            <a:r>
+              <a:rPr lang="en-US" altLang="ja-JP" sz="2400" dirty="0" err="1">
+                <a:latin typeface="MS Gothic" charset="-128"/>
+                <a:ea typeface="MS Gothic" charset="-128"/>
+                <a:cs typeface="MS Gothic" charset="-128"/>
+              </a:rPr>
+              <a:t>int</a:t>
+            </a:r>
+            <a:r>
+              <a:rPr lang="en-US" altLang="ja-JP" sz="2400" dirty="0">
+                <a:latin typeface="MS Gothic" charset="-128"/>
+                <a:ea typeface="MS Gothic" charset="-128"/>
+                <a:cs typeface="MS Gothic" charset="-128"/>
+              </a:rPr>
+              <a:t> </a:t>
+            </a:r>
+            <a:r>
+              <a:rPr lang="en-US" altLang="ja-JP" sz="2400" dirty="0" err="1">
+                <a:latin typeface="MS Gothic" charset="-128"/>
+                <a:ea typeface="MS Gothic" charset="-128"/>
+                <a:cs typeface="MS Gothic" charset="-128"/>
+              </a:rPr>
+              <a:t>i</a:t>
+            </a:r>
+            <a:r>
+              <a:rPr lang="en-US" altLang="ja-JP" sz="2400" dirty="0">
+                <a:latin typeface="MS Gothic" charset="-128"/>
+                <a:ea typeface="MS Gothic" charset="-128"/>
+                <a:cs typeface="MS Gothic" charset="-128"/>
+              </a:rPr>
+              <a:t>=0;i&lt;10;i++){</a:t>
+            </a:r>
+            <a:r>
+              <a:rPr lang="en-US" altLang="ja-JP" sz="2400" dirty="0" err="1">
+                <a:latin typeface="MS Gothic" charset="-128"/>
+                <a:ea typeface="MS Gothic" charset="-128"/>
+                <a:cs typeface="MS Gothic" charset="-128"/>
+              </a:rPr>
+              <a:t>println</a:t>
+            </a:r>
+            <a:r>
+              <a:rPr lang="en-US" altLang="ja-JP" sz="2400" dirty="0">
+                <a:latin typeface="MS Gothic" charset="-128"/>
+                <a:ea typeface="MS Gothic" charset="-128"/>
+                <a:cs typeface="MS Gothic" charset="-128"/>
+              </a:rPr>
+              <a:t>(</a:t>
+            </a:r>
+            <a:r>
+              <a:rPr lang="en-US" altLang="ja-JP" sz="2400" dirty="0" err="1">
+                <a:latin typeface="MS Gothic" charset="-128"/>
+                <a:ea typeface="MS Gothic" charset="-128"/>
+                <a:cs typeface="MS Gothic" charset="-128"/>
+              </a:rPr>
+              <a:t>i</a:t>
+            </a:r>
+            <a:r>
+              <a:rPr lang="en-US" altLang="ja-JP" sz="2400" dirty="0">
+                <a:latin typeface="MS Gothic" charset="-128"/>
+                <a:ea typeface="MS Gothic" charset="-128"/>
+                <a:cs typeface="MS Gothic" charset="-128"/>
+              </a:rPr>
+              <a:t>);}</a:t>
+            </a:r>
+          </a:p>
+        </p:txBody>
+      </p:sp>
+      <p:sp>
+        <p:nvSpPr>
+          <p:cNvPr id="7" name="下矢印 6"/>
+          <p:cNvSpPr/>
+          <p:nvPr/>
+        </p:nvSpPr>
+        <p:spPr>
+          <a:xfrm>
+            <a:off x="3833678" y="4023615"/>
+            <a:ext cx="508000" cy="469900"/>
+          </a:xfrm>
+          <a:prstGeom prst="downArrow">
+            <a:avLst/>
+          </a:prstGeom>
+        </p:spPr>
+        <p:style>
+          <a:lnRef idx="2">
+            <a:schemeClr val="accent1">
+              <a:shade val="50000"/>
+            </a:schemeClr>
+          </a:lnRef>
+          <a:fillRef idx="1">
+            <a:schemeClr val="accent1"/>
+          </a:fillRef>
+          <a:effectRef idx="0">
+            <a:schemeClr val="accent1"/>
+          </a:effectRef>
+          <a:fontRef idx="minor">
+            <a:schemeClr val="lt1"/>
+          </a:fontRef>
+        </p:style>
+        <p:txBody>
+          <a:bodyPr rtlCol="0" anchor="ctr"/>
+          <a:lstStyle/>
+          <a:p>
+            <a:pPr algn="ctr"/>
+            <a:endParaRPr kumimoji="1" lang="ja-JP" altLang="en-US"/>
+          </a:p>
+        </p:txBody>
+      </p:sp>
+    </p:spTree>
+    <p:extLst>
+      <p:ext uri="{BB962C8B-B14F-4D97-AF65-F5344CB8AC3E}">
+        <p14:creationId xmlns:p14="http://schemas.microsoft.com/office/powerpoint/2010/main" val="905988256"/>
+      </p:ext>
+    </p:extLst>
+  </p:cSld>
+  <p:clrMapOvr>
+    <a:masterClrMapping/>
+  </p:clrMapOvr>
+</p:sld>
+</file>
+
+<file path=ppt/slides/slide90.xml><?xml version="1.0" encoding="utf-8"?>
+<p:sld xmlns:a="http://schemas.openxmlformats.org/drawingml/2006/main" xmlns:r="http://schemas.openxmlformats.org/officeDocument/2006/relationships" xmlns:p="http://schemas.openxmlformats.org/presentationml/2006/main">
+  <p:cSld>
+    <p:spTree>
+      <p:nvGrpSpPr>
+        <p:cNvPr id="1" name=""/>
+        <p:cNvGrpSpPr/>
+        <p:nvPr/>
+      </p:nvGrpSpPr>
+      <p:grpSpPr>
+        <a:xfrm>
+          <a:off x="0" y="0"/>
+          <a:ext cx="0" cy="0"/>
+          <a:chOff x="0" y="0"/>
+          <a:chExt cx="0" cy="0"/>
+        </a:xfrm>
+      </p:grpSpPr>
+      <p:sp>
+        <p:nvSpPr>
+          <p:cNvPr id="2" name="タイトル 1"/>
+          <p:cNvSpPr>
+            <a:spLocks noGrp="1"/>
+          </p:cNvSpPr>
+          <p:nvPr>
+            <p:ph type="title"/>
+          </p:nvPr>
+        </p:nvSpPr>
+        <p:spPr/>
+        <p:txBody>
+          <a:bodyPr/>
+          <a:lstStyle/>
+          <a:p>
+            <a:r>
+              <a:rPr kumimoji="1" lang="ja-JP" altLang="en-US" dirty="0" smtClean="0"/>
+              <a:t>コンストラクタのある場合のインスタンスの作り方</a:t>
+            </a:r>
+            <a:endParaRPr kumimoji="1" lang="ja-JP" altLang="en-US" dirty="0"/>
+          </a:p>
+        </p:txBody>
+      </p:sp>
+      <p:sp>
+        <p:nvSpPr>
+          <p:cNvPr id="3" name="コンテンツ プレースホルダー 2"/>
+          <p:cNvSpPr>
+            <a:spLocks noGrp="1"/>
+          </p:cNvSpPr>
+          <p:nvPr>
+            <p:ph idx="1"/>
+          </p:nvPr>
+        </p:nvSpPr>
+        <p:spPr/>
+        <p:txBody>
+          <a:bodyPr/>
+          <a:lstStyle/>
+          <a:p>
+            <a:r>
+              <a:rPr kumimoji="1" lang="ja-JP" altLang="en-US" dirty="0" smtClean="0"/>
+              <a:t>引数のないコンストラクタ</a:t>
+            </a:r>
+            <a:endParaRPr kumimoji="1" lang="en-US" altLang="ja-JP" dirty="0" smtClean="0"/>
+          </a:p>
+          <a:p>
+            <a:endParaRPr kumimoji="1" lang="en-US" altLang="ja-JP" dirty="0" smtClean="0"/>
+          </a:p>
+          <a:p>
+            <a:r>
+              <a:rPr lang="ja-JP" altLang="en-US" dirty="0" smtClean="0"/>
+              <a:t>引数のあるコンストラクタ</a:t>
+            </a:r>
+            <a:endParaRPr kumimoji="1" lang="ja-JP" altLang="en-US" dirty="0"/>
+          </a:p>
+        </p:txBody>
+      </p:sp>
+      <p:sp>
+        <p:nvSpPr>
+          <p:cNvPr id="4" name="スライド番号プレースホルダー 3"/>
+          <p:cNvSpPr>
+            <a:spLocks noGrp="1"/>
+          </p:cNvSpPr>
+          <p:nvPr>
+            <p:ph type="sldNum" sz="quarter" idx="12"/>
+          </p:nvPr>
+        </p:nvSpPr>
+        <p:spPr/>
+        <p:txBody>
+          <a:bodyPr/>
+          <a:lstStyle/>
+          <a:p>
+            <a:fld id="{6113E31D-E2AB-40D1-8B51-AFA5AFEF393A}" type="slidenum">
+              <a:rPr lang="en-US" smtClean="0"/>
+              <a:pPr/>
+              <a:t>90</a:t>
+            </a:fld>
+            <a:endParaRPr lang="en-US" dirty="0"/>
+          </a:p>
+        </p:txBody>
+      </p:sp>
+      <p:sp>
+        <p:nvSpPr>
+          <p:cNvPr id="5" name="テキスト ボックス 4"/>
+          <p:cNvSpPr txBox="1"/>
+          <p:nvPr/>
+        </p:nvSpPr>
+        <p:spPr>
+          <a:xfrm>
+            <a:off x="4978353" y="2789612"/>
+            <a:ext cx="2031325" cy="338554"/>
+          </a:xfrm>
+          <a:prstGeom prst="rect">
+            <a:avLst/>
+          </a:prstGeom>
+          <a:noFill/>
+          <a:ln>
+            <a:solidFill>
+              <a:schemeClr val="tx1"/>
+            </a:solidFill>
+          </a:ln>
+        </p:spPr>
+        <p:txBody>
+          <a:bodyPr wrap="none" rtlCol="0">
+            <a:spAutoFit/>
+          </a:bodyPr>
+          <a:lstStyle/>
+          <a:p>
+            <a:r>
+              <a:rPr kumimoji="1" lang="en-US" altLang="ja-JP" sz="1600" dirty="0" smtClean="0">
+                <a:latin typeface="MS Gothic" charset="-128"/>
+                <a:ea typeface="MS Gothic" charset="-128"/>
+                <a:cs typeface="MS Gothic" charset="-128"/>
+              </a:rPr>
+              <a:t>ball = new Ball();</a:t>
+            </a:r>
+            <a:endParaRPr kumimoji="1" lang="ja-JP" altLang="en-US" sz="1600" dirty="0">
+              <a:latin typeface="MS Gothic" charset="-128"/>
+              <a:ea typeface="MS Gothic" charset="-128"/>
+              <a:cs typeface="MS Gothic" charset="-128"/>
+            </a:endParaRPr>
+          </a:p>
+        </p:txBody>
+      </p:sp>
+      <p:sp>
+        <p:nvSpPr>
+          <p:cNvPr id="6" name="テキスト ボックス 5"/>
+          <p:cNvSpPr txBox="1"/>
+          <p:nvPr/>
+        </p:nvSpPr>
+        <p:spPr>
+          <a:xfrm>
+            <a:off x="4978353" y="4827272"/>
+            <a:ext cx="3365024" cy="338554"/>
+          </a:xfrm>
+          <a:prstGeom prst="rect">
+            <a:avLst/>
+          </a:prstGeom>
+          <a:noFill/>
+          <a:ln>
+            <a:solidFill>
+              <a:schemeClr val="tx1"/>
+            </a:solidFill>
+          </a:ln>
+        </p:spPr>
+        <p:txBody>
+          <a:bodyPr wrap="none" rtlCol="0">
+            <a:spAutoFit/>
+          </a:bodyPr>
+          <a:lstStyle/>
+          <a:p>
+            <a:r>
+              <a:rPr kumimoji="1" lang="en-US" altLang="ja-JP" sz="1600" dirty="0" smtClean="0">
+                <a:latin typeface="MS Gothic" charset="-128"/>
+                <a:ea typeface="MS Gothic" charset="-128"/>
+                <a:cs typeface="MS Gothic" charset="-128"/>
+              </a:rPr>
+              <a:t>ball = </a:t>
+            </a:r>
+            <a:r>
+              <a:rPr kumimoji="1" lang="en-US" altLang="ja-JP" sz="1600" smtClean="0">
+                <a:latin typeface="MS Gothic" charset="-128"/>
+                <a:ea typeface="MS Gothic" charset="-128"/>
+                <a:cs typeface="MS Gothic" charset="-128"/>
+              </a:rPr>
+              <a:t>new Ball(100, 200, 150);</a:t>
+            </a:r>
+            <a:endParaRPr kumimoji="1" lang="ja-JP" altLang="en-US" sz="1600" dirty="0">
+              <a:latin typeface="MS Gothic" charset="-128"/>
+              <a:ea typeface="MS Gothic" charset="-128"/>
+              <a:cs typeface="MS Gothic" charset="-128"/>
+            </a:endParaRPr>
+          </a:p>
+        </p:txBody>
+      </p:sp>
+      <p:sp>
+        <p:nvSpPr>
+          <p:cNvPr id="7" name="テキスト ボックス 6"/>
+          <p:cNvSpPr txBox="1"/>
+          <p:nvPr/>
+        </p:nvSpPr>
+        <p:spPr>
+          <a:xfrm>
+            <a:off x="1115552" y="2789612"/>
+            <a:ext cx="2646878" cy="338554"/>
+          </a:xfrm>
+          <a:prstGeom prst="rect">
+            <a:avLst/>
+          </a:prstGeom>
+          <a:noFill/>
+          <a:ln>
+            <a:solidFill>
+              <a:schemeClr val="tx1"/>
+            </a:solidFill>
+          </a:ln>
+        </p:spPr>
+        <p:txBody>
+          <a:bodyPr wrap="none" rtlCol="0">
+            <a:spAutoFit/>
+          </a:bodyPr>
+          <a:lstStyle/>
+          <a:p>
+            <a:r>
+              <a:rPr kumimoji="1" lang="ja-JP" altLang="en-US" sz="1600" dirty="0" smtClean="0">
+                <a:latin typeface="MS Gothic" charset="-128"/>
+                <a:ea typeface="MS Gothic" charset="-128"/>
+                <a:cs typeface="MS Gothic" charset="-128"/>
+              </a:rPr>
+              <a:t>変数名</a:t>
+            </a:r>
+            <a:r>
+              <a:rPr kumimoji="1" lang="en-US" altLang="ja-JP" sz="1600" dirty="0" smtClean="0">
+                <a:latin typeface="MS Gothic" charset="-128"/>
+                <a:ea typeface="MS Gothic" charset="-128"/>
+                <a:cs typeface="MS Gothic" charset="-128"/>
+              </a:rPr>
+              <a:t> = new </a:t>
+            </a:r>
+            <a:r>
+              <a:rPr kumimoji="1" lang="ja-JP" altLang="en-US" sz="1600" dirty="0" smtClean="0">
+                <a:latin typeface="MS Gothic" charset="-128"/>
+                <a:ea typeface="MS Gothic" charset="-128"/>
+                <a:cs typeface="MS Gothic" charset="-128"/>
+              </a:rPr>
+              <a:t>クラス名</a:t>
+            </a:r>
+            <a:r>
+              <a:rPr kumimoji="1" lang="en-US" altLang="ja-JP" sz="1600" dirty="0" smtClean="0">
+                <a:latin typeface="MS Gothic" charset="-128"/>
+                <a:ea typeface="MS Gothic" charset="-128"/>
+                <a:cs typeface="MS Gothic" charset="-128"/>
+              </a:rPr>
+              <a:t>()</a:t>
+            </a:r>
+            <a:r>
+              <a:rPr kumimoji="1" lang="en-US" altLang="ja-JP" sz="1600" dirty="0" smtClean="0">
+                <a:latin typeface="MS Gothic" charset="-128"/>
+                <a:ea typeface="MS Gothic" charset="-128"/>
+                <a:cs typeface="MS Gothic" charset="-128"/>
+              </a:rPr>
+              <a:t>;</a:t>
+            </a:r>
+          </a:p>
+        </p:txBody>
+      </p:sp>
+      <p:sp>
+        <p:nvSpPr>
+          <p:cNvPr id="8" name="テキスト ボックス 7"/>
+          <p:cNvSpPr txBox="1"/>
+          <p:nvPr/>
+        </p:nvSpPr>
+        <p:spPr>
+          <a:xfrm>
+            <a:off x="1115552" y="4827272"/>
+            <a:ext cx="3467616" cy="338554"/>
+          </a:xfrm>
+          <a:prstGeom prst="rect">
+            <a:avLst/>
+          </a:prstGeom>
+          <a:noFill/>
+          <a:ln>
+            <a:solidFill>
+              <a:schemeClr val="tx1"/>
+            </a:solidFill>
+          </a:ln>
+        </p:spPr>
+        <p:txBody>
+          <a:bodyPr wrap="none" rtlCol="0">
+            <a:spAutoFit/>
+          </a:bodyPr>
+          <a:lstStyle/>
+          <a:p>
+            <a:r>
+              <a:rPr kumimoji="1" lang="ja-JP" altLang="en-US" sz="1600" dirty="0" smtClean="0">
+                <a:latin typeface="MS Gothic" charset="-128"/>
+                <a:ea typeface="MS Gothic" charset="-128"/>
+                <a:cs typeface="MS Gothic" charset="-128"/>
+              </a:rPr>
+              <a:t>変数名</a:t>
+            </a:r>
+            <a:r>
+              <a:rPr kumimoji="1" lang="en-US" altLang="ja-JP" sz="1600" dirty="0" smtClean="0">
+                <a:latin typeface="MS Gothic" charset="-128"/>
+                <a:ea typeface="MS Gothic" charset="-128"/>
+                <a:cs typeface="MS Gothic" charset="-128"/>
+              </a:rPr>
+              <a:t> = new </a:t>
+            </a:r>
+            <a:r>
+              <a:rPr kumimoji="1" lang="ja-JP" altLang="en-US" sz="1600" dirty="0" smtClean="0">
+                <a:latin typeface="MS Gothic" charset="-128"/>
+                <a:ea typeface="MS Gothic" charset="-128"/>
+                <a:cs typeface="MS Gothic" charset="-128"/>
+              </a:rPr>
+              <a:t>クラス名</a:t>
+            </a:r>
+            <a:r>
+              <a:rPr kumimoji="1" lang="en-US" altLang="ja-JP" sz="1600" dirty="0" smtClean="0">
+                <a:latin typeface="MS Gothic" charset="-128"/>
+                <a:ea typeface="MS Gothic" charset="-128"/>
+                <a:cs typeface="MS Gothic" charset="-128"/>
+              </a:rPr>
+              <a:t>(</a:t>
+            </a:r>
+            <a:r>
+              <a:rPr kumimoji="1" lang="ja-JP" altLang="en-US" sz="1600" dirty="0" smtClean="0">
+                <a:latin typeface="MS Gothic" charset="-128"/>
+                <a:ea typeface="MS Gothic" charset="-128"/>
+                <a:cs typeface="MS Gothic" charset="-128"/>
+              </a:rPr>
+              <a:t>引数</a:t>
+            </a:r>
+            <a:r>
+              <a:rPr kumimoji="1" lang="en-US" altLang="ja-JP" sz="1600" dirty="0" smtClean="0">
+                <a:latin typeface="MS Gothic" charset="-128"/>
+                <a:ea typeface="MS Gothic" charset="-128"/>
+                <a:cs typeface="MS Gothic" charset="-128"/>
+              </a:rPr>
+              <a:t>, …)</a:t>
+            </a:r>
+            <a:r>
+              <a:rPr kumimoji="1" lang="en-US" altLang="ja-JP" sz="1600" dirty="0" smtClean="0">
+                <a:latin typeface="MS Gothic" charset="-128"/>
+                <a:ea typeface="MS Gothic" charset="-128"/>
+                <a:cs typeface="MS Gothic" charset="-128"/>
+              </a:rPr>
+              <a:t>;</a:t>
+            </a:r>
+          </a:p>
+        </p:txBody>
+      </p:sp>
+    </p:spTree>
+    <p:extLst>
+      <p:ext uri="{BB962C8B-B14F-4D97-AF65-F5344CB8AC3E}">
+        <p14:creationId xmlns:p14="http://schemas.microsoft.com/office/powerpoint/2010/main" val="996357812"/>
+      </p:ext>
+    </p:extLst>
+  </p:cSld>
+  <p:clrMapOvr>
+    <a:masterClrMapping/>
+  </p:clrMapOvr>
+</p:sld>
+</file>
+
+<file path=ppt/slides/slide91.xml><?xml version="1.0" encoding="utf-8"?>
+<p:sld xmlns:a="http://schemas.openxmlformats.org/drawingml/2006/main" xmlns:r="http://schemas.openxmlformats.org/officeDocument/2006/relationships" xmlns:p="http://schemas.openxmlformats.org/presentationml/2006/main">
+  <p:cSld>
+    <p:spTree>
+      <p:nvGrpSpPr>
+        <p:cNvPr id="1" name=""/>
+        <p:cNvGrpSpPr/>
+        <p:nvPr/>
+      </p:nvGrpSpPr>
+      <p:grpSpPr>
+        <a:xfrm>
+          <a:off x="0" y="0"/>
+          <a:ext cx="0" cy="0"/>
+          <a:chOff x="0" y="0"/>
+          <a:chExt cx="0" cy="0"/>
+        </a:xfrm>
+      </p:grpSpPr>
+      <p:sp>
+        <p:nvSpPr>
+          <p:cNvPr id="2" name="タイトル 1"/>
+          <p:cNvSpPr>
+            <a:spLocks noGrp="1"/>
+          </p:cNvSpPr>
+          <p:nvPr>
+            <p:ph type="title"/>
+          </p:nvPr>
+        </p:nvSpPr>
+        <p:spPr/>
+        <p:txBody>
+          <a:bodyPr/>
+          <a:lstStyle/>
+          <a:p>
+            <a:r>
               <a:rPr kumimoji="1" lang="en-US" altLang="ja-JP" dirty="0" smtClean="0"/>
               <a:t>15.2.4 this</a:t>
             </a:r>
@@ -30787,7 +33918,7 @@
             <a:fld id="{6113E31D-E2AB-40D1-8B51-AFA5AFEF393A}" type="slidenum">
               <a:rPr lang="en-US" smtClean="0"/>
               <a:pPr/>
-              <a:t>87</a:t>
+              <a:t>91</a:t>
             </a:fld>
             <a:endParaRPr lang="en-US" dirty="0"/>
           </a:p>
@@ -31595,7 +34726,7 @@
 </p:sld>
 </file>
 
-<file path=ppt/slides/slide88.xml><?xml version="1.0" encoding="utf-8"?>
+<file path=ppt/slides/slide92.xml><?xml version="1.0" encoding="utf-8"?>
 <p:sld xmlns:a="http://schemas.openxmlformats.org/drawingml/2006/main" xmlns:r="http://schemas.openxmlformats.org/officeDocument/2006/relationships" xmlns:p="http://schemas.openxmlformats.org/presentationml/2006/main">
   <p:cSld>
     <p:spTree>
@@ -31680,7 +34811,7 @@
             <a:fld id="{6113E31D-E2AB-40D1-8B51-AFA5AFEF393A}" type="slidenum">
               <a:rPr lang="en-US" smtClean="0"/>
               <a:pPr/>
-              <a:t>88</a:t>
+              <a:t>92</a:t>
             </a:fld>
             <a:endParaRPr lang="en-US" dirty="0"/>
           </a:p>
@@ -32304,7 +35435,7 @@
 </p:sld>
 </file>
 
-<file path=ppt/slides/slide89.xml><?xml version="1.0" encoding="utf-8"?>
+<file path=ppt/slides/slide93.xml><?xml version="1.0" encoding="utf-8"?>
 <p:sld xmlns:a="http://schemas.openxmlformats.org/drawingml/2006/main" xmlns:r="http://schemas.openxmlformats.org/officeDocument/2006/relationships" xmlns:p="http://schemas.openxmlformats.org/presentationml/2006/main">
   <p:cSld>
     <p:spTree>
@@ -32361,7 +35492,7 @@
         <p:spPr/>
         <p:txBody>
           <a:bodyPr>
-            <a:normAutofit fontScale="85000" lnSpcReduction="20000"/>
+            <a:normAutofit fontScale="62500" lnSpcReduction="20000"/>
           </a:bodyPr>
           <a:lstStyle/>
           <a:p>
@@ -32476,7 +35607,34 @@
             </a:r>
             <a:r>
               <a:rPr lang="ja-JP" altLang="en-US" dirty="0" smtClean="0"/>
-              <a:t>を指定して背景を塗る</a:t>
+              <a:t>を指定して背景を</a:t>
+            </a:r>
+            <a:r>
+              <a:rPr lang="ja-JP" altLang="en-US" dirty="0" smtClean="0"/>
+              <a:t>塗る</a:t>
+            </a:r>
+            <a:endParaRPr lang="en-US" altLang="ja-JP" dirty="0" smtClean="0"/>
+          </a:p>
+          <a:p>
+            <a:r>
+              <a:rPr kumimoji="1" lang="ja-JP" altLang="en-US" dirty="0" smtClean="0"/>
+              <a:t>例</a:t>
+            </a:r>
+            <a:r>
+              <a:rPr kumimoji="1" lang="en-US" altLang="ja-JP" dirty="0" smtClean="0"/>
+              <a:t>: +</a:t>
+            </a:r>
+            <a:r>
+              <a:rPr kumimoji="1" lang="ja-JP" altLang="en-US" dirty="0" smtClean="0"/>
+              <a:t>演算子</a:t>
+            </a:r>
+            <a:r>
+              <a:rPr kumimoji="1" lang="en-US" altLang="ja-JP" dirty="0" smtClean="0"/>
+              <a:t>: </a:t>
+            </a:r>
+            <a:r>
+              <a:rPr kumimoji="1" lang="ja-JP" altLang="en-US" dirty="0" smtClean="0"/>
+              <a:t>数値同士なら足し算、文字列とは結合</a:t>
             </a:r>
             <a:endParaRPr kumimoji="1" lang="en-US" altLang="ja-JP" dirty="0" smtClean="0"/>
           </a:p>
@@ -32500,7 +35658,7 @@
             <a:fld id="{6113E31D-E2AB-40D1-8B51-AFA5AFEF393A}" type="slidenum">
               <a:rPr lang="en-US" smtClean="0"/>
               <a:pPr/>
-              <a:t>89</a:t>
+              <a:t>93</a:t>
             </a:fld>
             <a:endParaRPr lang="en-US" dirty="0"/>
           </a:p>
@@ -32553,7 +35711,7 @@
 </p:sld>
 </file>
 
-<file path=ppt/slides/slide9.xml><?xml version="1.0" encoding="utf-8"?>
+<file path=ppt/slides/slide94.xml><?xml version="1.0" encoding="utf-8"?>
 <p:sld xmlns:a="http://schemas.openxmlformats.org/drawingml/2006/main" xmlns:r="http://schemas.openxmlformats.org/officeDocument/2006/relationships" xmlns:p="http://schemas.openxmlformats.org/presentationml/2006/main">
   <p:cSld>
     <p:spTree>
@@ -32586,430 +35744,6 @@
           <a:lstStyle/>
           <a:p>
             <a:r>
-              <a:rPr kumimoji="1" lang="ja-JP" altLang="en-US" dirty="0" smtClean="0"/>
-              <a:t>自動フォーマット</a:t>
-            </a:r>
-            <a:endParaRPr kumimoji="1" lang="ja-JP" altLang="en-US" dirty="0"/>
-          </a:p>
-        </p:txBody>
-      </p:sp>
-      <p:sp>
-        <p:nvSpPr>
-          <p:cNvPr id="3" name="コンテンツ プレースホルダー 2"/>
-          <p:cNvSpPr>
-            <a:spLocks noGrp="1"/>
-          </p:cNvSpPr>
-          <p:nvPr>
-            <p:ph idx="1"/>
-          </p:nvPr>
-        </p:nvSpPr>
-        <p:spPr/>
-        <p:txBody>
-          <a:bodyPr/>
-          <a:lstStyle/>
-          <a:p>
-            <a:r>
-              <a:rPr kumimoji="1" lang="en-US" altLang="ja-JP" dirty="0" smtClean="0"/>
-              <a:t>[</a:t>
-            </a:r>
-            <a:r>
-              <a:rPr kumimoji="1" lang="ja-JP" altLang="en-US" dirty="0" smtClean="0"/>
-              <a:t>編集</a:t>
-            </a:r>
-            <a:r>
-              <a:rPr kumimoji="1" lang="en-US" altLang="ja-JP" dirty="0" smtClean="0"/>
-              <a:t>]→[</a:t>
-            </a:r>
-            <a:r>
-              <a:rPr kumimoji="1" lang="ja-JP" altLang="en-US" dirty="0" smtClean="0"/>
-              <a:t>自動フォーマット</a:t>
-            </a:r>
-            <a:r>
-              <a:rPr kumimoji="1" lang="en-US" altLang="ja-JP" dirty="0" smtClean="0"/>
-              <a:t>]</a:t>
-            </a:r>
-          </a:p>
-          <a:p>
-            <a:pPr lvl="1"/>
-            <a:r>
-              <a:rPr kumimoji="1" lang="ja-JP" altLang="en-US" dirty="0" smtClean="0"/>
-              <a:t>プログラムのインデントを整形してくれる</a:t>
-            </a:r>
-            <a:endParaRPr kumimoji="1" lang="ja-JP" altLang="en-US" dirty="0"/>
-          </a:p>
-        </p:txBody>
-      </p:sp>
-      <p:sp>
-        <p:nvSpPr>
-          <p:cNvPr id="4" name="スライド番号プレースホルダー 3"/>
-          <p:cNvSpPr>
-            <a:spLocks noGrp="1"/>
-          </p:cNvSpPr>
-          <p:nvPr>
-            <p:ph type="sldNum" sz="quarter" idx="12"/>
-          </p:nvPr>
-        </p:nvSpPr>
-        <p:spPr/>
-        <p:txBody>
-          <a:bodyPr/>
-          <a:lstStyle/>
-          <a:p>
-            <a:fld id="{6113E31D-E2AB-40D1-8B51-AFA5AFEF393A}" type="slidenum">
-              <a:rPr lang="en-US" smtClean="0"/>
-              <a:pPr/>
-              <a:t>9</a:t>
-            </a:fld>
-            <a:endParaRPr lang="en-US" dirty="0"/>
-          </a:p>
-        </p:txBody>
-      </p:sp>
-      <p:sp>
-        <p:nvSpPr>
-          <p:cNvPr id="5" name="テキスト ボックス 4"/>
-          <p:cNvSpPr txBox="1"/>
-          <p:nvPr/>
-        </p:nvSpPr>
-        <p:spPr>
-          <a:xfrm>
-            <a:off x="1317356" y="4581140"/>
-            <a:ext cx="5540644" cy="1200329"/>
-          </a:xfrm>
-          <a:prstGeom prst="rect">
-            <a:avLst/>
-          </a:prstGeom>
-          <a:noFill/>
-          <a:ln>
-            <a:solidFill>
-              <a:schemeClr val="accent1"/>
-            </a:solidFill>
-          </a:ln>
-        </p:spPr>
-        <p:txBody>
-          <a:bodyPr wrap="square" rtlCol="0">
-            <a:spAutoFit/>
-          </a:bodyPr>
-          <a:lstStyle/>
-          <a:p>
-            <a:r>
-              <a:rPr lang="en-US" altLang="ja-JP" sz="2400" dirty="0" smtClean="0">
-                <a:latin typeface="MS Gothic" charset="-128"/>
-                <a:ea typeface="MS Gothic" charset="-128"/>
-                <a:cs typeface="MS Gothic" charset="-128"/>
-              </a:rPr>
-              <a:t>for (</a:t>
-            </a:r>
-            <a:r>
-              <a:rPr lang="en-US" altLang="ja-JP" sz="2400" dirty="0" err="1" smtClean="0">
-                <a:latin typeface="MS Gothic" charset="-128"/>
-                <a:ea typeface="MS Gothic" charset="-128"/>
-                <a:cs typeface="MS Gothic" charset="-128"/>
-              </a:rPr>
-              <a:t>int</a:t>
-            </a:r>
-            <a:r>
-              <a:rPr lang="en-US" altLang="ja-JP" sz="2400" dirty="0" smtClean="0">
-                <a:latin typeface="MS Gothic" charset="-128"/>
-                <a:ea typeface="MS Gothic" charset="-128"/>
-                <a:cs typeface="MS Gothic" charset="-128"/>
-              </a:rPr>
-              <a:t> </a:t>
-            </a:r>
-            <a:r>
-              <a:rPr lang="en-US" altLang="ja-JP" sz="2400" dirty="0" err="1" smtClean="0">
-                <a:latin typeface="MS Gothic" charset="-128"/>
-                <a:ea typeface="MS Gothic" charset="-128"/>
-                <a:cs typeface="MS Gothic" charset="-128"/>
-              </a:rPr>
-              <a:t>i</a:t>
-            </a:r>
-            <a:r>
-              <a:rPr lang="en-US" altLang="ja-JP" sz="2400" dirty="0" smtClean="0">
-                <a:latin typeface="MS Gothic" charset="-128"/>
-                <a:ea typeface="MS Gothic" charset="-128"/>
-                <a:cs typeface="MS Gothic" charset="-128"/>
-              </a:rPr>
-              <a:t>=0; </a:t>
-            </a:r>
-            <a:r>
-              <a:rPr lang="en-US" altLang="ja-JP" sz="2400" dirty="0" err="1" smtClean="0">
-                <a:latin typeface="MS Gothic" charset="-128"/>
-                <a:ea typeface="MS Gothic" charset="-128"/>
-                <a:cs typeface="MS Gothic" charset="-128"/>
-              </a:rPr>
-              <a:t>i</a:t>
-            </a:r>
-            <a:r>
-              <a:rPr lang="en-US" altLang="ja-JP" sz="2400" dirty="0" smtClean="0">
-                <a:latin typeface="MS Gothic" charset="-128"/>
-                <a:ea typeface="MS Gothic" charset="-128"/>
-                <a:cs typeface="MS Gothic" charset="-128"/>
-              </a:rPr>
-              <a:t>&lt;10; </a:t>
-            </a:r>
-            <a:r>
-              <a:rPr lang="en-US" altLang="ja-JP" sz="2400" dirty="0" err="1" smtClean="0">
-                <a:latin typeface="MS Gothic" charset="-128"/>
-                <a:ea typeface="MS Gothic" charset="-128"/>
-                <a:cs typeface="MS Gothic" charset="-128"/>
-              </a:rPr>
-              <a:t>i</a:t>
-            </a:r>
-            <a:r>
-              <a:rPr lang="en-US" altLang="ja-JP" sz="2400" dirty="0" smtClean="0">
-                <a:latin typeface="MS Gothic" charset="-128"/>
-                <a:ea typeface="MS Gothic" charset="-128"/>
-                <a:cs typeface="MS Gothic" charset="-128"/>
-              </a:rPr>
-              <a:t>++) {</a:t>
-            </a:r>
-          </a:p>
-          <a:p>
-            <a:r>
-              <a:rPr lang="en-US" altLang="ja-JP" sz="2400" dirty="0" smtClean="0">
-                <a:latin typeface="MS Gothic" charset="-128"/>
-                <a:ea typeface="MS Gothic" charset="-128"/>
-                <a:cs typeface="MS Gothic" charset="-128"/>
-              </a:rPr>
-              <a:t>  </a:t>
-            </a:r>
-            <a:r>
-              <a:rPr lang="en-US" altLang="ja-JP" sz="2400" dirty="0" err="1" smtClean="0">
-                <a:latin typeface="MS Gothic" charset="-128"/>
-                <a:ea typeface="MS Gothic" charset="-128"/>
-                <a:cs typeface="MS Gothic" charset="-128"/>
-              </a:rPr>
-              <a:t>println</a:t>
-            </a:r>
-            <a:r>
-              <a:rPr lang="en-US" altLang="ja-JP" sz="2400" dirty="0" smtClean="0">
-                <a:latin typeface="MS Gothic" charset="-128"/>
-                <a:ea typeface="MS Gothic" charset="-128"/>
-                <a:cs typeface="MS Gothic" charset="-128"/>
-              </a:rPr>
-              <a:t>(</a:t>
-            </a:r>
-            <a:r>
-              <a:rPr lang="en-US" altLang="ja-JP" sz="2400" dirty="0" err="1" smtClean="0">
-                <a:latin typeface="MS Gothic" charset="-128"/>
-                <a:ea typeface="MS Gothic" charset="-128"/>
-                <a:cs typeface="MS Gothic" charset="-128"/>
-              </a:rPr>
-              <a:t>i</a:t>
-            </a:r>
-            <a:r>
-              <a:rPr lang="en-US" altLang="ja-JP" sz="2400" dirty="0" smtClean="0">
-                <a:latin typeface="MS Gothic" charset="-128"/>
-                <a:ea typeface="MS Gothic" charset="-128"/>
-                <a:cs typeface="MS Gothic" charset="-128"/>
-              </a:rPr>
-              <a:t>);</a:t>
-            </a:r>
-          </a:p>
-          <a:p>
-            <a:r>
-              <a:rPr lang="en-US" altLang="ja-JP" sz="2400" dirty="0" smtClean="0">
-                <a:latin typeface="MS Gothic" charset="-128"/>
-                <a:ea typeface="MS Gothic" charset="-128"/>
-                <a:cs typeface="MS Gothic" charset="-128"/>
-              </a:rPr>
-              <a:t>}</a:t>
-            </a:r>
-            <a:endParaRPr lang="en-US" altLang="ja-JP" sz="2400" dirty="0">
-              <a:latin typeface="MS Gothic" charset="-128"/>
-              <a:ea typeface="MS Gothic" charset="-128"/>
-              <a:cs typeface="MS Gothic" charset="-128"/>
-            </a:endParaRPr>
-          </a:p>
-        </p:txBody>
-      </p:sp>
-      <p:sp>
-        <p:nvSpPr>
-          <p:cNvPr id="6" name="テキスト ボックス 5"/>
-          <p:cNvSpPr txBox="1"/>
-          <p:nvPr/>
-        </p:nvSpPr>
-        <p:spPr>
-          <a:xfrm>
-            <a:off x="1317356" y="3390283"/>
-            <a:ext cx="5540644" cy="461665"/>
-          </a:xfrm>
-          <a:prstGeom prst="rect">
-            <a:avLst/>
-          </a:prstGeom>
-          <a:noFill/>
-          <a:ln>
-            <a:solidFill>
-              <a:schemeClr val="accent1"/>
-            </a:solidFill>
-          </a:ln>
-        </p:spPr>
-        <p:txBody>
-          <a:bodyPr wrap="square" rtlCol="0">
-            <a:spAutoFit/>
-          </a:bodyPr>
-          <a:lstStyle/>
-          <a:p>
-            <a:r>
-              <a:rPr lang="en-US" altLang="ja-JP" sz="2400" dirty="0">
-                <a:latin typeface="MS Gothic" charset="-128"/>
-                <a:ea typeface="MS Gothic" charset="-128"/>
-                <a:cs typeface="MS Gothic" charset="-128"/>
-              </a:rPr>
-              <a:t>for(</a:t>
-            </a:r>
-            <a:r>
-              <a:rPr lang="en-US" altLang="ja-JP" sz="2400" dirty="0" err="1">
-                <a:latin typeface="MS Gothic" charset="-128"/>
-                <a:ea typeface="MS Gothic" charset="-128"/>
-                <a:cs typeface="MS Gothic" charset="-128"/>
-              </a:rPr>
-              <a:t>int</a:t>
-            </a:r>
-            <a:r>
-              <a:rPr lang="en-US" altLang="ja-JP" sz="2400" dirty="0">
-                <a:latin typeface="MS Gothic" charset="-128"/>
-                <a:ea typeface="MS Gothic" charset="-128"/>
-                <a:cs typeface="MS Gothic" charset="-128"/>
-              </a:rPr>
-              <a:t> </a:t>
-            </a:r>
-            <a:r>
-              <a:rPr lang="en-US" altLang="ja-JP" sz="2400" dirty="0" err="1">
-                <a:latin typeface="MS Gothic" charset="-128"/>
-                <a:ea typeface="MS Gothic" charset="-128"/>
-                <a:cs typeface="MS Gothic" charset="-128"/>
-              </a:rPr>
-              <a:t>i</a:t>
-            </a:r>
-            <a:r>
-              <a:rPr lang="en-US" altLang="ja-JP" sz="2400" dirty="0">
-                <a:latin typeface="MS Gothic" charset="-128"/>
-                <a:ea typeface="MS Gothic" charset="-128"/>
-                <a:cs typeface="MS Gothic" charset="-128"/>
-              </a:rPr>
-              <a:t>=0;i&lt;10;i++){</a:t>
-            </a:r>
-            <a:r>
-              <a:rPr lang="en-US" altLang="ja-JP" sz="2400" dirty="0" err="1">
-                <a:latin typeface="MS Gothic" charset="-128"/>
-                <a:ea typeface="MS Gothic" charset="-128"/>
-                <a:cs typeface="MS Gothic" charset="-128"/>
-              </a:rPr>
-              <a:t>println</a:t>
-            </a:r>
-            <a:r>
-              <a:rPr lang="en-US" altLang="ja-JP" sz="2400" dirty="0">
-                <a:latin typeface="MS Gothic" charset="-128"/>
-                <a:ea typeface="MS Gothic" charset="-128"/>
-                <a:cs typeface="MS Gothic" charset="-128"/>
-              </a:rPr>
-              <a:t>(</a:t>
-            </a:r>
-            <a:r>
-              <a:rPr lang="en-US" altLang="ja-JP" sz="2400" dirty="0" err="1">
-                <a:latin typeface="MS Gothic" charset="-128"/>
-                <a:ea typeface="MS Gothic" charset="-128"/>
-                <a:cs typeface="MS Gothic" charset="-128"/>
-              </a:rPr>
-              <a:t>i</a:t>
-            </a:r>
-            <a:r>
-              <a:rPr lang="en-US" altLang="ja-JP" sz="2400" dirty="0">
-                <a:latin typeface="MS Gothic" charset="-128"/>
-                <a:ea typeface="MS Gothic" charset="-128"/>
-                <a:cs typeface="MS Gothic" charset="-128"/>
-              </a:rPr>
-              <a:t>);}</a:t>
-            </a:r>
-          </a:p>
-        </p:txBody>
-      </p:sp>
-      <p:sp>
-        <p:nvSpPr>
-          <p:cNvPr id="7" name="下矢印 6"/>
-          <p:cNvSpPr/>
-          <p:nvPr/>
-        </p:nvSpPr>
-        <p:spPr>
-          <a:xfrm>
-            <a:off x="3833678" y="4023615"/>
-            <a:ext cx="508000" cy="469900"/>
-          </a:xfrm>
-          <a:prstGeom prst="downArrow">
-            <a:avLst/>
-          </a:prstGeom>
-        </p:spPr>
-        <p:style>
-          <a:lnRef idx="2">
-            <a:schemeClr val="accent1">
-              <a:shade val="50000"/>
-            </a:schemeClr>
-          </a:lnRef>
-          <a:fillRef idx="1">
-            <a:schemeClr val="accent1"/>
-          </a:fillRef>
-          <a:effectRef idx="0">
-            <a:schemeClr val="accent1"/>
-          </a:effectRef>
-          <a:fontRef idx="minor">
-            <a:schemeClr val="lt1"/>
-          </a:fontRef>
-        </p:style>
-        <p:txBody>
-          <a:bodyPr rtlCol="0" anchor="ctr"/>
-          <a:lstStyle/>
-          <a:p>
-            <a:pPr algn="ctr"/>
-            <a:endParaRPr kumimoji="1" lang="ja-JP" altLang="en-US"/>
-          </a:p>
-        </p:txBody>
-      </p:sp>
-    </p:spTree>
-    <p:extLst>
-      <p:ext uri="{BB962C8B-B14F-4D97-AF65-F5344CB8AC3E}">
-        <p14:creationId xmlns:p14="http://schemas.microsoft.com/office/powerpoint/2010/main" val="905988256"/>
-      </p:ext>
-    </p:extLst>
-  </p:cSld>
-  <p:clrMapOvr>
-    <a:masterClrMapping/>
-  </p:clrMapOvr>
-</p:sld>
-</file>
-
-<file path=ppt/slides/slide90.xml><?xml version="1.0" encoding="utf-8"?>
-<p:sld xmlns:a="http://schemas.openxmlformats.org/drawingml/2006/main" xmlns:r="http://schemas.openxmlformats.org/officeDocument/2006/relationships" xmlns:p="http://schemas.openxmlformats.org/presentationml/2006/main">
-  <p:cSld>
-    <p:spTree>
-      <p:nvGrpSpPr>
-        <p:cNvPr id="1" name=""/>
-        <p:cNvGrpSpPr/>
-        <p:nvPr/>
-      </p:nvGrpSpPr>
-      <p:grpSpPr>
-        <a:xfrm>
-          <a:off x="0" y="0"/>
-          <a:ext cx="0" cy="0"/>
-          <a:chOff x="0" y="0"/>
-          <a:chExt cx="0" cy="0"/>
-        </a:xfrm>
-      </p:grpSpPr>
-      <p:sp>
-        <p:nvSpPr>
-          <p:cNvPr id="2" name="タイトル 1"/>
-          <p:cNvSpPr>
-            <a:spLocks noGrp="1"/>
-          </p:cNvSpPr>
-          <p:nvPr>
-            <p:ph type="title"/>
-          </p:nvPr>
-        </p:nvSpPr>
-        <p:spPr/>
-        <p:txBody>
-          <a:bodyPr/>
-          <a:lstStyle/>
-          <a:p>
-            <a:r>
               <a:rPr kumimoji="1" lang="en-US" altLang="ja-JP" dirty="0" smtClean="0"/>
               <a:t>15.4 </a:t>
             </a:r>
@@ -33069,7 +35803,7 @@
             <a:fld id="{6113E31D-E2AB-40D1-8B51-AFA5AFEF393A}" type="slidenum">
               <a:rPr lang="en-US" smtClean="0"/>
               <a:pPr/>
-              <a:t>90</a:t>
+              <a:t>94</a:t>
             </a:fld>
             <a:endParaRPr lang="en-US" dirty="0"/>
           </a:p>
@@ -34198,7 +36932,7 @@
 </p:sld>
 </file>
 
-<file path=ppt/slides/slide91.xml><?xml version="1.0" encoding="utf-8"?>
+<file path=ppt/slides/slide95.xml><?xml version="1.0" encoding="utf-8"?>
 <p:sld xmlns:a="http://schemas.openxmlformats.org/drawingml/2006/main" xmlns:r="http://schemas.openxmlformats.org/officeDocument/2006/relationships" xmlns:p="http://schemas.openxmlformats.org/presentationml/2006/main">
   <p:cSld>
     <p:spTree>
@@ -34283,7 +37017,7 @@
             <a:fld id="{6113E31D-E2AB-40D1-8B51-AFA5AFEF393A}" type="slidenum">
               <a:rPr lang="en-US" smtClean="0"/>
               <a:pPr/>
-              <a:t>91</a:t>
+              <a:t>95</a:t>
             </a:fld>
             <a:endParaRPr lang="en-US" dirty="0"/>
           </a:p>
@@ -34862,7 +37596,7 @@
 </p:sld>
 </file>
 
-<file path=ppt/slides/slide92.xml><?xml version="1.0" encoding="utf-8"?>
+<file path=ppt/slides/slide96.xml><?xml version="1.0" encoding="utf-8"?>
 <p:sld xmlns:a="http://schemas.openxmlformats.org/drawingml/2006/main" xmlns:r="http://schemas.openxmlformats.org/officeDocument/2006/relationships" xmlns:p="http://schemas.openxmlformats.org/presentationml/2006/main">
   <p:cSld>
     <p:spTree>
@@ -34954,7 +37688,7 @@
             <a:fld id="{6113E31D-E2AB-40D1-8B51-AFA5AFEF393A}" type="slidenum">
               <a:rPr lang="en-US" smtClean="0"/>
               <a:pPr/>
-              <a:t>92</a:t>
+              <a:t>96</a:t>
             </a:fld>
             <a:endParaRPr lang="en-US" dirty="0"/>
           </a:p>
@@ -35794,7 +38528,7 @@
 </p:sld>
 </file>
 
-<file path=ppt/slides/slide93.xml><?xml version="1.0" encoding="utf-8"?>
+<file path=ppt/slides/slide97.xml><?xml version="1.0" encoding="utf-8"?>
 <p:sld xmlns:a="http://schemas.openxmlformats.org/drawingml/2006/main" xmlns:r="http://schemas.openxmlformats.org/officeDocument/2006/relationships" xmlns:p="http://schemas.openxmlformats.org/presentationml/2006/main">
   <p:cSld>
     <p:spTree>
@@ -35915,7 +38649,7 @@
             <a:fld id="{6113E31D-E2AB-40D1-8B51-AFA5AFEF393A}" type="slidenum">
               <a:rPr lang="en-US" smtClean="0"/>
               <a:pPr/>
-              <a:t>93</a:t>
+              <a:t>97</a:t>
             </a:fld>
             <a:endParaRPr lang="en-US" dirty="0"/>
           </a:p>
@@ -36090,7 +38824,15 @@
                 <a:ea typeface="MS Gothic" charset="-128"/>
                 <a:cs typeface="MS Gothic" charset="-128"/>
               </a:rPr>
-              <a:t>俺</a:t>
+              <a:t>俺アプリ</a:t>
+            </a:r>
+            <a:r>
+              <a:rPr kumimoji="1" lang="en-US" altLang="ja-JP" sz="1400" dirty="0" smtClean="0">
+                <a:latin typeface="MS Gothic" charset="-128"/>
+                <a:ea typeface="MS Gothic" charset="-128"/>
+                <a:cs typeface="MS Gothic" charset="-128"/>
+              </a:rPr>
+              <a:t> extends </a:t>
             </a:r>
             <a:r>
               <a:rPr kumimoji="1" lang="ja-JP" altLang="en-US" sz="1400" dirty="0" smtClean="0">
@@ -36098,7 +38840,7 @@
                 <a:ea typeface="MS Gothic" charset="-128"/>
                 <a:cs typeface="MS Gothic" charset="-128"/>
               </a:rPr>
-              <a:t>アプリ</a:t>
+              <a:t>画面</a:t>
             </a:r>
             <a:r>
               <a:rPr kumimoji="1" lang="en-US" altLang="ja-JP" sz="1400" dirty="0" smtClean="0">
@@ -36106,31 +38848,7 @@
                 <a:ea typeface="MS Gothic" charset="-128"/>
                 <a:cs typeface="MS Gothic" charset="-128"/>
               </a:rPr>
-              <a:t> extends </a:t>
-            </a:r>
-            <a:r>
-              <a:rPr kumimoji="1" lang="ja-JP" altLang="en-US" sz="1400" dirty="0" smtClean="0">
-                <a:latin typeface="MS Gothic" charset="-128"/>
-                <a:ea typeface="MS Gothic" charset="-128"/>
-                <a:cs typeface="MS Gothic" charset="-128"/>
-              </a:rPr>
-              <a:t>画面</a:t>
-            </a:r>
-            <a:r>
-              <a:rPr kumimoji="1" lang="en-US" altLang="ja-JP" sz="1400" dirty="0" smtClean="0">
-                <a:latin typeface="MS Gothic" charset="-128"/>
-                <a:ea typeface="MS Gothic" charset="-128"/>
-                <a:cs typeface="MS Gothic" charset="-128"/>
-              </a:rPr>
-              <a:t> </a:t>
-            </a:r>
-            <a:r>
-              <a:rPr kumimoji="1" lang="en-US" altLang="ja-JP" sz="1400" dirty="0" smtClean="0">
-                <a:latin typeface="MS Gothic" charset="-128"/>
-                <a:ea typeface="MS Gothic" charset="-128"/>
-                <a:cs typeface="MS Gothic" charset="-128"/>
-              </a:rPr>
-              <a:t>{</a:t>
+              <a:t> {</a:t>
             </a:r>
           </a:p>
           <a:p>
@@ -36365,7 +39083,7 @@
 </p:sld>
 </file>
 
-<file path=ppt/slides/slide94.xml><?xml version="1.0" encoding="utf-8"?>
+<file path=ppt/slides/slide98.xml><?xml version="1.0" encoding="utf-8"?>
 <p:sld xmlns:a="http://schemas.openxmlformats.org/drawingml/2006/main" xmlns:r="http://schemas.openxmlformats.org/officeDocument/2006/relationships" xmlns:p="http://schemas.openxmlformats.org/presentationml/2006/main">
   <p:cSld>
     <p:spTree>
@@ -36405,19 +39123,11 @@
             </a:r>
             <a:r>
               <a:rPr kumimoji="1" lang="en-US" altLang="ja-JP" sz="3200" dirty="0" smtClean="0"/>
-              <a:t>: </a:t>
-            </a:r>
-            <a:r>
-              <a:rPr kumimoji="1" lang="en-US" altLang="ja-JP" sz="3200" dirty="0" smtClean="0"/>
-              <a:t>Processing</a:t>
+              <a:t>: Processing</a:t>
             </a:r>
             <a:r>
               <a:rPr kumimoji="1" lang="ja-JP" altLang="en-US" sz="3200" dirty="0" smtClean="0"/>
-              <a:t>の</a:t>
-            </a:r>
-            <a:r>
-              <a:rPr kumimoji="1" lang="ja-JP" altLang="en-US" sz="3200" dirty="0" smtClean="0"/>
-              <a:t>プログラミング</a:t>
+              <a:t>のプログラミング</a:t>
             </a:r>
             <a:endParaRPr kumimoji="1" lang="ja-JP" altLang="en-US" sz="3200" dirty="0"/>
           </a:p>
@@ -36482,15 +39192,7 @@
             </a:r>
             <a:r>
               <a:rPr lang="ja-JP" altLang="en-US" dirty="0" smtClean="0"/>
-              <a:t>メソッド</a:t>
-            </a:r>
-            <a:r>
-              <a:rPr lang="ja-JP" altLang="en-US" dirty="0" smtClean="0"/>
-              <a:t>をオーバーライドして自分のアプリを</a:t>
-            </a:r>
-            <a:r>
-              <a:rPr lang="ja-JP" altLang="en-US" dirty="0" smtClean="0"/>
-              <a:t>作っている</a:t>
+              <a:t>メソッドをオーバーライドして自分のアプリを作っている</a:t>
             </a:r>
             <a:endParaRPr lang="en-US" altLang="ja-JP" dirty="0" smtClean="0"/>
           </a:p>
@@ -36514,7 +39216,7 @@
             <a:fld id="{6113E31D-E2AB-40D1-8B51-AFA5AFEF393A}" type="slidenum">
               <a:rPr lang="en-US" smtClean="0"/>
               <a:pPr/>
-              <a:t>94</a:t>
+              <a:t>98</a:t>
             </a:fld>
             <a:endParaRPr lang="en-US" dirty="0"/>
           </a:p>
@@ -36569,15 +39271,7 @@
                 <a:ea typeface="MS Gothic" charset="-128"/>
                 <a:cs typeface="MS Gothic" charset="-128"/>
               </a:rPr>
-              <a:t> </a:t>
-            </a:r>
-            <a:r>
-              <a:rPr kumimoji="1" lang="en-US" altLang="ja-JP" sz="1400" dirty="0" smtClean="0">
-                <a:latin typeface="MS Gothic" charset="-128"/>
-                <a:ea typeface="MS Gothic" charset="-128"/>
-                <a:cs typeface="MS Gothic" charset="-128"/>
-              </a:rPr>
-              <a:t>{</a:t>
+              <a:t> {</a:t>
             </a:r>
           </a:p>
           <a:p>
@@ -36590,7 +39284,18 @@
                 <a:ea typeface="MS Gothic" charset="-128"/>
                 <a:cs typeface="MS Gothic" charset="-128"/>
               </a:rPr>
-              <a:t>  void </a:t>
+              <a:t>  void setup</a:t>
+            </a:r>
+            <a:r>
+              <a:rPr kumimoji="1" lang="ja-JP" altLang="en-US" sz="1400" dirty="0" smtClean="0">
+                <a:solidFill>
+                  <a:srgbClr val="FF0000"/>
+                </a:solidFill>
+                <a:latin typeface="MS Gothic" charset="-128"/>
+                <a:ea typeface="MS Gothic" charset="-128"/>
+                <a:cs typeface="MS Gothic" charset="-128"/>
+              </a:rPr>
+              <a:t> </a:t>
             </a:r>
             <a:r>
               <a:rPr kumimoji="1" lang="en-US" altLang="ja-JP" sz="1400" dirty="0" smtClean="0">
@@ -36601,10 +39306,12 @@
                 <a:ea typeface="MS Gothic" charset="-128"/>
                 <a:cs typeface="MS Gothic" charset="-128"/>
               </a:rPr>
-              <a:t>setup</a:t>
-            </a:r>
-            <a:r>
-              <a:rPr kumimoji="1" lang="ja-JP" altLang="en-US" sz="1400" dirty="0" smtClean="0">
+              <a:t>() {</a:t>
+            </a:r>
+          </a:p>
+          <a:p>
+            <a:r>
+              <a:rPr kumimoji="1" lang="en-US" altLang="ja-JP" sz="1400" dirty="0">
                 <a:solidFill>
                   <a:srgbClr val="FF0000"/>
                 </a:solidFill>
@@ -36623,7 +39330,7 @@
                 <a:ea typeface="MS Gothic" charset="-128"/>
                 <a:cs typeface="MS Gothic" charset="-128"/>
               </a:rPr>
-              <a:t>() {</a:t>
+              <a:t> }</a:t>
             </a:r>
           </a:p>
           <a:p>
@@ -36647,6 +39354,19 @@
                 <a:ea typeface="MS Gothic" charset="-128"/>
                 <a:cs typeface="MS Gothic" charset="-128"/>
               </a:rPr>
+              <a:t> void draw() {</a:t>
+            </a:r>
+          </a:p>
+          <a:p>
+            <a:r>
+              <a:rPr kumimoji="1" lang="en-US" altLang="ja-JP" sz="1400" dirty="0">
+                <a:solidFill>
+                  <a:srgbClr val="FF0000"/>
+                </a:solidFill>
+                <a:latin typeface="MS Gothic" charset="-128"/>
+                <a:ea typeface="MS Gothic" charset="-128"/>
+                <a:cs typeface="MS Gothic" charset="-128"/>
+              </a:rPr>
               <a:t> </a:t>
             </a:r>
             <a:r>
@@ -36658,64 +39378,8 @@
                 <a:ea typeface="MS Gothic" charset="-128"/>
                 <a:cs typeface="MS Gothic" charset="-128"/>
               </a:rPr>
-              <a:t>}</a:t>
-            </a:r>
-          </a:p>
-          <a:p>
-            <a:r>
-              <a:rPr kumimoji="1" lang="en-US" altLang="ja-JP" sz="1400" dirty="0">
-                <a:solidFill>
-                  <a:srgbClr val="FF0000"/>
-                </a:solidFill>
-                <a:latin typeface="MS Gothic" charset="-128"/>
-                <a:ea typeface="MS Gothic" charset="-128"/>
-                <a:cs typeface="MS Gothic" charset="-128"/>
-              </a:rPr>
-              <a:t> </a:t>
-            </a:r>
-            <a:r>
-              <a:rPr kumimoji="1" lang="en-US" altLang="ja-JP" sz="1400" dirty="0" smtClean="0">
-                <a:solidFill>
-                  <a:srgbClr val="FF0000"/>
-                </a:solidFill>
-                <a:latin typeface="MS Gothic" charset="-128"/>
-                <a:ea typeface="MS Gothic" charset="-128"/>
-                <a:cs typeface="MS Gothic" charset="-128"/>
-              </a:rPr>
-              <a:t> void draw() {</a:t>
-            </a:r>
-          </a:p>
-          <a:p>
-            <a:r>
-              <a:rPr kumimoji="1" lang="en-US" altLang="ja-JP" sz="1400" dirty="0">
-                <a:solidFill>
-                  <a:srgbClr val="FF0000"/>
-                </a:solidFill>
-                <a:latin typeface="MS Gothic" charset="-128"/>
-                <a:ea typeface="MS Gothic" charset="-128"/>
-                <a:cs typeface="MS Gothic" charset="-128"/>
-              </a:rPr>
-              <a:t> </a:t>
-            </a:r>
-            <a:r>
-              <a:rPr kumimoji="1" lang="en-US" altLang="ja-JP" sz="1400" dirty="0" smtClean="0">
-                <a:solidFill>
-                  <a:srgbClr val="FF0000"/>
-                </a:solidFill>
-                <a:latin typeface="MS Gothic" charset="-128"/>
-                <a:ea typeface="MS Gothic" charset="-128"/>
-                <a:cs typeface="MS Gothic" charset="-128"/>
-              </a:rPr>
               <a:t> }</a:t>
             </a:r>
-            <a:endParaRPr kumimoji="1" lang="en-US" altLang="ja-JP" sz="1400" dirty="0" smtClean="0">
-              <a:solidFill>
-                <a:srgbClr val="FF0000"/>
-              </a:solidFill>
-              <a:latin typeface="MS Gothic" charset="-128"/>
-              <a:ea typeface="MS Gothic" charset="-128"/>
-              <a:cs typeface="MS Gothic" charset="-128"/>
-            </a:endParaRPr>
           </a:p>
           <a:p>
             <a:r>
@@ -36767,7 +39431,15 @@
                 <a:ea typeface="MS Gothic" charset="-128"/>
                 <a:cs typeface="MS Gothic" charset="-128"/>
               </a:rPr>
-              <a:t>class </a:t>
+              <a:t>class ??? extends </a:t>
+            </a:r>
+            <a:r>
+              <a:rPr kumimoji="1" lang="en-US" altLang="ja-JP" sz="1400" dirty="0" err="1" smtClean="0">
+                <a:latin typeface="MS Gothic" charset="-128"/>
+                <a:ea typeface="MS Gothic" charset="-128"/>
+                <a:cs typeface="MS Gothic" charset="-128"/>
+              </a:rPr>
+              <a:t>PApplet</a:t>
             </a:r>
             <a:r>
               <a:rPr kumimoji="1" lang="en-US" altLang="ja-JP" sz="1400" dirty="0" smtClean="0">
@@ -36775,31 +39447,7 @@
                 <a:ea typeface="MS Gothic" charset="-128"/>
                 <a:cs typeface="MS Gothic" charset="-128"/>
               </a:rPr>
-              <a:t>??? extends </a:t>
-            </a:r>
-            <a:r>
-              <a:rPr kumimoji="1" lang="en-US" altLang="ja-JP" sz="1400" dirty="0" err="1" smtClean="0">
-                <a:latin typeface="MS Gothic" charset="-128"/>
-                <a:ea typeface="MS Gothic" charset="-128"/>
-                <a:cs typeface="MS Gothic" charset="-128"/>
-              </a:rPr>
-              <a:t>PApplet</a:t>
-            </a:r>
-            <a:r>
-              <a:rPr kumimoji="1" lang="en-US" altLang="ja-JP" sz="1400" dirty="0" smtClean="0">
-                <a:latin typeface="MS Gothic" charset="-128"/>
-                <a:ea typeface="MS Gothic" charset="-128"/>
-                <a:cs typeface="MS Gothic" charset="-128"/>
-              </a:rPr>
-              <a:t> </a:t>
-            </a:r>
-            <a:r>
-              <a:rPr kumimoji="1" lang="en-US" altLang="ja-JP" sz="1400" dirty="0" smtClean="0">
-                <a:latin typeface="MS Gothic" charset="-128"/>
-                <a:ea typeface="MS Gothic" charset="-128"/>
-                <a:cs typeface="MS Gothic" charset="-128"/>
-              </a:rPr>
-              <a:t>{</a:t>
+              <a:t> {</a:t>
             </a:r>
           </a:p>
           <a:p>
@@ -36835,7 +39483,20 @@
                 <a:ea typeface="MS Gothic" charset="-128"/>
                 <a:cs typeface="MS Gothic" charset="-128"/>
               </a:rPr>
-              <a:t>  </a:t>
+              <a:t>  void setup() {</a:t>
+            </a:r>
+          </a:p>
+          <a:p>
+            <a:r>
+              <a:rPr kumimoji="1" lang="en-US" altLang="ja-JP" sz="1400" dirty="0">
+                <a:solidFill>
+                  <a:srgbClr val="FF0000"/>
+                </a:solidFill>
+                <a:latin typeface="MS Gothic" charset="-128"/>
+                <a:ea typeface="MS Gothic" charset="-128"/>
+                <a:cs typeface="MS Gothic" charset="-128"/>
+              </a:rPr>
+              <a:t> </a:t>
             </a:r>
             <a:r>
               <a:rPr kumimoji="1" lang="en-US" altLang="ja-JP" sz="1400" dirty="0" smtClean="0">
@@ -36846,8 +39507,10 @@
                 <a:ea typeface="MS Gothic" charset="-128"/>
                 <a:cs typeface="MS Gothic" charset="-128"/>
               </a:rPr>
-              <a:t>void </a:t>
-            </a:r>
+              <a:t>   …</a:t>
+            </a:r>
+          </a:p>
+          <a:p>
             <a:r>
               <a:rPr kumimoji="1" lang="en-US" altLang="ja-JP" sz="1400" dirty="0" smtClean="0">
                 <a:solidFill>
@@ -36857,7 +39520,20 @@
                 <a:ea typeface="MS Gothic" charset="-128"/>
                 <a:cs typeface="MS Gothic" charset="-128"/>
               </a:rPr>
-              <a:t>setup</a:t>
+              <a:t>  }</a:t>
+            </a:r>
+          </a:p>
+          <a:p>
+            <a:r>
+              <a:rPr kumimoji="1" lang="en-US" altLang="ja-JP" sz="1400" dirty="0">
+                <a:solidFill>
+                  <a:srgbClr val="FF0000"/>
+                </a:solidFill>
+                <a:latin typeface="MS Gothic" charset="-128"/>
+                <a:ea typeface="MS Gothic" charset="-128"/>
+                <a:cs typeface="MS Gothic" charset="-128"/>
+              </a:rPr>
+              <a:t> </a:t>
             </a:r>
             <a:r>
               <a:rPr kumimoji="1" lang="en-US" altLang="ja-JP" sz="1400" dirty="0" smtClean="0">
@@ -36868,21 +39544,10 @@
                 <a:ea typeface="MS Gothic" charset="-128"/>
                 <a:cs typeface="MS Gothic" charset="-128"/>
               </a:rPr>
-              <a:t>() {</a:t>
-            </a:r>
-          </a:p>
-          <a:p>
-            <a:r>
-              <a:rPr kumimoji="1" lang="en-US" altLang="ja-JP" sz="1400" dirty="0">
-                <a:solidFill>
-                  <a:srgbClr val="FF0000"/>
-                </a:solidFill>
-                <a:latin typeface="MS Gothic" charset="-128"/>
-                <a:ea typeface="MS Gothic" charset="-128"/>
-                <a:cs typeface="MS Gothic" charset="-128"/>
-              </a:rPr>
-              <a:t> </a:t>
-            </a:r>
+              <a:t> void draw() {</a:t>
+            </a:r>
+          </a:p>
+          <a:p>
             <a:r>
               <a:rPr kumimoji="1" lang="en-US" altLang="ja-JP" sz="1400" dirty="0" smtClean="0">
                 <a:solidFill>
@@ -36892,16 +39557,8 @@
                 <a:ea typeface="MS Gothic" charset="-128"/>
                 <a:cs typeface="MS Gothic" charset="-128"/>
               </a:rPr>
-              <a:t>   …</a:t>
-            </a:r>
-            <a:endParaRPr kumimoji="1" lang="en-US" altLang="ja-JP" sz="1400" dirty="0" smtClean="0">
-              <a:solidFill>
-                <a:srgbClr val="FF0000"/>
-              </a:solidFill>
-              <a:latin typeface="MS Gothic" charset="-128"/>
-              <a:ea typeface="MS Gothic" charset="-128"/>
-              <a:cs typeface="MS Gothic" charset="-128"/>
-            </a:endParaRPr>
+              <a:t>    …</a:t>
+            </a:r>
           </a:p>
           <a:p>
             <a:r>
@@ -36915,75 +39572,6 @@
               </a:rPr>
               <a:t>  }</a:t>
             </a:r>
-          </a:p>
-          <a:p>
-            <a:r>
-              <a:rPr kumimoji="1" lang="en-US" altLang="ja-JP" sz="1400" dirty="0">
-                <a:solidFill>
-                  <a:srgbClr val="FF0000"/>
-                </a:solidFill>
-                <a:latin typeface="MS Gothic" charset="-128"/>
-                <a:ea typeface="MS Gothic" charset="-128"/>
-                <a:cs typeface="MS Gothic" charset="-128"/>
-              </a:rPr>
-              <a:t> </a:t>
-            </a:r>
-            <a:r>
-              <a:rPr kumimoji="1" lang="en-US" altLang="ja-JP" sz="1400" dirty="0" smtClean="0">
-                <a:solidFill>
-                  <a:srgbClr val="FF0000"/>
-                </a:solidFill>
-                <a:latin typeface="MS Gothic" charset="-128"/>
-                <a:ea typeface="MS Gothic" charset="-128"/>
-                <a:cs typeface="MS Gothic" charset="-128"/>
-              </a:rPr>
-              <a:t> void draw() {</a:t>
-            </a:r>
-          </a:p>
-          <a:p>
-            <a:r>
-              <a:rPr kumimoji="1" lang="en-US" altLang="ja-JP" sz="1400" dirty="0" smtClean="0">
-                <a:solidFill>
-                  <a:srgbClr val="FF0000"/>
-                </a:solidFill>
-                <a:latin typeface="MS Gothic" charset="-128"/>
-                <a:ea typeface="MS Gothic" charset="-128"/>
-                <a:cs typeface="MS Gothic" charset="-128"/>
-              </a:rPr>
-              <a:t>    …</a:t>
-            </a:r>
-          </a:p>
-          <a:p>
-            <a:r>
-              <a:rPr kumimoji="1" lang="en-US" altLang="ja-JP" sz="1400" dirty="0" smtClean="0">
-                <a:solidFill>
-                  <a:srgbClr val="FF0000"/>
-                </a:solidFill>
-                <a:latin typeface="MS Gothic" charset="-128"/>
-                <a:ea typeface="MS Gothic" charset="-128"/>
-                <a:cs typeface="MS Gothic" charset="-128"/>
-              </a:rPr>
-              <a:t>  </a:t>
-            </a:r>
-            <a:r>
-              <a:rPr kumimoji="1" lang="en-US" altLang="ja-JP" sz="1400" dirty="0" smtClean="0">
-                <a:solidFill>
-                  <a:srgbClr val="FF0000"/>
-                </a:solidFill>
-                <a:latin typeface="MS Gothic" charset="-128"/>
-                <a:ea typeface="MS Gothic" charset="-128"/>
-                <a:cs typeface="MS Gothic" charset="-128"/>
-              </a:rPr>
-              <a:t>}</a:t>
-            </a:r>
-            <a:endParaRPr kumimoji="1" lang="en-US" altLang="ja-JP" sz="1400" dirty="0" smtClean="0">
-              <a:solidFill>
-                <a:srgbClr val="FF0000"/>
-              </a:solidFill>
-              <a:latin typeface="MS Gothic" charset="-128"/>
-              <a:ea typeface="MS Gothic" charset="-128"/>
-              <a:cs typeface="MS Gothic" charset="-128"/>
-            </a:endParaRPr>
           </a:p>
           <a:p>
             <a:endParaRPr kumimoji="1" lang="en-US" altLang="ja-JP" sz="1400" dirty="0" smtClean="0">
@@ -37181,757 +39769,6 @@
 </p:sld>
 </file>
 
-<file path=ppt/slides/slide95.xml><?xml version="1.0" encoding="utf-8"?>
-<p:sld xmlns:a="http://schemas.openxmlformats.org/drawingml/2006/main" xmlns:r="http://schemas.openxmlformats.org/officeDocument/2006/relationships" xmlns:p="http://schemas.openxmlformats.org/presentationml/2006/main">
-  <p:cSld>
-    <p:spTree>
-      <p:nvGrpSpPr>
-        <p:cNvPr id="1" name=""/>
-        <p:cNvGrpSpPr/>
-        <p:nvPr/>
-      </p:nvGrpSpPr>
-      <p:grpSpPr>
-        <a:xfrm>
-          <a:off x="0" y="0"/>
-          <a:ext cx="0" cy="0"/>
-          <a:chOff x="0" y="0"/>
-          <a:chExt cx="0" cy="0"/>
-        </a:xfrm>
-      </p:grpSpPr>
-      <p:sp>
-        <p:nvSpPr>
-          <p:cNvPr id="2" name="タイトル 1"/>
-          <p:cNvSpPr>
-            <a:spLocks noGrp="1"/>
-          </p:cNvSpPr>
-          <p:nvPr>
-            <p:ph type="title"/>
-          </p:nvPr>
-        </p:nvSpPr>
-        <p:spPr/>
-        <p:txBody>
-          <a:bodyPr/>
-          <a:lstStyle/>
-          <a:p>
-            <a:r>
-              <a:rPr kumimoji="1" lang="en-US" altLang="ja-JP" dirty="0" smtClean="0"/>
-              <a:t>super</a:t>
-            </a:r>
-            <a:r>
-              <a:rPr kumimoji="1" lang="ja-JP" altLang="en-US" dirty="0" smtClean="0"/>
-              <a:t>キーワード</a:t>
-            </a:r>
-            <a:endParaRPr kumimoji="1" lang="ja-JP" altLang="en-US" dirty="0"/>
-          </a:p>
-        </p:txBody>
-      </p:sp>
-      <p:sp>
-        <p:nvSpPr>
-          <p:cNvPr id="3" name="コンテンツ プレースホルダー 2"/>
-          <p:cNvSpPr>
-            <a:spLocks noGrp="1"/>
-          </p:cNvSpPr>
-          <p:nvPr>
-            <p:ph idx="1"/>
-          </p:nvPr>
-        </p:nvSpPr>
-        <p:spPr/>
-        <p:txBody>
-          <a:bodyPr>
-            <a:normAutofit fontScale="85000" lnSpcReduction="20000"/>
-          </a:bodyPr>
-          <a:lstStyle/>
-          <a:p>
-            <a:r>
-              <a:rPr lang="en-US" altLang="ja-JP" dirty="0" smtClean="0"/>
-              <a:t>super</a:t>
-            </a:r>
-            <a:r>
-              <a:rPr lang="ja-JP" altLang="en-US" dirty="0" smtClean="0"/>
-              <a:t>で、子</a:t>
-            </a:r>
-            <a:r>
-              <a:rPr kumimoji="1" lang="ja-JP" altLang="en-US" dirty="0" smtClean="0"/>
-              <a:t>クラスから親クラスを使うことが</a:t>
-            </a:r>
-            <a:r>
-              <a:rPr kumimoji="1" lang="en-US" altLang="ja-JP" dirty="0" smtClean="0"/>
-              <a:t/>
-            </a:r>
-            <a:br>
-              <a:rPr kumimoji="1" lang="en-US" altLang="ja-JP" dirty="0" smtClean="0"/>
-            </a:br>
-            <a:r>
-              <a:rPr kumimoji="1" lang="ja-JP" altLang="en-US" dirty="0" smtClean="0"/>
-              <a:t>できる</a:t>
-            </a:r>
-            <a:endParaRPr kumimoji="1" lang="en-US" altLang="ja-JP" dirty="0" smtClean="0"/>
-          </a:p>
-          <a:p>
-            <a:r>
-              <a:rPr lang="ja-JP" altLang="en-US" dirty="0" smtClean="0"/>
-              <a:t>親クラスのコンストラクタを使う</a:t>
-            </a:r>
-            <a:endParaRPr lang="en-US" altLang="ja-JP" dirty="0" smtClean="0"/>
-          </a:p>
-          <a:p>
-            <a:pPr lvl="1"/>
-            <a:r>
-              <a:rPr lang="en-US" altLang="ja-JP" dirty="0" smtClean="0"/>
-              <a:t>super(</a:t>
-            </a:r>
-            <a:r>
-              <a:rPr lang="ja-JP" altLang="en-US" dirty="0" smtClean="0"/>
-              <a:t>引数</a:t>
-            </a:r>
-            <a:r>
-              <a:rPr lang="en-US" altLang="ja-JP" dirty="0" smtClean="0"/>
-              <a:t>);</a:t>
-            </a:r>
-          </a:p>
-          <a:p>
-            <a:r>
-              <a:rPr lang="ja-JP" altLang="en-US" dirty="0" smtClean="0"/>
-              <a:t>親クラスのメソッドを使う</a:t>
-            </a:r>
-            <a:endParaRPr lang="en-US" altLang="ja-JP" dirty="0" smtClean="0"/>
-          </a:p>
-          <a:p>
-            <a:pPr lvl="1"/>
-            <a:r>
-              <a:rPr lang="en-US" altLang="ja-JP" dirty="0" smtClean="0"/>
-              <a:t>super.</a:t>
-            </a:r>
-            <a:r>
-              <a:rPr lang="ja-JP" altLang="en-US" dirty="0" smtClean="0"/>
-              <a:t>メソッド</a:t>
-            </a:r>
-            <a:r>
-              <a:rPr lang="en-US" altLang="ja-JP" dirty="0" smtClean="0"/>
-              <a:t>(</a:t>
-            </a:r>
-            <a:r>
-              <a:rPr lang="ja-JP" altLang="en-US" dirty="0" smtClean="0"/>
-              <a:t>引数</a:t>
-            </a:r>
-            <a:r>
-              <a:rPr lang="en-US" altLang="ja-JP" dirty="0" smtClean="0"/>
-              <a:t>);</a:t>
-            </a:r>
-            <a:endParaRPr kumimoji="1" lang="ja-JP" altLang="en-US" dirty="0"/>
-          </a:p>
-        </p:txBody>
-      </p:sp>
-      <p:sp>
-        <p:nvSpPr>
-          <p:cNvPr id="4" name="スライド番号プレースホルダー 3"/>
-          <p:cNvSpPr>
-            <a:spLocks noGrp="1"/>
-          </p:cNvSpPr>
-          <p:nvPr>
-            <p:ph type="sldNum" sz="quarter" idx="12"/>
-          </p:nvPr>
-        </p:nvSpPr>
-        <p:spPr/>
-        <p:txBody>
-          <a:bodyPr/>
-          <a:lstStyle/>
-          <a:p>
-            <a:fld id="{6113E31D-E2AB-40D1-8B51-AFA5AFEF393A}" type="slidenum">
-              <a:rPr lang="en-US" smtClean="0"/>
-              <a:pPr/>
-              <a:t>95</a:t>
-            </a:fld>
-            <a:endParaRPr lang="en-US" dirty="0"/>
-          </a:p>
-        </p:txBody>
-      </p:sp>
-      <p:sp>
-        <p:nvSpPr>
-          <p:cNvPr id="5" name="テキスト ボックス 4"/>
-          <p:cNvSpPr txBox="1"/>
-          <p:nvPr/>
-        </p:nvSpPr>
-        <p:spPr>
-          <a:xfrm>
-            <a:off x="2859671" y="4254500"/>
-            <a:ext cx="4565673" cy="369332"/>
-          </a:xfrm>
-          <a:prstGeom prst="rect">
-            <a:avLst/>
-          </a:prstGeom>
-          <a:noFill/>
-        </p:spPr>
-        <p:txBody>
-          <a:bodyPr wrap="none" rtlCol="0">
-            <a:spAutoFit/>
-          </a:bodyPr>
-          <a:lstStyle/>
-          <a:p>
-            <a:r>
-              <a:rPr kumimoji="1" lang="en-US" altLang="ja-JP" dirty="0" smtClean="0"/>
-              <a:t>※</a:t>
-            </a:r>
-            <a:r>
-              <a:rPr kumimoji="1" lang="ja-JP" altLang="en-US" dirty="0" smtClean="0"/>
-              <a:t>必ずコンストラクタの最初で使う必要がある</a:t>
-            </a:r>
-            <a:endParaRPr kumimoji="1" lang="ja-JP" altLang="en-US" dirty="0"/>
-          </a:p>
-        </p:txBody>
-      </p:sp>
-    </p:spTree>
-    <p:extLst>
-      <p:ext uri="{BB962C8B-B14F-4D97-AF65-F5344CB8AC3E}">
-        <p14:creationId xmlns:p14="http://schemas.microsoft.com/office/powerpoint/2010/main" val="1688734255"/>
-      </p:ext>
-    </p:extLst>
-  </p:cSld>
-  <p:clrMapOvr>
-    <a:masterClrMapping/>
-  </p:clrMapOvr>
-</p:sld>
-</file>
-
-<file path=ppt/slides/slide96.xml><?xml version="1.0" encoding="utf-8"?>
-<p:sld xmlns:a="http://schemas.openxmlformats.org/drawingml/2006/main" xmlns:r="http://schemas.openxmlformats.org/officeDocument/2006/relationships" xmlns:p="http://schemas.openxmlformats.org/presentationml/2006/main">
-  <p:cSld>
-    <p:spTree>
-      <p:nvGrpSpPr>
-        <p:cNvPr id="1" name=""/>
-        <p:cNvGrpSpPr/>
-        <p:nvPr/>
-      </p:nvGrpSpPr>
-      <p:grpSpPr>
-        <a:xfrm>
-          <a:off x="0" y="0"/>
-          <a:ext cx="0" cy="0"/>
-          <a:chOff x="0" y="0"/>
-          <a:chExt cx="0" cy="0"/>
-        </a:xfrm>
-      </p:grpSpPr>
-      <p:sp>
-        <p:nvSpPr>
-          <p:cNvPr id="2" name="タイトル 1"/>
-          <p:cNvSpPr>
-            <a:spLocks noGrp="1"/>
-          </p:cNvSpPr>
-          <p:nvPr>
-            <p:ph type="title"/>
-          </p:nvPr>
-        </p:nvSpPr>
-        <p:spPr/>
-        <p:txBody>
-          <a:bodyPr/>
-          <a:lstStyle/>
-          <a:p>
-            <a:r>
-              <a:rPr lang="ja-JP" altLang="en-US" dirty="0" smtClean="0"/>
-              <a:t>多態性</a:t>
-            </a:r>
-            <a:endParaRPr kumimoji="1" lang="ja-JP" altLang="en-US" dirty="0"/>
-          </a:p>
-        </p:txBody>
-      </p:sp>
-      <p:sp>
-        <p:nvSpPr>
-          <p:cNvPr id="3" name="コンテンツ プレースホルダー 2"/>
-          <p:cNvSpPr>
-            <a:spLocks noGrp="1"/>
-          </p:cNvSpPr>
-          <p:nvPr>
-            <p:ph idx="1"/>
-          </p:nvPr>
-        </p:nvSpPr>
-        <p:spPr>
-          <a:xfrm>
-            <a:off x="822959" y="1845734"/>
-            <a:ext cx="7543801" cy="4402666"/>
-          </a:xfrm>
-        </p:spPr>
-        <p:txBody>
-          <a:bodyPr>
-            <a:normAutofit fontScale="92500" lnSpcReduction="10000"/>
-          </a:bodyPr>
-          <a:lstStyle/>
-          <a:p>
-            <a:r>
-              <a:rPr lang="ja-JP" altLang="en-US" dirty="0" smtClean="0"/>
-              <a:t>親クラスの変数に、</a:t>
-            </a:r>
-            <a:r>
-              <a:rPr lang="en-US" altLang="ja-JP" dirty="0" smtClean="0"/>
-              <a:t/>
-            </a:r>
-            <a:br>
-              <a:rPr lang="en-US" altLang="ja-JP" dirty="0" smtClean="0"/>
-            </a:br>
-            <a:r>
-              <a:rPr lang="ja-JP" altLang="en-US" dirty="0" smtClean="0"/>
-              <a:t>子クラスのインスタンスが代入できる</a:t>
-            </a:r>
-            <a:endParaRPr lang="en-US" altLang="ja-JP" dirty="0" smtClean="0"/>
-          </a:p>
-          <a:p>
-            <a:pPr lvl="1"/>
-            <a:r>
-              <a:rPr kumimoji="1" lang="ja-JP" altLang="en-US" dirty="0" smtClean="0"/>
-              <a:t>例</a:t>
-            </a:r>
-            <a:r>
-              <a:rPr kumimoji="1" lang="en-US" altLang="ja-JP" dirty="0" smtClean="0"/>
-              <a:t>: </a:t>
-            </a:r>
-            <a:r>
-              <a:rPr kumimoji="1" lang="ja-JP" altLang="en-US" dirty="0" smtClean="0"/>
-              <a:t>イヌ科</a:t>
-            </a:r>
-            <a:r>
-              <a:rPr kumimoji="1" lang="en-US" altLang="ja-JP" dirty="0" smtClean="0"/>
-              <a:t> </a:t>
-            </a:r>
-            <a:r>
-              <a:rPr lang="ja-JP" altLang="en-US" dirty="0" smtClean="0"/>
-              <a:t>イヌ科の動物</a:t>
-            </a:r>
-            <a:r>
-              <a:rPr kumimoji="1" lang="en-US" altLang="ja-JP" dirty="0" smtClean="0"/>
-              <a:t> = new </a:t>
-            </a:r>
-            <a:r>
-              <a:rPr lang="ja-JP" altLang="en-US" dirty="0" smtClean="0"/>
-              <a:t>狐</a:t>
-            </a:r>
-            <a:r>
-              <a:rPr kumimoji="1" lang="en-US" altLang="ja-JP" dirty="0" smtClean="0"/>
-              <a:t>();</a:t>
-            </a:r>
-          </a:p>
-          <a:p>
-            <a:r>
-              <a:rPr lang="ja-JP" altLang="en-US" dirty="0" smtClean="0"/>
-              <a:t>そのときに、メソッドを起動すると、</a:t>
-            </a:r>
-            <a:r>
-              <a:rPr lang="en-US" altLang="ja-JP" dirty="0" smtClean="0"/>
-              <a:t/>
-            </a:r>
-            <a:br>
-              <a:rPr lang="en-US" altLang="ja-JP" dirty="0" smtClean="0"/>
-            </a:br>
-            <a:r>
-              <a:rPr lang="ja-JP" altLang="en-US" dirty="0" smtClean="0"/>
-              <a:t>子クラスのメソッドが起動される</a:t>
-            </a:r>
-            <a:endParaRPr lang="en-US" altLang="ja-JP" dirty="0" smtClean="0"/>
-          </a:p>
-          <a:p>
-            <a:pPr lvl="1"/>
-            <a:r>
-              <a:rPr kumimoji="1" lang="ja-JP" altLang="en-US" dirty="0" smtClean="0"/>
-              <a:t>例</a:t>
-            </a:r>
-            <a:r>
-              <a:rPr kumimoji="1" lang="en-US" altLang="ja-JP" dirty="0" smtClean="0"/>
-              <a:t>: </a:t>
-            </a:r>
-            <a:r>
-              <a:rPr lang="ja-JP" altLang="en-US" dirty="0" smtClean="0"/>
-              <a:t>イヌ科の動物</a:t>
-            </a:r>
-            <a:r>
-              <a:rPr kumimoji="1" lang="en-US" altLang="ja-JP" dirty="0" smtClean="0"/>
-              <a:t>.</a:t>
-            </a:r>
-            <a:r>
-              <a:rPr kumimoji="1" lang="ja-JP" altLang="en-US" dirty="0" smtClean="0"/>
-              <a:t>吠える</a:t>
-            </a:r>
-            <a:r>
-              <a:rPr kumimoji="1" lang="en-US" altLang="ja-JP" dirty="0" smtClean="0"/>
-              <a:t>(); </a:t>
-            </a:r>
-            <a:r>
-              <a:rPr kumimoji="1" lang="ja-JP" altLang="en-US" dirty="0" smtClean="0"/>
-              <a:t>→</a:t>
-            </a:r>
-            <a:r>
-              <a:rPr kumimoji="1" lang="en-US" altLang="ja-JP" dirty="0" smtClean="0"/>
-              <a:t> </a:t>
-            </a:r>
-            <a:r>
-              <a:rPr kumimoji="1" lang="ja-JP" altLang="en-US" dirty="0" smtClean="0"/>
-              <a:t>「ケーン」</a:t>
-            </a:r>
-            <a:endParaRPr kumimoji="1" lang="en-US" altLang="ja-JP" dirty="0" smtClean="0"/>
-          </a:p>
-        </p:txBody>
-      </p:sp>
-      <p:sp>
-        <p:nvSpPr>
-          <p:cNvPr id="4" name="スライド番号プレースホルダー 3"/>
-          <p:cNvSpPr>
-            <a:spLocks noGrp="1"/>
-          </p:cNvSpPr>
-          <p:nvPr>
-            <p:ph type="sldNum" sz="quarter" idx="12"/>
-          </p:nvPr>
-        </p:nvSpPr>
-        <p:spPr/>
-        <p:txBody>
-          <a:bodyPr/>
-          <a:lstStyle/>
-          <a:p>
-            <a:fld id="{6113E31D-E2AB-40D1-8B51-AFA5AFEF393A}" type="slidenum">
-              <a:rPr lang="en-US" smtClean="0"/>
-              <a:pPr/>
-              <a:t>96</a:t>
-            </a:fld>
-            <a:endParaRPr lang="en-US" dirty="0"/>
-          </a:p>
-        </p:txBody>
-      </p:sp>
-      <p:sp>
-        <p:nvSpPr>
-          <p:cNvPr id="5" name="テキスト ボックス 4"/>
-          <p:cNvSpPr txBox="1"/>
-          <p:nvPr/>
-        </p:nvSpPr>
-        <p:spPr>
-          <a:xfrm>
-            <a:off x="2715178" y="1255042"/>
-            <a:ext cx="4859022" cy="369332"/>
-          </a:xfrm>
-          <a:prstGeom prst="rect">
-            <a:avLst/>
-          </a:prstGeom>
-          <a:noFill/>
-        </p:spPr>
-        <p:txBody>
-          <a:bodyPr wrap="none" rtlCol="0">
-            <a:spAutoFit/>
-          </a:bodyPr>
-          <a:lstStyle/>
-          <a:p>
-            <a:r>
-              <a:rPr kumimoji="1" lang="en-US" altLang="ja-JP" dirty="0" smtClean="0"/>
-              <a:t>※polymorphism: </a:t>
-            </a:r>
-            <a:r>
-              <a:rPr kumimoji="1" lang="ja-JP" altLang="en-US" dirty="0" smtClean="0"/>
-              <a:t>同じ何かが多様な性質を持つ</a:t>
-            </a:r>
-            <a:endParaRPr kumimoji="1" lang="ja-JP" altLang="en-US" dirty="0"/>
-          </a:p>
-        </p:txBody>
-      </p:sp>
-    </p:spTree>
-    <p:extLst>
-      <p:ext uri="{BB962C8B-B14F-4D97-AF65-F5344CB8AC3E}">
-        <p14:creationId xmlns:p14="http://schemas.microsoft.com/office/powerpoint/2010/main" val="44584765"/>
-      </p:ext>
-    </p:extLst>
-  </p:cSld>
-  <p:clrMapOvr>
-    <a:masterClrMapping/>
-  </p:clrMapOvr>
-</p:sld>
-</file>
-
-<file path=ppt/slides/slide97.xml><?xml version="1.0" encoding="utf-8"?>
-<p:sld xmlns:a="http://schemas.openxmlformats.org/drawingml/2006/main" xmlns:r="http://schemas.openxmlformats.org/officeDocument/2006/relationships" xmlns:p="http://schemas.openxmlformats.org/presentationml/2006/main">
-  <p:cSld>
-    <p:spTree>
-      <p:nvGrpSpPr>
-        <p:cNvPr id="1" name=""/>
-        <p:cNvGrpSpPr/>
-        <p:nvPr/>
-      </p:nvGrpSpPr>
-      <p:grpSpPr>
-        <a:xfrm>
-          <a:off x="0" y="0"/>
-          <a:ext cx="0" cy="0"/>
-          <a:chOff x="0" y="0"/>
-          <a:chExt cx="0" cy="0"/>
-        </a:xfrm>
-      </p:grpSpPr>
-      <p:sp>
-        <p:nvSpPr>
-          <p:cNvPr id="2" name="タイトル 1"/>
-          <p:cNvSpPr>
-            <a:spLocks noGrp="1"/>
-          </p:cNvSpPr>
-          <p:nvPr>
-            <p:ph type="title"/>
-          </p:nvPr>
-        </p:nvSpPr>
-        <p:spPr/>
-        <p:txBody>
-          <a:bodyPr/>
-          <a:lstStyle/>
-          <a:p>
-            <a:r>
-              <a:rPr lang="ja-JP" altLang="en-US" dirty="0" smtClean="0"/>
-              <a:t>多態性の実例</a:t>
-            </a:r>
-            <a:endParaRPr kumimoji="1" lang="ja-JP" altLang="en-US" dirty="0"/>
-          </a:p>
-        </p:txBody>
-      </p:sp>
-      <p:sp>
-        <p:nvSpPr>
-          <p:cNvPr id="3" name="コンテンツ プレースホルダー 2"/>
-          <p:cNvSpPr>
-            <a:spLocks noGrp="1"/>
-          </p:cNvSpPr>
-          <p:nvPr>
-            <p:ph idx="1"/>
-          </p:nvPr>
-        </p:nvSpPr>
-        <p:spPr>
-          <a:xfrm>
-            <a:off x="822959" y="1845734"/>
-            <a:ext cx="7543801" cy="4402666"/>
-          </a:xfrm>
-        </p:spPr>
-        <p:txBody>
-          <a:bodyPr>
-            <a:normAutofit fontScale="85000" lnSpcReduction="20000"/>
-          </a:bodyPr>
-          <a:lstStyle/>
-          <a:p>
-            <a:pPr lvl="1"/>
-            <a:r>
-              <a:rPr kumimoji="1" lang="en-US" altLang="ja-JP" dirty="0" smtClean="0"/>
-              <a:t>Android</a:t>
-            </a:r>
-            <a:r>
-              <a:rPr kumimoji="1" lang="ja-JP" altLang="en-US" dirty="0" smtClean="0"/>
-              <a:t>アプリのプログラミング</a:t>
-            </a:r>
-            <a:endParaRPr kumimoji="1" lang="en-US" altLang="ja-JP" dirty="0" smtClean="0"/>
-          </a:p>
-          <a:p>
-            <a:pPr lvl="2"/>
-            <a:r>
-              <a:rPr kumimoji="1" lang="ja-JP" altLang="en-US" dirty="0" smtClean="0"/>
-              <a:t>ボタン、入力欄などは、共通の親クラスを持っている</a:t>
-            </a:r>
-            <a:endParaRPr kumimoji="1" lang="en-US" altLang="ja-JP" dirty="0" smtClean="0"/>
-          </a:p>
-          <a:p>
-            <a:pPr lvl="2"/>
-            <a:r>
-              <a:rPr lang="ja-JP" altLang="en-US" dirty="0" smtClean="0"/>
-              <a:t>その親クラスは画面に配置できるようになっている</a:t>
-            </a:r>
-            <a:endParaRPr lang="en-US" altLang="ja-JP" dirty="0" smtClean="0"/>
-          </a:p>
-          <a:p>
-            <a:pPr lvl="2"/>
-            <a:r>
-              <a:rPr lang="ja-JP" altLang="en-US" dirty="0" smtClean="0"/>
-              <a:t>ボタンや入力欄は配置するときに親クラスに代入される</a:t>
-            </a:r>
-            <a:endParaRPr lang="en-US" altLang="ja-JP" dirty="0" smtClean="0"/>
-          </a:p>
-          <a:p>
-            <a:pPr lvl="2"/>
-            <a:r>
-              <a:rPr lang="ja-JP" altLang="en-US" dirty="0" smtClean="0"/>
-              <a:t>その結果、どのパーツも全く同じように画面に配置できる</a:t>
-            </a:r>
-            <a:endParaRPr lang="en-US" altLang="ja-JP" dirty="0" smtClean="0"/>
-          </a:p>
-          <a:p>
-            <a:pPr lvl="1"/>
-            <a:r>
-              <a:rPr kumimoji="1" lang="en-US" altLang="ja-JP" dirty="0" smtClean="0"/>
-              <a:t>Windows</a:t>
-            </a:r>
-            <a:r>
-              <a:rPr kumimoji="1" lang="ja-JP" altLang="en-US" dirty="0" smtClean="0"/>
-              <a:t>の右クリック</a:t>
-            </a:r>
-            <a:endParaRPr kumimoji="1" lang="en-US" altLang="ja-JP" dirty="0" smtClean="0"/>
-          </a:p>
-          <a:p>
-            <a:pPr lvl="2"/>
-            <a:r>
-              <a:rPr kumimoji="1" lang="ja-JP" altLang="en-US" dirty="0" smtClean="0"/>
-              <a:t>アイコンごとに、対応したクラスがある</a:t>
-            </a:r>
-            <a:endParaRPr kumimoji="1" lang="en-US" altLang="ja-JP" dirty="0" smtClean="0"/>
-          </a:p>
-          <a:p>
-            <a:pPr lvl="2"/>
-            <a:r>
-              <a:rPr lang="ja-JP" altLang="en-US" dirty="0" smtClean="0"/>
-              <a:t>それらのクラスは共通の親クラスを持っている</a:t>
-            </a:r>
-            <a:endParaRPr kumimoji="1" lang="en-US" altLang="ja-JP" dirty="0" smtClean="0"/>
-          </a:p>
-          <a:p>
-            <a:pPr lvl="2"/>
-            <a:r>
-              <a:rPr kumimoji="1" lang="ja-JP" altLang="en-US" dirty="0" smtClean="0"/>
-              <a:t>右クリックすると、子クラスの右クリック・メソッドが起動され、アイコンごとに異なったメニューが表示される</a:t>
-            </a:r>
-            <a:endParaRPr kumimoji="1" lang="ja-JP" altLang="en-US" dirty="0"/>
-          </a:p>
-        </p:txBody>
-      </p:sp>
-      <p:sp>
-        <p:nvSpPr>
-          <p:cNvPr id="4" name="スライド番号プレースホルダー 3"/>
-          <p:cNvSpPr>
-            <a:spLocks noGrp="1"/>
-          </p:cNvSpPr>
-          <p:nvPr>
-            <p:ph type="sldNum" sz="quarter" idx="12"/>
-          </p:nvPr>
-        </p:nvSpPr>
-        <p:spPr/>
-        <p:txBody>
-          <a:bodyPr/>
-          <a:lstStyle/>
-          <a:p>
-            <a:fld id="{6113E31D-E2AB-40D1-8B51-AFA5AFEF393A}" type="slidenum">
-              <a:rPr lang="en-US" smtClean="0"/>
-              <a:pPr/>
-              <a:t>97</a:t>
-            </a:fld>
-            <a:endParaRPr lang="en-US" dirty="0"/>
-          </a:p>
-        </p:txBody>
-      </p:sp>
-    </p:spTree>
-    <p:extLst>
-      <p:ext uri="{BB962C8B-B14F-4D97-AF65-F5344CB8AC3E}">
-        <p14:creationId xmlns:p14="http://schemas.microsoft.com/office/powerpoint/2010/main" val="236918164"/>
-      </p:ext>
-    </p:extLst>
-  </p:cSld>
-  <p:clrMapOvr>
-    <a:masterClrMapping/>
-  </p:clrMapOvr>
-</p:sld>
-</file>
-
-<file path=ppt/slides/slide98.xml><?xml version="1.0" encoding="utf-8"?>
-<p:sld xmlns:a="http://schemas.openxmlformats.org/drawingml/2006/main" xmlns:r="http://schemas.openxmlformats.org/officeDocument/2006/relationships" xmlns:p="http://schemas.openxmlformats.org/presentationml/2006/main">
-  <p:cSld>
-    <p:spTree>
-      <p:nvGrpSpPr>
-        <p:cNvPr id="1" name=""/>
-        <p:cNvGrpSpPr/>
-        <p:nvPr/>
-      </p:nvGrpSpPr>
-      <p:grpSpPr>
-        <a:xfrm>
-          <a:off x="0" y="0"/>
-          <a:ext cx="0" cy="0"/>
-          <a:chOff x="0" y="0"/>
-          <a:chExt cx="0" cy="0"/>
-        </a:xfrm>
-      </p:grpSpPr>
-      <p:sp>
-        <p:nvSpPr>
-          <p:cNvPr id="2" name="タイトル 1"/>
-          <p:cNvSpPr>
-            <a:spLocks noGrp="1"/>
-          </p:cNvSpPr>
-          <p:nvPr>
-            <p:ph type="title"/>
-          </p:nvPr>
-        </p:nvSpPr>
-        <p:spPr/>
-        <p:txBody>
-          <a:bodyPr/>
-          <a:lstStyle/>
-          <a:p>
-            <a:r>
-              <a:rPr kumimoji="1" lang="en-US" altLang="ja-JP" dirty="0" smtClean="0"/>
-              <a:t>16. </a:t>
-            </a:r>
-            <a:r>
-              <a:rPr kumimoji="1" lang="ja-JP" altLang="en-US" dirty="0" smtClean="0"/>
-              <a:t>配列</a:t>
-            </a:r>
-            <a:endParaRPr kumimoji="1" lang="ja-JP" altLang="en-US" dirty="0"/>
-          </a:p>
-        </p:txBody>
-      </p:sp>
-      <p:sp>
-        <p:nvSpPr>
-          <p:cNvPr id="3" name="テキスト プレースホルダー 2"/>
-          <p:cNvSpPr>
-            <a:spLocks noGrp="1"/>
-          </p:cNvSpPr>
-          <p:nvPr>
-            <p:ph type="body" idx="1"/>
-          </p:nvPr>
-        </p:nvSpPr>
-        <p:spPr/>
-        <p:txBody>
-          <a:bodyPr/>
-          <a:lstStyle/>
-          <a:p>
-            <a:r>
-              <a:rPr lang="ja-JP" altLang="en-US" dirty="0" smtClean="0"/>
-              <a:t>たくさんの</a:t>
-            </a:r>
-            <a:r>
-              <a:rPr kumimoji="1" lang="ja-JP" altLang="en-US" dirty="0" smtClean="0"/>
-              <a:t>データ</a:t>
-            </a:r>
-            <a:endParaRPr kumimoji="1" lang="ja-JP" altLang="en-US" dirty="0"/>
-          </a:p>
-        </p:txBody>
-      </p:sp>
-      <p:sp>
-        <p:nvSpPr>
-          <p:cNvPr id="4" name="スライド番号プレースホルダー 3"/>
-          <p:cNvSpPr>
-            <a:spLocks noGrp="1"/>
-          </p:cNvSpPr>
-          <p:nvPr>
-            <p:ph type="sldNum" sz="quarter" idx="12"/>
-          </p:nvPr>
-        </p:nvSpPr>
-        <p:spPr/>
-        <p:txBody>
-          <a:bodyPr/>
-          <a:lstStyle/>
-          <a:p>
-            <a:fld id="{4FAB73BC-B049-4115-A692-8D63A059BFB8}" type="slidenum">
-              <a:rPr lang="en-US" smtClean="0"/>
-              <a:t>98</a:t>
-            </a:fld>
-            <a:endParaRPr lang="en-US" dirty="0"/>
-          </a:p>
-        </p:txBody>
-      </p:sp>
-    </p:spTree>
-    <p:extLst>
-      <p:ext uri="{BB962C8B-B14F-4D97-AF65-F5344CB8AC3E}">
-        <p14:creationId xmlns:p14="http://schemas.microsoft.com/office/powerpoint/2010/main" val="348294036"/>
-      </p:ext>
-    </p:extLst>
-  </p:cSld>
-  <p:clrMapOvr>
-    <a:masterClrMapping/>
-  </p:clrMapOvr>
-  <p:timing>
-    <p:tnLst>
-      <p:par>
-        <p:cTn id="1" dur="indefinite" restart="never" nodeType="tmRoot"/>
-      </p:par>
-    </p:tnLst>
-  </p:timing>
-</p:sld>
-</file>
-
 <file path=ppt/slides/slide99.xml><?xml version="1.0" encoding="utf-8"?>
 <p:sld xmlns:a="http://schemas.openxmlformats.org/drawingml/2006/main" xmlns:r="http://schemas.openxmlformats.org/officeDocument/2006/relationships" xmlns:p="http://schemas.openxmlformats.org/presentationml/2006/main">
   <p:cSld>
@@ -37966,11 +39803,11 @@
           <a:p>
             <a:r>
               <a:rPr kumimoji="1" lang="en-US" altLang="ja-JP" dirty="0" smtClean="0"/>
-              <a:t>16.1 </a:t>
+              <a:t>super</a:t>
             </a:r>
             <a:r>
               <a:rPr kumimoji="1" lang="ja-JP" altLang="en-US" dirty="0" smtClean="0"/>
-              <a:t>配列のプログラミング</a:t>
+              <a:t>キーワード</a:t>
             </a:r>
             <a:endParaRPr kumimoji="1" lang="ja-JP" altLang="en-US" dirty="0"/>
           </a:p>
@@ -37986,178 +39823,90 @@
             <p:ph idx="1"/>
           </p:nvPr>
         </p:nvSpPr>
-        <p:spPr>
-          <a:xfrm>
-            <a:off x="822959" y="1845734"/>
-            <a:ext cx="7543801" cy="4364566"/>
-          </a:xfrm>
-        </p:spPr>
+        <p:spPr/>
         <p:txBody>
           <a:bodyPr>
-            <a:normAutofit fontScale="70000" lnSpcReduction="20000"/>
+            <a:normAutofit fontScale="85000" lnSpcReduction="20000"/>
           </a:bodyPr>
           <a:lstStyle/>
           <a:p>
             <a:r>
+              <a:rPr lang="en-US" altLang="ja-JP" dirty="0" smtClean="0"/>
+              <a:t>super</a:t>
+            </a:r>
+            <a:r>
               <a:rPr lang="ja-JP" altLang="en-US" dirty="0" smtClean="0"/>
-              <a:t>配列を利用する</a:t>
-            </a:r>
-            <a:r>
-              <a:rPr lang="ja-JP" altLang="en-US" smtClean="0"/>
-              <a:t>と、たくさんの同じ型のデータを扱える</a:t>
+              <a:t>で、子</a:t>
+            </a:r>
+            <a:r>
+              <a:rPr kumimoji="1" lang="ja-JP" altLang="en-US" dirty="0" smtClean="0"/>
+              <a:t>クラスから親クラスを使うことが</a:t>
+            </a:r>
+            <a:r>
+              <a:rPr kumimoji="1" lang="en-US" altLang="ja-JP" dirty="0" smtClean="0"/>
+              <a:t/>
+            </a:r>
+            <a:br>
+              <a:rPr kumimoji="1" lang="en-US" altLang="ja-JP" dirty="0" smtClean="0"/>
+            </a:br>
+            <a:r>
+              <a:rPr kumimoji="1" lang="ja-JP" altLang="en-US" dirty="0" smtClean="0"/>
+              <a:t>できる</a:t>
+            </a:r>
+            <a:endParaRPr kumimoji="1" lang="en-US" altLang="ja-JP" dirty="0" smtClean="0"/>
+          </a:p>
+          <a:p>
+            <a:r>
+              <a:rPr lang="ja-JP" altLang="en-US" dirty="0" smtClean="0"/>
+              <a:t>親クラスのコンストラクタを使う</a:t>
             </a:r>
             <a:endParaRPr lang="en-US" altLang="ja-JP" dirty="0" smtClean="0"/>
           </a:p>
           <a:p>
+            <a:pPr lvl="1"/>
+            <a:r>
+              <a:rPr lang="en-US" altLang="ja-JP" dirty="0" smtClean="0"/>
+              <a:t>super(</a:t>
+            </a:r>
             <a:r>
               <a:rPr lang="ja-JP" altLang="en-US" dirty="0" smtClean="0"/>
-              <a:t>配列</a:t>
-            </a:r>
-            <a:r>
-              <a:rPr lang="ja-JP" altLang="en-US" dirty="0"/>
-              <a:t>を表す変数を用意</a:t>
-            </a:r>
-            <a:endParaRPr lang="en-US" altLang="ja-JP" dirty="0"/>
+              <a:t>引数</a:t>
+            </a:r>
+            <a:r>
+              <a:rPr lang="en-US" altLang="ja-JP" dirty="0" smtClean="0"/>
+              <a:t>);</a:t>
+            </a:r>
+          </a:p>
+          <a:p>
+            <a:r>
+              <a:rPr lang="ja-JP" altLang="en-US" dirty="0" smtClean="0"/>
+              <a:t>親クラスのメソッドを使う</a:t>
+            </a:r>
+            <a:endParaRPr lang="en-US" altLang="ja-JP" dirty="0" smtClean="0"/>
           </a:p>
           <a:p>
             <a:pPr lvl="1"/>
             <a:r>
+              <a:rPr lang="en-US" altLang="ja-JP" dirty="0" smtClean="0"/>
+              <a:t>super.</a:t>
+            </a:r>
+            <a:r>
               <a:rPr lang="ja-JP" altLang="en-US" dirty="0" smtClean="0"/>
-              <a:t>型</a:t>
+              <a:t>メソッド</a:t>
             </a:r>
             <a:r>
               <a:rPr lang="en-US" altLang="ja-JP" dirty="0" smtClean="0"/>
-              <a:t>[] </a:t>
+              <a:t>(</a:t>
             </a:r>
             <a:r>
               <a:rPr lang="ja-JP" altLang="en-US" dirty="0" smtClean="0"/>
-              <a:t>変数名</a:t>
+              <a:t>引数</a:t>
             </a:r>
             <a:r>
               <a:rPr lang="en-US" altLang="ja-JP" dirty="0" smtClean="0"/>
-              <a:t>;</a:t>
-            </a:r>
-          </a:p>
-          <a:p>
-            <a:r>
-              <a:rPr lang="ja-JP" altLang="en-US" dirty="0" smtClean="0"/>
-              <a:t>配列</a:t>
-            </a:r>
-            <a:r>
-              <a:rPr lang="ja-JP" altLang="en-US" dirty="0"/>
-              <a:t>を生成して変数に</a:t>
-            </a:r>
-            <a:r>
-              <a:rPr lang="ja-JP" altLang="en-US" dirty="0" smtClean="0"/>
-              <a:t>代入</a:t>
-            </a:r>
-            <a:endParaRPr lang="en-US" altLang="ja-JP" dirty="0" smtClean="0"/>
-          </a:p>
-          <a:p>
-            <a:pPr lvl="1"/>
-            <a:r>
-              <a:rPr lang="ja-JP" altLang="en-US" dirty="0" smtClean="0"/>
-              <a:t>変数名</a:t>
-            </a:r>
-            <a:r>
-              <a:rPr lang="en-US" altLang="ja-JP" dirty="0" smtClean="0"/>
-              <a:t> = new </a:t>
-            </a:r>
-            <a:r>
-              <a:rPr lang="ja-JP" altLang="en-US" dirty="0" smtClean="0"/>
-              <a:t>型</a:t>
-            </a:r>
-            <a:r>
-              <a:rPr lang="en-US" altLang="ja-JP" dirty="0" smtClean="0"/>
-              <a:t>[</a:t>
-            </a:r>
-            <a:r>
-              <a:rPr lang="ja-JP" altLang="en-US" dirty="0" smtClean="0"/>
-              <a:t>要素の個数</a:t>
-            </a:r>
-            <a:r>
-              <a:rPr lang="en-US" altLang="ja-JP" dirty="0" smtClean="0"/>
-              <a:t>];</a:t>
-            </a:r>
-          </a:p>
-          <a:p>
-            <a:pPr lvl="2"/>
-            <a:r>
-              <a:rPr lang="ja-JP" altLang="en-US" dirty="0" smtClean="0"/>
-              <a:t>変数名</a:t>
-            </a:r>
-            <a:r>
-              <a:rPr lang="en-US" altLang="ja-JP" dirty="0" smtClean="0"/>
-              <a:t>[0]</a:t>
-            </a:r>
-            <a:r>
-              <a:rPr lang="ja-JP" altLang="en-US" dirty="0" smtClean="0"/>
-              <a:t>から変数名</a:t>
-            </a:r>
-            <a:r>
-              <a:rPr lang="en-US" altLang="ja-JP" dirty="0" smtClean="0"/>
-              <a:t>[</a:t>
-            </a:r>
-            <a:r>
-              <a:rPr lang="ja-JP" altLang="en-US" dirty="0" smtClean="0"/>
-              <a:t>要素の個数</a:t>
-            </a:r>
-            <a:r>
-              <a:rPr lang="en-US" altLang="ja-JP" dirty="0" smtClean="0"/>
-              <a:t> - 1]</a:t>
-            </a:r>
-            <a:r>
-              <a:rPr lang="ja-JP" altLang="en-US" dirty="0" smtClean="0"/>
-              <a:t>までが使用できるようになる</a:t>
-            </a:r>
-            <a:endParaRPr lang="en-US" altLang="ja-JP" dirty="0" smtClean="0"/>
-          </a:p>
-          <a:p>
-            <a:r>
-              <a:rPr lang="ja-JP" altLang="en-US" dirty="0" smtClean="0"/>
-              <a:t>配列の要素を</a:t>
-            </a:r>
-            <a:r>
-              <a:rPr lang="en-US" altLang="ja-JP" dirty="0" smtClean="0"/>
-              <a:t>1</a:t>
-            </a:r>
-            <a:r>
-              <a:rPr lang="ja-JP" altLang="en-US" dirty="0" smtClean="0"/>
-              <a:t>つずつ代入</a:t>
-            </a:r>
-            <a:endParaRPr lang="en-US" altLang="ja-JP" dirty="0" smtClean="0"/>
-          </a:p>
-          <a:p>
-            <a:pPr lvl="1"/>
-            <a:r>
-              <a:rPr lang="ja-JP" altLang="en-US" dirty="0" smtClean="0"/>
-              <a:t>変数名</a:t>
-            </a:r>
-            <a:r>
-              <a:rPr lang="en-US" altLang="ja-JP" dirty="0" smtClean="0"/>
-              <a:t>[</a:t>
-            </a:r>
-            <a:r>
-              <a:rPr lang="ja-JP" altLang="en-US" dirty="0" smtClean="0"/>
-              <a:t>添字</a:t>
-            </a:r>
-            <a:r>
-              <a:rPr lang="en-US" altLang="ja-JP" dirty="0" smtClean="0"/>
-              <a:t>] = </a:t>
-            </a:r>
-            <a:r>
-              <a:rPr lang="ja-JP" altLang="en-US" dirty="0" smtClean="0"/>
-              <a:t>値</a:t>
-            </a:r>
-            <a:r>
-              <a:rPr lang="en-US" altLang="ja-JP" dirty="0" smtClean="0"/>
-              <a:t>; // </a:t>
-            </a:r>
-            <a:r>
-              <a:rPr lang="ja-JP" altLang="en-US" dirty="0" smtClean="0"/>
-              <a:t>これをくりかえす</a:t>
-            </a:r>
-            <a:endParaRPr lang="en-US" altLang="ja-JP" dirty="0"/>
+              <a:t>);</a:t>
+            </a:r>
+            <a:endParaRPr kumimoji="1" lang="ja-JP" altLang="en-US" dirty="0"/>
           </a:p>
         </p:txBody>
       </p:sp>
@@ -38185,23 +39934,50 @@
           </a:p>
         </p:txBody>
       </p:sp>
+      <p:sp>
+        <p:nvSpPr>
+          <p:cNvPr id="5" name="テキスト ボックス 4"/>
+          <p:cNvSpPr txBox="1"/>
+          <p:nvPr/>
+        </p:nvSpPr>
+        <p:spPr>
+          <a:xfrm>
+            <a:off x="2859671" y="4254500"/>
+            <a:ext cx="4565673" cy="369332"/>
+          </a:xfrm>
+          <a:prstGeom prst="rect">
+            <a:avLst/>
+          </a:prstGeom>
+          <a:noFill/>
+        </p:spPr>
+        <p:txBody>
+          <a:bodyPr wrap="none" rtlCol="0">
+            <a:spAutoFit/>
+          </a:bodyPr>
+          <a:lstStyle/>
+          <a:p>
+            <a:r>
+              <a:rPr kumimoji="1" lang="en-US" altLang="ja-JP" dirty="0" smtClean="0"/>
+              <a:t>※</a:t>
+            </a:r>
+            <a:r>
+              <a:rPr kumimoji="1" lang="ja-JP" altLang="en-US" dirty="0" smtClean="0"/>
+              <a:t>必ずコンストラクタの最初で使う必要がある</a:t>
+            </a:r>
+            <a:endParaRPr kumimoji="1" lang="ja-JP" altLang="en-US" dirty="0"/>
+          </a:p>
+        </p:txBody>
+      </p:sp>
     </p:spTree>
     <p:extLst>
       <p:ext uri="{BB962C8B-B14F-4D97-AF65-F5344CB8AC3E}">
-        <p14:creationId xmlns:p14="http://schemas.microsoft.com/office/powerpoint/2010/main" val="1583976377"/>
+        <p14:creationId xmlns:p14="http://schemas.microsoft.com/office/powerpoint/2010/main" val="1688734255"/>
       </p:ext>
     </p:extLst>
   </p:cSld>
   <p:clrMapOvr>
     <a:masterClrMapping/>
   </p:clrMapOvr>
-  <p:timing>
-    <p:tnLst>
-      <p:par>
-        <p:cTn id="1" dur="indefinite" restart="never" nodeType="tmRoot"/>
-      </p:par>
-    </p:tnLst>
-  </p:timing>
 </p:sld>
 </file>
 

--- a/slide_programming_processing.pptx
+++ b/slide_programming_processing.pptx
@@ -302,7 +302,7 @@
           <a:p>
             <a:fld id="{71984368-59CE-BF4B-96DC-49B83ECDD899}" type="datetimeFigureOut">
               <a:rPr kumimoji="1" lang="ja-JP" altLang="en-US" smtClean="0"/>
-              <a:t>2017/8/28</a:t>
+              <a:t>2017/8/29</a:t>
             </a:fld>
             <a:endParaRPr kumimoji="1" lang="ja-JP" altLang="en-US"/>
           </a:p>
@@ -1257,7 +1257,7 @@
           <a:p>
             <a:fld id="{A4339ECF-4268-CF43-973E-E0BDC6673544}" type="datetime1">
               <a:rPr lang="ja-JP" altLang="en-US" smtClean="0"/>
-              <a:t>2017/8/28</a:t>
+              <a:t>2017/8/29</a:t>
             </a:fld>
             <a:endParaRPr lang="en-US" dirty="0"/>
           </a:p>
@@ -1502,7 +1502,7 @@
           <a:p>
             <a:fld id="{DBE2F89D-5648-9040-9C9A-E3B66208AF07}" type="datetime1">
               <a:rPr lang="ja-JP" altLang="en-US" smtClean="0"/>
-              <a:t>2017/8/28</a:t>
+              <a:t>2017/8/29</a:t>
             </a:fld>
             <a:endParaRPr lang="en-US" dirty="0"/>
           </a:p>
@@ -1790,7 +1790,7 @@
           <a:p>
             <a:fld id="{1B8FC488-FE64-554F-AE5C-0DAF04315A50}" type="datetime1">
               <a:rPr lang="ja-JP" altLang="en-US" smtClean="0"/>
-              <a:t>2017/8/28</a:t>
+              <a:t>2017/8/29</a:t>
             </a:fld>
             <a:endParaRPr lang="en-US" dirty="0"/>
           </a:p>
@@ -2031,7 +2031,7 @@
           <a:p>
             <a:fld id="{4307745D-31D3-AB4D-8AE1-F450CF30FFEC}" type="datetime1">
               <a:rPr lang="ja-JP" altLang="en-US" smtClean="0"/>
-              <a:t>2017/8/28</a:t>
+              <a:t>2017/8/29</a:t>
             </a:fld>
             <a:endParaRPr lang="en-US" dirty="0"/>
           </a:p>
@@ -2389,7 +2389,7 @@
           <a:p>
             <a:fld id="{4E1C71AF-FCB5-E047-81EE-CCADF9049F68}" type="datetime1">
               <a:rPr lang="ja-JP" altLang="en-US" smtClean="0"/>
-              <a:t>2017/8/28</a:t>
+              <a:t>2017/8/29</a:t>
             </a:fld>
             <a:endParaRPr lang="en-US" dirty="0"/>
           </a:p>
@@ -2751,7 +2751,7 @@
           <a:p>
             <a:fld id="{F744B96D-8FD7-1C45-A616-068160AC20F9}" type="datetime1">
               <a:rPr lang="ja-JP" altLang="en-US" smtClean="0"/>
-              <a:t>2017/8/28</a:t>
+              <a:t>2017/8/29</a:t>
             </a:fld>
             <a:endParaRPr lang="en-US" dirty="0"/>
           </a:p>
@@ -3219,7 +3219,7 @@
           <a:p>
             <a:fld id="{48698094-E788-7E4D-9D8D-95CCE9BA87B0}" type="datetime1">
               <a:rPr lang="ja-JP" altLang="en-US" smtClean="0"/>
-              <a:t>2017/8/28</a:t>
+              <a:t>2017/8/29</a:t>
             </a:fld>
             <a:endParaRPr lang="en-US" dirty="0"/>
           </a:p>
@@ -3342,7 +3342,7 @@
           <a:p>
             <a:fld id="{CCD86B9D-072D-E447-86A7-329282897A3E}" type="datetime1">
               <a:rPr lang="ja-JP" altLang="en-US" smtClean="0"/>
-              <a:t>2017/8/28</a:t>
+              <a:t>2017/8/29</a:t>
             </a:fld>
             <a:endParaRPr lang="en-US" dirty="0"/>
           </a:p>
@@ -3518,7 +3518,7 @@
           <a:p>
             <a:fld id="{39EEAD98-9C65-3745-B7A0-834F18E59615}" type="datetime1">
               <a:rPr lang="ja-JP" altLang="en-US" smtClean="0"/>
-              <a:t>2017/8/28</a:t>
+              <a:t>2017/8/29</a:t>
             </a:fld>
             <a:endParaRPr lang="en-US" dirty="0"/>
           </a:p>
@@ -3905,7 +3905,7 @@
           <a:p>
             <a:fld id="{B750A2BE-7E35-344B-9C31-178C60B1730B}" type="datetime1">
               <a:rPr lang="ja-JP" altLang="en-US" smtClean="0"/>
-              <a:t>2017/8/28</a:t>
+              <a:t>2017/8/29</a:t>
             </a:fld>
             <a:endParaRPr lang="en-US" dirty="0"/>
           </a:p>
@@ -4288,7 +4288,7 @@
           <a:p>
             <a:fld id="{533B88BB-C6B3-BC45-993D-59E8C06AE742}" type="datetime1">
               <a:rPr lang="ja-JP" altLang="en-US" smtClean="0"/>
-              <a:t>2017/8/28</a:t>
+              <a:t>2017/8/29</a:t>
             </a:fld>
             <a:endParaRPr lang="en-US" dirty="0"/>
           </a:p>
@@ -4609,7 +4609,7 @@
             <a:fld id="{64F144C7-65D9-1246-BCEF-DA52814F34F2}" type="datetime1">
               <a:rPr lang="ja-JP" altLang="en-US" smtClean="0"/>
               <a:pPr/>
-              <a:t>2017/8/28</a:t>
+              <a:t>2017/8/29</a:t>
             </a:fld>
             <a:endParaRPr lang="en-US" dirty="0"/>
           </a:p>
@@ -5886,37 +5886,17 @@
             </a:r>
             <a:r>
               <a:rPr kumimoji="1" lang="en-US" altLang="ja-JP" dirty="0" smtClean="0"/>
-              <a:t>: </a:t>
-            </a:r>
-            <a:r>
-              <a:rPr kumimoji="1" lang="ja-JP" altLang="en-US" dirty="0" smtClean="0"/>
-              <a:t>イヌ科</a:t>
-            </a:r>
-            <a:r>
-              <a:rPr kumimoji="1" lang="en-US" altLang="ja-JP" dirty="0" smtClean="0"/>
-              <a:t> </a:t>
-            </a:r>
+              <a:t>:</a:t>
+            </a:r>
+          </a:p>
+          <a:p>
             <a:r>
               <a:rPr lang="ja-JP" altLang="en-US" dirty="0" smtClean="0"/>
-              <a:t>イヌ科の動物</a:t>
-            </a:r>
-            <a:r>
-              <a:rPr kumimoji="1" lang="en-US" altLang="ja-JP" dirty="0" smtClean="0"/>
-              <a:t> = new </a:t>
+              <a:t>その</a:t>
             </a:r>
             <a:r>
               <a:rPr lang="ja-JP" altLang="en-US" dirty="0" smtClean="0"/>
-              <a:t>狐</a:t>
-            </a:r>
-            <a:r>
-              <a:rPr kumimoji="1" lang="en-US" altLang="ja-JP" dirty="0" smtClean="0"/>
-              <a:t>();</a:t>
-            </a:r>
-          </a:p>
-          <a:p>
-            <a:r>
-              <a:rPr lang="ja-JP" altLang="en-US" dirty="0" smtClean="0"/>
-              <a:t>そのときに、メソッドを起動すると、</a:t>
+              <a:t>ときに、メソッドを起動すると、</a:t>
             </a:r>
             <a:r>
               <a:rPr lang="en-US" altLang="ja-JP" dirty="0" smtClean="0"/>
@@ -5938,36 +5918,8 @@
               <a:t>例</a:t>
             </a:r>
             <a:r>
-              <a:rPr kumimoji="1" lang="en-US" altLang="ja-JP" dirty="0" smtClean="0"/>
-              <a:t>: </a:t>
-            </a:r>
-            <a:r>
-              <a:rPr lang="ja-JP" altLang="en-US" dirty="0" smtClean="0"/>
-              <a:t>イヌ科の動物</a:t>
-            </a:r>
-            <a:r>
-              <a:rPr kumimoji="1" lang="en-US" altLang="ja-JP" dirty="0" smtClean="0"/>
-              <a:t>.</a:t>
-            </a:r>
-            <a:r>
-              <a:rPr kumimoji="1" lang="ja-JP" altLang="en-US" dirty="0" smtClean="0"/>
-              <a:t>吠える</a:t>
-            </a:r>
-            <a:r>
-              <a:rPr kumimoji="1" lang="en-US" altLang="ja-JP" dirty="0" smtClean="0"/>
-              <a:t>(); </a:t>
-            </a:r>
-            <a:r>
-              <a:rPr kumimoji="1" lang="ja-JP" altLang="en-US" dirty="0" smtClean="0"/>
-              <a:t>→</a:t>
-            </a:r>
-            <a:r>
-              <a:rPr kumimoji="1" lang="en-US" altLang="ja-JP" dirty="0" smtClean="0"/>
-              <a:t> </a:t>
-            </a:r>
-            <a:r>
-              <a:rPr kumimoji="1" lang="ja-JP" altLang="en-US" dirty="0" smtClean="0"/>
-              <a:t>「ケーン」</a:t>
+              <a:rPr lang="en-US" altLang="ja-JP" dirty="0" smtClean="0"/>
+              <a:t>:</a:t>
             </a:r>
             <a:endParaRPr kumimoji="1" lang="en-US" altLang="ja-JP" dirty="0" smtClean="0"/>
           </a:p>
@@ -6028,6 +5980,128 @@
               <a:t>同じ何かが多様な性質を持つ</a:t>
             </a:r>
             <a:endParaRPr kumimoji="1" lang="ja-JP" altLang="en-US" dirty="0"/>
+          </a:p>
+        </p:txBody>
+      </p:sp>
+      <p:sp>
+        <p:nvSpPr>
+          <p:cNvPr id="6" name="テキスト ボックス 5"/>
+          <p:cNvSpPr txBox="1"/>
+          <p:nvPr/>
+        </p:nvSpPr>
+        <p:spPr>
+          <a:xfrm>
+            <a:off x="1699178" y="3452781"/>
+            <a:ext cx="3712876" cy="400110"/>
+          </a:xfrm>
+          <a:prstGeom prst="rect">
+            <a:avLst/>
+          </a:prstGeom>
+          <a:noFill/>
+          <a:ln>
+            <a:solidFill>
+              <a:schemeClr val="tx1"/>
+            </a:solidFill>
+          </a:ln>
+        </p:spPr>
+        <p:txBody>
+          <a:bodyPr wrap="none" rtlCol="0">
+            <a:spAutoFit/>
+          </a:bodyPr>
+          <a:lstStyle/>
+          <a:p>
+            <a:r>
+              <a:rPr kumimoji="1" lang="ja-JP" altLang="en-US" sz="2000" dirty="0"/>
+              <a:t>イヌ科</a:t>
+            </a:r>
+            <a:r>
+              <a:rPr kumimoji="1" lang="en-US" altLang="ja-JP" sz="2000" dirty="0"/>
+              <a:t> </a:t>
+            </a:r>
+            <a:r>
+              <a:rPr lang="ja-JP" altLang="en-US" sz="2000" dirty="0"/>
+              <a:t>イヌ科の動物</a:t>
+            </a:r>
+            <a:r>
+              <a:rPr kumimoji="1" lang="en-US" altLang="ja-JP" sz="2000" dirty="0"/>
+              <a:t> = new </a:t>
+            </a:r>
+            <a:r>
+              <a:rPr lang="ja-JP" altLang="en-US" sz="2000" dirty="0"/>
+              <a:t>狐</a:t>
+            </a:r>
+            <a:r>
+              <a:rPr kumimoji="1" lang="en-US" altLang="ja-JP" sz="2000" dirty="0"/>
+              <a:t>();</a:t>
+            </a:r>
+            <a:endParaRPr kumimoji="1" lang="en-US" altLang="ja-JP" sz="2000" dirty="0" smtClean="0">
+              <a:latin typeface="MS Gothic" charset="-128"/>
+              <a:ea typeface="MS Gothic" charset="-128"/>
+              <a:cs typeface="MS Gothic" charset="-128"/>
+            </a:endParaRPr>
+          </a:p>
+        </p:txBody>
+      </p:sp>
+      <p:sp>
+        <p:nvSpPr>
+          <p:cNvPr id="7" name="テキスト ボックス 6"/>
+          <p:cNvSpPr txBox="1"/>
+          <p:nvPr/>
+        </p:nvSpPr>
+        <p:spPr>
+          <a:xfrm>
+            <a:off x="1699178" y="5661596"/>
+            <a:ext cx="6966972" cy="400110"/>
+          </a:xfrm>
+          <a:prstGeom prst="rect">
+            <a:avLst/>
+          </a:prstGeom>
+          <a:noFill/>
+          <a:ln>
+            <a:solidFill>
+              <a:schemeClr val="tx1"/>
+            </a:solidFill>
+          </a:ln>
+        </p:spPr>
+        <p:txBody>
+          <a:bodyPr wrap="none" rtlCol="0">
+            <a:spAutoFit/>
+          </a:bodyPr>
+          <a:lstStyle/>
+          <a:p>
+            <a:r>
+              <a:rPr lang="ja-JP" altLang="en-US" sz="2000" dirty="0" smtClean="0"/>
+              <a:t>イヌ科の動物</a:t>
+            </a:r>
+            <a:r>
+              <a:rPr kumimoji="1" lang="en-US" altLang="ja-JP" sz="2000" dirty="0" smtClean="0"/>
+              <a:t>.</a:t>
+            </a:r>
+            <a:r>
+              <a:rPr kumimoji="1" lang="ja-JP" altLang="en-US" sz="2000" dirty="0" smtClean="0"/>
+              <a:t>吠える</a:t>
+            </a:r>
+            <a:r>
+              <a:rPr kumimoji="1" lang="en-US" altLang="ja-JP" sz="2000" dirty="0" smtClean="0"/>
+              <a:t>(); // </a:t>
+            </a:r>
+            <a:r>
+              <a:rPr kumimoji="1" lang="ja-JP" altLang="en-US" sz="2000" dirty="0" smtClean="0"/>
+              <a:t>狐の吠える</a:t>
+            </a:r>
+            <a:r>
+              <a:rPr kumimoji="1" lang="en-US" altLang="ja-JP" sz="2000" dirty="0" smtClean="0"/>
+              <a:t>()</a:t>
+            </a:r>
+            <a:r>
+              <a:rPr kumimoji="1" lang="ja-JP" altLang="en-US" sz="2000" dirty="0" smtClean="0"/>
+              <a:t>が起動し「ケーン」と表示</a:t>
+            </a:r>
+            <a:endParaRPr kumimoji="1" lang="en-US" altLang="ja-JP" sz="2000" dirty="0" smtClean="0">
+              <a:latin typeface="MS Gothic" charset="-128"/>
+              <a:ea typeface="MS Gothic" charset="-128"/>
+              <a:cs typeface="MS Gothic" charset="-128"/>
+            </a:endParaRPr>
           </a:p>
         </p:txBody>
       </p:sp>
@@ -6394,8 +6468,8 @@
         </p:nvSpPr>
         <p:spPr>
           <a:xfrm>
-            <a:off x="822959" y="1845734"/>
-            <a:ext cx="7543801" cy="4364566"/>
+            <a:off x="822959" y="1845733"/>
+            <a:ext cx="7543801" cy="3996267"/>
           </a:xfrm>
         </p:spPr>
         <p:txBody>
@@ -6406,11 +6480,7 @@
           <a:p>
             <a:r>
               <a:rPr lang="ja-JP" altLang="en-US" dirty="0" smtClean="0"/>
-              <a:t>配列を利用する</a:t>
-            </a:r>
-            <a:r>
-              <a:rPr lang="ja-JP" altLang="en-US" smtClean="0"/>
-              <a:t>と、たくさんの同じ型のデータを扱える</a:t>
+              <a:t>配列を利用すると、たくさんの同じ型のデータを扱える</a:t>
             </a:r>
             <a:endParaRPr lang="en-US" altLang="ja-JP" dirty="0" smtClean="0"/>
           </a:p>
@@ -6421,57 +6491,50 @@
             </a:r>
             <a:r>
               <a:rPr lang="ja-JP" altLang="en-US" dirty="0"/>
-              <a:t>を表す変数を用意</a:t>
-            </a:r>
+              <a:t>を表す変数を</a:t>
+            </a:r>
+            <a:r>
+              <a:rPr lang="ja-JP" altLang="en-US" dirty="0" smtClean="0"/>
+              <a:t>用意</a:t>
+            </a:r>
+            <a:endParaRPr lang="en-US" altLang="ja-JP" dirty="0" smtClean="0"/>
+          </a:p>
+          <a:p>
+            <a:pPr lvl="1"/>
             <a:endParaRPr lang="en-US" altLang="ja-JP" dirty="0"/>
           </a:p>
           <a:p>
+            <a:r>
+              <a:rPr lang="ja-JP" altLang="en-US" dirty="0" smtClean="0"/>
+              <a:t>配列</a:t>
+            </a:r>
+            <a:r>
+              <a:rPr lang="ja-JP" altLang="en-US" dirty="0"/>
+              <a:t>を生成して変数に</a:t>
+            </a:r>
+            <a:r>
+              <a:rPr lang="ja-JP" altLang="en-US" dirty="0" smtClean="0"/>
+              <a:t>代入</a:t>
+            </a:r>
+            <a:endParaRPr lang="en-US" altLang="ja-JP" dirty="0" smtClean="0"/>
+          </a:p>
+          <a:p>
             <a:pPr lvl="1"/>
-            <a:r>
-              <a:rPr lang="ja-JP" altLang="en-US" dirty="0" smtClean="0"/>
-              <a:t>型</a:t>
-            </a:r>
-            <a:r>
-              <a:rPr lang="en-US" altLang="ja-JP" dirty="0" smtClean="0"/>
-              <a:t>[] </a:t>
-            </a:r>
+            <a:endParaRPr lang="en-US" altLang="ja-JP" dirty="0" smtClean="0"/>
+          </a:p>
+          <a:p>
+            <a:pPr lvl="2"/>
             <a:r>
               <a:rPr lang="ja-JP" altLang="en-US" dirty="0" smtClean="0"/>
               <a:t>変数名</a:t>
             </a:r>
             <a:r>
               <a:rPr lang="en-US" altLang="ja-JP" dirty="0" smtClean="0"/>
-              <a:t>;</a:t>
-            </a:r>
-          </a:p>
-          <a:p>
+              <a:t>[0]</a:t>
+            </a:r>
             <a:r>
               <a:rPr lang="ja-JP" altLang="en-US" dirty="0" smtClean="0"/>
-              <a:t>配列</a:t>
-            </a:r>
-            <a:r>
-              <a:rPr lang="ja-JP" altLang="en-US" dirty="0"/>
-              <a:t>を生成して変数に</a:t>
-            </a:r>
-            <a:r>
-              <a:rPr lang="ja-JP" altLang="en-US" dirty="0" smtClean="0"/>
-              <a:t>代入</a:t>
-            </a:r>
-            <a:endParaRPr lang="en-US" altLang="ja-JP" dirty="0" smtClean="0"/>
-          </a:p>
-          <a:p>
-            <a:pPr lvl="1"/>
-            <a:r>
-              <a:rPr lang="ja-JP" altLang="en-US" dirty="0" smtClean="0"/>
-              <a:t>変数名</a:t>
-            </a:r>
-            <a:r>
-              <a:rPr lang="en-US" altLang="ja-JP" dirty="0" smtClean="0"/>
-              <a:t> = new </a:t>
-            </a:r>
-            <a:r>
-              <a:rPr lang="ja-JP" altLang="en-US" dirty="0" smtClean="0"/>
-              <a:t>型</a:t>
+              <a:t>から変数名</a:t>
             </a:r>
             <a:r>
               <a:rPr lang="en-US" altLang="ja-JP" dirty="0" smtClean="0"/>
@@ -6483,33 +6546,6 @@
             </a:r>
             <a:r>
               <a:rPr lang="en-US" altLang="ja-JP" dirty="0" smtClean="0"/>
-              <a:t>];</a:t>
-            </a:r>
-          </a:p>
-          <a:p>
-            <a:pPr lvl="2"/>
-            <a:r>
-              <a:rPr lang="ja-JP" altLang="en-US" dirty="0" smtClean="0"/>
-              <a:t>変数名</a:t>
-            </a:r>
-            <a:r>
-              <a:rPr lang="en-US" altLang="ja-JP" dirty="0" smtClean="0"/>
-              <a:t>[0]</a:t>
-            </a:r>
-            <a:r>
-              <a:rPr lang="ja-JP" altLang="en-US" dirty="0" smtClean="0"/>
-              <a:t>から変数名</a:t>
-            </a:r>
-            <a:r>
-              <a:rPr lang="en-US" altLang="ja-JP" dirty="0" smtClean="0"/>
-              <a:t>[</a:t>
-            </a:r>
-            <a:r>
-              <a:rPr lang="ja-JP" altLang="en-US" dirty="0" smtClean="0"/>
-              <a:t>要素の個数</a:t>
-            </a:r>
-            <a:r>
-              <a:rPr lang="en-US" altLang="ja-JP" dirty="0" smtClean="0"/>
               <a:t> - 1]</a:t>
             </a:r>
             <a:r>
@@ -6535,34 +6571,6 @@
           </a:p>
           <a:p>
             <a:pPr lvl="1"/>
-            <a:r>
-              <a:rPr lang="ja-JP" altLang="en-US" dirty="0" smtClean="0"/>
-              <a:t>変数名</a:t>
-            </a:r>
-            <a:r>
-              <a:rPr lang="en-US" altLang="ja-JP" dirty="0" smtClean="0"/>
-              <a:t>[</a:t>
-            </a:r>
-            <a:r>
-              <a:rPr lang="ja-JP" altLang="en-US" dirty="0" smtClean="0"/>
-              <a:t>添字</a:t>
-            </a:r>
-            <a:r>
-              <a:rPr lang="en-US" altLang="ja-JP" dirty="0" smtClean="0"/>
-              <a:t>] = </a:t>
-            </a:r>
-            <a:r>
-              <a:rPr lang="ja-JP" altLang="en-US" dirty="0" smtClean="0"/>
-              <a:t>値</a:t>
-            </a:r>
-            <a:r>
-              <a:rPr lang="en-US" altLang="ja-JP" dirty="0" smtClean="0"/>
-              <a:t>; // </a:t>
-            </a:r>
-            <a:r>
-              <a:rPr lang="ja-JP" altLang="en-US" dirty="0" smtClean="0"/>
-              <a:t>これをくりかえす</a:t>
-            </a:r>
             <a:endParaRPr lang="en-US" altLang="ja-JP" dirty="0"/>
           </a:p>
         </p:txBody>
@@ -6588,6 +6596,269 @@
               <a:t>103</a:t>
             </a:fld>
             <a:endParaRPr lang="en-US" dirty="0"/>
+          </a:p>
+        </p:txBody>
+      </p:sp>
+      <p:sp>
+        <p:nvSpPr>
+          <p:cNvPr id="6" name="テキスト ボックス 5"/>
+          <p:cNvSpPr txBox="1"/>
+          <p:nvPr/>
+        </p:nvSpPr>
+        <p:spPr>
+          <a:xfrm>
+            <a:off x="1038778" y="3135281"/>
+            <a:ext cx="1492716" cy="400110"/>
+          </a:xfrm>
+          <a:prstGeom prst="rect">
+            <a:avLst/>
+          </a:prstGeom>
+          <a:noFill/>
+          <a:ln>
+            <a:solidFill>
+              <a:schemeClr val="tx1"/>
+            </a:solidFill>
+          </a:ln>
+        </p:spPr>
+        <p:txBody>
+          <a:bodyPr wrap="none" rtlCol="0">
+            <a:spAutoFit/>
+          </a:bodyPr>
+          <a:lstStyle/>
+          <a:p>
+            <a:r>
+              <a:rPr kumimoji="1" lang="ja-JP" altLang="en-US" sz="2000" dirty="0" smtClean="0"/>
+              <a:t>型</a:t>
+            </a:r>
+            <a:r>
+              <a:rPr kumimoji="1" lang="en-US" altLang="ja-JP" sz="2000" dirty="0" smtClean="0"/>
+              <a:t>[] </a:t>
+            </a:r>
+            <a:r>
+              <a:rPr kumimoji="1" lang="ja-JP" altLang="en-US" sz="2000" dirty="0" smtClean="0"/>
+              <a:t>変数名</a:t>
+            </a:r>
+            <a:r>
+              <a:rPr kumimoji="1" lang="en-US" altLang="ja-JP" sz="2000" dirty="0" smtClean="0"/>
+              <a:t>;</a:t>
+            </a:r>
+            <a:endParaRPr kumimoji="1" lang="en-US" altLang="ja-JP" sz="2000" dirty="0" smtClean="0">
+              <a:latin typeface="MS Gothic" charset="-128"/>
+              <a:ea typeface="MS Gothic" charset="-128"/>
+              <a:cs typeface="MS Gothic" charset="-128"/>
+            </a:endParaRPr>
+          </a:p>
+        </p:txBody>
+      </p:sp>
+      <p:sp>
+        <p:nvSpPr>
+          <p:cNvPr id="7" name="テキスト ボックス 6"/>
+          <p:cNvSpPr txBox="1"/>
+          <p:nvPr/>
+        </p:nvSpPr>
+        <p:spPr>
+          <a:xfrm>
+            <a:off x="1008621" y="4272680"/>
+            <a:ext cx="3586238" cy="400110"/>
+          </a:xfrm>
+          <a:prstGeom prst="rect">
+            <a:avLst/>
+          </a:prstGeom>
+          <a:noFill/>
+          <a:ln>
+            <a:solidFill>
+              <a:schemeClr val="tx1"/>
+            </a:solidFill>
+          </a:ln>
+        </p:spPr>
+        <p:txBody>
+          <a:bodyPr wrap="none" rtlCol="0">
+            <a:spAutoFit/>
+          </a:bodyPr>
+          <a:lstStyle/>
+          <a:p>
+            <a:r>
+              <a:rPr kumimoji="1" lang="ja-JP" altLang="en-US" sz="2000" dirty="0" smtClean="0"/>
+              <a:t>変数名</a:t>
+            </a:r>
+            <a:r>
+              <a:rPr kumimoji="1" lang="en-US" altLang="ja-JP" sz="2000" dirty="0" smtClean="0"/>
+              <a:t> = new </a:t>
+            </a:r>
+            <a:r>
+              <a:rPr kumimoji="1" lang="ja-JP" altLang="en-US" sz="2000" dirty="0" smtClean="0"/>
+              <a:t>型</a:t>
+            </a:r>
+            <a:r>
+              <a:rPr kumimoji="1" lang="en-US" altLang="ja-JP" sz="2000" dirty="0" smtClean="0"/>
+              <a:t>[</a:t>
+            </a:r>
+            <a:r>
+              <a:rPr kumimoji="1" lang="ja-JP" altLang="en-US" sz="2000" dirty="0" smtClean="0"/>
+              <a:t>要素の個数</a:t>
+            </a:r>
+            <a:r>
+              <a:rPr kumimoji="1" lang="en-US" altLang="ja-JP" sz="2000" dirty="0" smtClean="0"/>
+              <a:t>];</a:t>
+            </a:r>
+            <a:endParaRPr kumimoji="1" lang="en-US" altLang="ja-JP" sz="2000" dirty="0" smtClean="0">
+              <a:latin typeface="MS Gothic" charset="-128"/>
+              <a:ea typeface="MS Gothic" charset="-128"/>
+              <a:cs typeface="MS Gothic" charset="-128"/>
+            </a:endParaRPr>
+          </a:p>
+        </p:txBody>
+      </p:sp>
+      <p:sp>
+        <p:nvSpPr>
+          <p:cNvPr id="8" name="テキスト ボックス 7"/>
+          <p:cNvSpPr txBox="1"/>
+          <p:nvPr/>
+        </p:nvSpPr>
+        <p:spPr>
+          <a:xfrm>
+            <a:off x="1008621" y="5709909"/>
+            <a:ext cx="5434501" cy="400110"/>
+          </a:xfrm>
+          <a:prstGeom prst="rect">
+            <a:avLst/>
+          </a:prstGeom>
+          <a:noFill/>
+          <a:ln>
+            <a:solidFill>
+              <a:schemeClr val="tx1"/>
+            </a:solidFill>
+          </a:ln>
+        </p:spPr>
+        <p:txBody>
+          <a:bodyPr wrap="none" rtlCol="0">
+            <a:spAutoFit/>
+          </a:bodyPr>
+          <a:lstStyle/>
+          <a:p>
+            <a:r>
+              <a:rPr kumimoji="1" lang="ja-JP" altLang="en-US" sz="2000" dirty="0" smtClean="0"/>
+              <a:t>変数名</a:t>
+            </a:r>
+            <a:r>
+              <a:rPr kumimoji="1" lang="en-US" altLang="ja-JP" sz="2000" dirty="0" smtClean="0"/>
+              <a:t>[</a:t>
+            </a:r>
+            <a:r>
+              <a:rPr kumimoji="1" lang="ja-JP" altLang="en-US" sz="2000" dirty="0" smtClean="0"/>
+              <a:t>添字</a:t>
+            </a:r>
+            <a:r>
+              <a:rPr kumimoji="1" lang="en-US" altLang="ja-JP" sz="2000" dirty="0" smtClean="0"/>
+              <a:t>] = </a:t>
+            </a:r>
+            <a:r>
+              <a:rPr kumimoji="1" lang="ja-JP" altLang="en-US" sz="2000" dirty="0" smtClean="0"/>
+              <a:t>値</a:t>
+            </a:r>
+            <a:r>
+              <a:rPr kumimoji="1" lang="en-US" altLang="ja-JP" sz="2000" dirty="0" smtClean="0"/>
+              <a:t>; // </a:t>
+            </a:r>
+            <a:r>
+              <a:rPr kumimoji="1" lang="ja-JP" altLang="en-US" sz="2000" dirty="0" smtClean="0"/>
+              <a:t>これをくりかえして値を代入</a:t>
+            </a:r>
+            <a:endParaRPr kumimoji="1" lang="en-US" altLang="ja-JP" sz="2000" dirty="0" smtClean="0">
+              <a:latin typeface="MS Gothic" charset="-128"/>
+              <a:ea typeface="MS Gothic" charset="-128"/>
+              <a:cs typeface="MS Gothic" charset="-128"/>
+            </a:endParaRPr>
+          </a:p>
+        </p:txBody>
+      </p:sp>
+      <p:sp>
+        <p:nvSpPr>
+          <p:cNvPr id="9" name="テキスト ボックス 8"/>
+          <p:cNvSpPr txBox="1"/>
+          <p:nvPr/>
+        </p:nvSpPr>
+        <p:spPr>
+          <a:xfrm>
+            <a:off x="3107753" y="3133662"/>
+            <a:ext cx="1236236" cy="400110"/>
+          </a:xfrm>
+          <a:prstGeom prst="rect">
+            <a:avLst/>
+          </a:prstGeom>
+          <a:noFill/>
+          <a:ln>
+            <a:solidFill>
+              <a:schemeClr val="tx1"/>
+            </a:solidFill>
+          </a:ln>
+        </p:spPr>
+        <p:txBody>
+          <a:bodyPr wrap="none" rtlCol="0">
+            <a:spAutoFit/>
+          </a:bodyPr>
+          <a:lstStyle/>
+          <a:p>
+            <a:r>
+              <a:rPr kumimoji="1" lang="en-US" altLang="ja-JP" sz="2000" dirty="0" err="1" smtClean="0"/>
+              <a:t>int</a:t>
+            </a:r>
+            <a:r>
+              <a:rPr kumimoji="1" lang="en-US" altLang="ja-JP" sz="2000" dirty="0" smtClean="0"/>
+              <a:t>[] data;</a:t>
+            </a:r>
+            <a:endParaRPr kumimoji="1" lang="en-US" altLang="ja-JP" sz="2000" dirty="0" smtClean="0">
+              <a:latin typeface="MS Gothic" charset="-128"/>
+              <a:ea typeface="MS Gothic" charset="-128"/>
+              <a:cs typeface="MS Gothic" charset="-128"/>
+            </a:endParaRPr>
+          </a:p>
+        </p:txBody>
+      </p:sp>
+      <p:sp>
+        <p:nvSpPr>
+          <p:cNvPr id="10" name="テキスト ボックス 9"/>
+          <p:cNvSpPr txBox="1"/>
+          <p:nvPr/>
+        </p:nvSpPr>
+        <p:spPr>
+          <a:xfrm>
+            <a:off x="5142347" y="4272680"/>
+            <a:ext cx="2282997" cy="400110"/>
+          </a:xfrm>
+          <a:prstGeom prst="rect">
+            <a:avLst/>
+          </a:prstGeom>
+          <a:noFill/>
+          <a:ln>
+            <a:solidFill>
+              <a:schemeClr val="tx1"/>
+            </a:solidFill>
+          </a:ln>
+        </p:spPr>
+        <p:txBody>
+          <a:bodyPr wrap="none" rtlCol="0">
+            <a:spAutoFit/>
+          </a:bodyPr>
+          <a:lstStyle/>
+          <a:p>
+            <a:r>
+              <a:rPr kumimoji="1" lang="en-US" altLang="ja-JP" sz="2000" dirty="0" smtClean="0"/>
+              <a:t>data = new </a:t>
+            </a:r>
+            <a:r>
+              <a:rPr kumimoji="1" lang="en-US" altLang="ja-JP" sz="2000" dirty="0" err="1" smtClean="0"/>
+              <a:t>int</a:t>
+            </a:r>
+            <a:r>
+              <a:rPr kumimoji="1" lang="en-US" altLang="ja-JP" sz="2000" dirty="0" smtClean="0"/>
+              <a:t>[10];</a:t>
+            </a:r>
+            <a:endParaRPr kumimoji="1" lang="en-US" altLang="ja-JP" sz="2000" dirty="0" smtClean="0">
+              <a:latin typeface="MS Gothic" charset="-128"/>
+              <a:ea typeface="MS Gothic" charset="-128"/>
+              <a:cs typeface="MS Gothic" charset="-128"/>
+            </a:endParaRPr>
           </a:p>
         </p:txBody>
       </p:sp>
@@ -7057,7 +7328,7 @@
         <p:spPr/>
         <p:txBody>
           <a:bodyPr>
-            <a:normAutofit lnSpcReduction="10000"/>
+            <a:normAutofit/>
           </a:bodyPr>
           <a:lstStyle/>
           <a:p>
@@ -7069,50 +7340,7 @@
           </a:p>
           <a:p>
             <a:pPr lvl="1"/>
-            <a:r>
-              <a:rPr lang="ja-JP" altLang="en-US" dirty="0" smtClean="0"/>
-              <a:t>型</a:t>
-            </a:r>
-            <a:r>
-              <a:rPr lang="en-US" altLang="ja-JP" dirty="0" smtClean="0"/>
-              <a:t>[] </a:t>
-            </a:r>
-            <a:r>
-              <a:rPr lang="ja-JP" altLang="en-US" dirty="0" smtClean="0"/>
-              <a:t>変数名</a:t>
-            </a:r>
-            <a:r>
-              <a:rPr lang="en-US" altLang="ja-JP" dirty="0"/>
-              <a:t> </a:t>
-            </a:r>
-            <a:r>
-              <a:rPr lang="en-US" altLang="ja-JP" dirty="0" smtClean="0"/>
-              <a:t>= { </a:t>
-            </a:r>
-            <a:r>
-              <a:rPr lang="ja-JP" altLang="en-US" dirty="0" smtClean="0"/>
-              <a:t>要素</a:t>
-            </a:r>
-            <a:r>
-              <a:rPr lang="en-US" altLang="ja-JP" dirty="0" smtClean="0"/>
-              <a:t>, </a:t>
-            </a:r>
-            <a:r>
-              <a:rPr lang="ja-JP" altLang="en-US" dirty="0" smtClean="0"/>
-              <a:t>要素</a:t>
-            </a:r>
-            <a:r>
-              <a:rPr lang="en-US" altLang="ja-JP" dirty="0" smtClean="0"/>
-              <a:t>, </a:t>
-            </a:r>
-            <a:r>
-              <a:rPr lang="ja-JP" altLang="en-US" dirty="0" smtClean="0"/>
-              <a:t>要素</a:t>
-            </a:r>
-            <a:r>
-              <a:rPr lang="en-US" altLang="ja-JP" dirty="0" smtClean="0"/>
-              <a:t>, ... };</a:t>
-            </a:r>
+            <a:endParaRPr lang="en-US" altLang="ja-JP" dirty="0" smtClean="0"/>
           </a:p>
           <a:p>
             <a:r>
@@ -7123,14 +7351,7 @@
           </a:p>
           <a:p>
             <a:pPr lvl="1"/>
-            <a:r>
-              <a:rPr lang="en-US" altLang="ja-JP" dirty="0" err="1" smtClean="0"/>
-              <a:t>int</a:t>
-            </a:r>
-            <a:r>
-              <a:rPr lang="en-US" altLang="ja-JP" dirty="0" smtClean="0"/>
-              <a:t>[] data = { 13, 210, -15, 8, 10 };</a:t>
-            </a:r>
+            <a:endParaRPr lang="en-US" altLang="ja-JP" dirty="0" smtClean="0"/>
           </a:p>
         </p:txBody>
       </p:sp>
@@ -7155,6 +7376,116 @@
               <a:t>105</a:t>
             </a:fld>
             <a:endParaRPr lang="en-US" dirty="0"/>
+          </a:p>
+        </p:txBody>
+      </p:sp>
+      <p:sp>
+        <p:nvSpPr>
+          <p:cNvPr id="5" name="テキスト ボックス 4"/>
+          <p:cNvSpPr txBox="1"/>
+          <p:nvPr/>
+        </p:nvSpPr>
+        <p:spPr>
+          <a:xfrm>
+            <a:off x="1178478" y="3657359"/>
+            <a:ext cx="4998484" cy="523220"/>
+          </a:xfrm>
+          <a:prstGeom prst="rect">
+            <a:avLst/>
+          </a:prstGeom>
+          <a:noFill/>
+          <a:ln>
+            <a:solidFill>
+              <a:schemeClr val="tx1"/>
+            </a:solidFill>
+          </a:ln>
+        </p:spPr>
+        <p:txBody>
+          <a:bodyPr wrap="none" rtlCol="0">
+            <a:spAutoFit/>
+          </a:bodyPr>
+          <a:lstStyle/>
+          <a:p>
+            <a:r>
+              <a:rPr kumimoji="1" lang="ja-JP" altLang="en-US" sz="2800" dirty="0" smtClean="0"/>
+              <a:t>型</a:t>
+            </a:r>
+            <a:r>
+              <a:rPr kumimoji="1" lang="en-US" altLang="ja-JP" sz="2800" dirty="0" smtClean="0"/>
+              <a:t>[] </a:t>
+            </a:r>
+            <a:r>
+              <a:rPr kumimoji="1" lang="ja-JP" altLang="en-US" sz="2800" dirty="0" smtClean="0"/>
+              <a:t>変数名</a:t>
+            </a:r>
+            <a:r>
+              <a:rPr kumimoji="1" lang="en-US" altLang="ja-JP" sz="2800" dirty="0" smtClean="0"/>
+              <a:t> = { </a:t>
+            </a:r>
+            <a:r>
+              <a:rPr kumimoji="1" lang="ja-JP" altLang="en-US" sz="2800" dirty="0" smtClean="0"/>
+              <a:t>要素</a:t>
+            </a:r>
+            <a:r>
+              <a:rPr kumimoji="1" lang="en-US" altLang="ja-JP" sz="2800" dirty="0" smtClean="0"/>
+              <a:t>, </a:t>
+            </a:r>
+            <a:r>
+              <a:rPr kumimoji="1" lang="ja-JP" altLang="en-US" sz="2800" dirty="0" smtClean="0"/>
+              <a:t>要素</a:t>
+            </a:r>
+            <a:r>
+              <a:rPr kumimoji="1" lang="en-US" altLang="ja-JP" sz="2800" dirty="0" smtClean="0"/>
+              <a:t>, ... };</a:t>
+            </a:r>
+            <a:endParaRPr kumimoji="1" lang="en-US" altLang="ja-JP" sz="2800" dirty="0" smtClean="0">
+              <a:latin typeface="MS Gothic" charset="-128"/>
+              <a:ea typeface="MS Gothic" charset="-128"/>
+              <a:cs typeface="MS Gothic" charset="-128"/>
+            </a:endParaRPr>
+          </a:p>
+        </p:txBody>
+      </p:sp>
+      <p:sp>
+        <p:nvSpPr>
+          <p:cNvPr id="6" name="テキスト ボックス 5"/>
+          <p:cNvSpPr txBox="1"/>
+          <p:nvPr/>
+        </p:nvSpPr>
+        <p:spPr>
+          <a:xfrm>
+            <a:off x="1178478" y="5282112"/>
+            <a:ext cx="5429692" cy="523220"/>
+          </a:xfrm>
+          <a:prstGeom prst="rect">
+            <a:avLst/>
+          </a:prstGeom>
+          <a:noFill/>
+          <a:ln>
+            <a:solidFill>
+              <a:schemeClr val="tx1"/>
+            </a:solidFill>
+          </a:ln>
+        </p:spPr>
+        <p:txBody>
+          <a:bodyPr wrap="none" rtlCol="0">
+            <a:spAutoFit/>
+          </a:bodyPr>
+          <a:lstStyle/>
+          <a:p>
+            <a:r>
+              <a:rPr kumimoji="1" lang="en-US" altLang="ja-JP" sz="2800" dirty="0" err="1" smtClean="0"/>
+              <a:t>int</a:t>
+            </a:r>
+            <a:r>
+              <a:rPr kumimoji="1" lang="en-US" altLang="ja-JP" sz="2800" dirty="0" smtClean="0"/>
+              <a:t>[] data = { 13, 210, -15, 8, 10 };</a:t>
+            </a:r>
+            <a:endParaRPr kumimoji="1" lang="en-US" altLang="ja-JP" sz="2800" dirty="0" smtClean="0">
+              <a:latin typeface="MS Gothic" charset="-128"/>
+              <a:ea typeface="MS Gothic" charset="-128"/>
+              <a:cs typeface="MS Gothic" charset="-128"/>
+            </a:endParaRPr>
           </a:p>
         </p:txBody>
       </p:sp>
@@ -7231,7 +7562,7 @@
         <p:spPr/>
         <p:txBody>
           <a:bodyPr>
-            <a:normAutofit fontScale="85000" lnSpcReduction="20000"/>
+            <a:normAutofit fontScale="92500" lnSpcReduction="10000"/>
           </a:bodyPr>
           <a:lstStyle/>
           <a:p>
@@ -7255,22 +7586,7 @@
           </a:p>
           <a:p>
             <a:pPr lvl="1"/>
-            <a:r>
-              <a:rPr lang="en-US" altLang="ja-JP" dirty="0" err="1" smtClean="0"/>
-              <a:t>int</a:t>
-            </a:r>
-            <a:r>
-              <a:rPr lang="en-US" altLang="ja-JP" dirty="0" smtClean="0"/>
-              <a:t>[] data = new </a:t>
-            </a:r>
-            <a:r>
-              <a:rPr lang="en-US" altLang="ja-JP" dirty="0" err="1" smtClean="0"/>
-              <a:t>int</a:t>
-            </a:r>
-            <a:r>
-              <a:rPr lang="en-US" altLang="ja-JP" dirty="0" smtClean="0"/>
-              <a:t>[100];</a:t>
-            </a:r>
+            <a:endParaRPr lang="en-US" altLang="ja-JP" dirty="0" smtClean="0"/>
           </a:p>
           <a:p>
             <a:r>
@@ -7296,19 +7612,7 @@
           </a:p>
           <a:p>
             <a:pPr lvl="1"/>
-            <a:r>
-              <a:rPr lang="en-US" altLang="ja-JP" dirty="0" err="1" smtClean="0"/>
-              <a:t>data.length</a:t>
-            </a:r>
-            <a:r>
-              <a:rPr lang="en-US" altLang="ja-JP" dirty="0" smtClean="0"/>
-              <a:t> // data</a:t>
-            </a:r>
-            <a:r>
-              <a:rPr lang="ja-JP" altLang="en-US" dirty="0" smtClean="0"/>
-              <a:t>の要素の個数</a:t>
-            </a:r>
-            <a:endParaRPr kumimoji="1" lang="ja-JP" altLang="en-US" dirty="0"/>
+            <a:endParaRPr kumimoji="1" lang="en-US" altLang="ja-JP" dirty="0" smtClean="0"/>
           </a:p>
         </p:txBody>
       </p:sp>
@@ -7333,6 +7637,96 @@
               <a:t>106</a:t>
             </a:fld>
             <a:endParaRPr lang="en-US" dirty="0"/>
+          </a:p>
+        </p:txBody>
+      </p:sp>
+      <p:sp>
+        <p:nvSpPr>
+          <p:cNvPr id="5" name="テキスト ボックス 4"/>
+          <p:cNvSpPr txBox="1"/>
+          <p:nvPr/>
+        </p:nvSpPr>
+        <p:spPr>
+          <a:xfrm>
+            <a:off x="1153078" y="3165876"/>
+            <a:ext cx="3459601" cy="461665"/>
+          </a:xfrm>
+          <a:prstGeom prst="rect">
+            <a:avLst/>
+          </a:prstGeom>
+          <a:noFill/>
+          <a:ln>
+            <a:solidFill>
+              <a:schemeClr val="tx1"/>
+            </a:solidFill>
+          </a:ln>
+        </p:spPr>
+        <p:txBody>
+          <a:bodyPr wrap="none" rtlCol="0">
+            <a:spAutoFit/>
+          </a:bodyPr>
+          <a:lstStyle/>
+          <a:p>
+            <a:r>
+              <a:rPr kumimoji="1" lang="en-US" altLang="ja-JP" sz="2400" dirty="0" err="1" smtClean="0"/>
+              <a:t>int</a:t>
+            </a:r>
+            <a:r>
+              <a:rPr kumimoji="1" lang="en-US" altLang="ja-JP" sz="2400" dirty="0" smtClean="0"/>
+              <a:t>[] data = new </a:t>
+            </a:r>
+            <a:r>
+              <a:rPr kumimoji="1" lang="en-US" altLang="ja-JP" sz="2400" dirty="0" err="1" smtClean="0"/>
+              <a:t>int</a:t>
+            </a:r>
+            <a:r>
+              <a:rPr kumimoji="1" lang="en-US" altLang="ja-JP" sz="2400" dirty="0" smtClean="0"/>
+              <a:t>[100];</a:t>
+            </a:r>
+            <a:endParaRPr kumimoji="1" lang="en-US" altLang="ja-JP" sz="2400" dirty="0" smtClean="0">
+              <a:latin typeface="MS Gothic" charset="-128"/>
+              <a:ea typeface="MS Gothic" charset="-128"/>
+              <a:cs typeface="MS Gothic" charset="-128"/>
+            </a:endParaRPr>
+          </a:p>
+        </p:txBody>
+      </p:sp>
+      <p:sp>
+        <p:nvSpPr>
+          <p:cNvPr id="6" name="テキスト ボックス 5"/>
+          <p:cNvSpPr txBox="1"/>
+          <p:nvPr/>
+        </p:nvSpPr>
+        <p:spPr>
+          <a:xfrm>
+            <a:off x="1153078" y="5564275"/>
+            <a:ext cx="1709122" cy="461665"/>
+          </a:xfrm>
+          <a:prstGeom prst="rect">
+            <a:avLst/>
+          </a:prstGeom>
+          <a:noFill/>
+          <a:ln>
+            <a:solidFill>
+              <a:schemeClr val="tx1"/>
+            </a:solidFill>
+          </a:ln>
+        </p:spPr>
+        <p:txBody>
+          <a:bodyPr wrap="none" rtlCol="0">
+            <a:spAutoFit/>
+          </a:bodyPr>
+          <a:lstStyle/>
+          <a:p>
+            <a:r>
+              <a:rPr kumimoji="1" lang="en-US" altLang="ja-JP" sz="2400" dirty="0" err="1" smtClean="0"/>
+              <a:t>data.length</a:t>
+            </a:r>
+            <a:endParaRPr kumimoji="1" lang="en-US" altLang="ja-JP" sz="2400" dirty="0" smtClean="0">
+              <a:latin typeface="MS Gothic" charset="-128"/>
+              <a:ea typeface="MS Gothic" charset="-128"/>
+              <a:cs typeface="MS Gothic" charset="-128"/>
+            </a:endParaRPr>
           </a:p>
         </p:txBody>
       </p:sp>
@@ -31805,11 +32199,6 @@
               </a:rPr>
               <a:t>();</a:t>
             </a:r>
-            <a:endParaRPr kumimoji="1" lang="en-US" altLang="ja-JP" sz="1600" dirty="0" smtClean="0">
-              <a:latin typeface="MS Gothic" charset="-128"/>
-              <a:ea typeface="MS Gothic" charset="-128"/>
-              <a:cs typeface="MS Gothic" charset="-128"/>
-            </a:endParaRPr>
           </a:p>
           <a:p>
             <a:r>
@@ -31999,15 +32388,7 @@
                 <a:ea typeface="MS Gothic" charset="-128"/>
                 <a:cs typeface="MS Gothic" charset="-128"/>
               </a:rPr>
-              <a:t>()</a:t>
-            </a:r>
-            <a:r>
-              <a:rPr kumimoji="1" lang="en-US" altLang="ja-JP" sz="1600" dirty="0" smtClean="0">
-                <a:latin typeface="MS Gothic" charset="-128"/>
-                <a:ea typeface="MS Gothic" charset="-128"/>
-                <a:cs typeface="MS Gothic" charset="-128"/>
-              </a:rPr>
-              <a:t>;</a:t>
+              <a:t>();</a:t>
             </a:r>
           </a:p>
         </p:txBody>
@@ -33699,15 +34080,7 @@
                 <a:ea typeface="MS Gothic" charset="-128"/>
                 <a:cs typeface="MS Gothic" charset="-128"/>
               </a:rPr>
-              <a:t>()</a:t>
-            </a:r>
-            <a:r>
-              <a:rPr kumimoji="1" lang="en-US" altLang="ja-JP" sz="1600" dirty="0" smtClean="0">
-                <a:latin typeface="MS Gothic" charset="-128"/>
-                <a:ea typeface="MS Gothic" charset="-128"/>
-                <a:cs typeface="MS Gothic" charset="-128"/>
-              </a:rPr>
-              <a:t>;</a:t>
+              <a:t>();</a:t>
             </a:r>
           </a:p>
         </p:txBody>
@@ -33785,15 +34158,7 @@
                 <a:ea typeface="MS Gothic" charset="-128"/>
                 <a:cs typeface="MS Gothic" charset="-128"/>
               </a:rPr>
-              <a:t>, …)</a:t>
-            </a:r>
-            <a:r>
-              <a:rPr kumimoji="1" lang="en-US" altLang="ja-JP" sz="1600" dirty="0" smtClean="0">
-                <a:latin typeface="MS Gothic" charset="-128"/>
-                <a:ea typeface="MS Gothic" charset="-128"/>
-                <a:cs typeface="MS Gothic" charset="-128"/>
-              </a:rPr>
-              <a:t>;</a:t>
+              <a:t>, …);</a:t>
             </a:r>
           </a:p>
         </p:txBody>
@@ -35531,18 +35896,7 @@
               <a:rPr lang="ja-JP" altLang="en-US" dirty="0" smtClean="0"/>
               <a:t>つ</a:t>
             </a:r>
-            <a:r>
-              <a:rPr lang="en-US" altLang="ja-JP" dirty="0" smtClean="0"/>
-              <a:t> background(</a:t>
-            </a:r>
-            <a:r>
-              <a:rPr lang="ja-JP" altLang="en-US" dirty="0" smtClean="0"/>
-              <a:t>明るさ</a:t>
-            </a:r>
-            <a:r>
-              <a:rPr lang="en-US" altLang="ja-JP" dirty="0" smtClean="0"/>
-              <a:t>);</a:t>
-            </a:r>
+            <a:endParaRPr lang="en-US" altLang="ja-JP" dirty="0" smtClean="0"/>
           </a:p>
           <a:p>
             <a:pPr lvl="2"/>
@@ -35566,38 +35920,7 @@
               <a:rPr lang="ja-JP" altLang="en-US" dirty="0" smtClean="0"/>
               <a:t>つ</a:t>
             </a:r>
-            <a:r>
-              <a:rPr lang="en-US" altLang="ja-JP" dirty="0" smtClean="0"/>
-              <a:t> </a:t>
-            </a:r>
-            <a:r>
-              <a:rPr kumimoji="1" lang="en-US" altLang="ja-JP" dirty="0" smtClean="0"/>
-              <a:t>background(</a:t>
-            </a:r>
-            <a:r>
-              <a:rPr kumimoji="1" lang="ja-JP" altLang="en-US" dirty="0" smtClean="0"/>
-              <a:t>赤</a:t>
-            </a:r>
-            <a:r>
-              <a:rPr kumimoji="1" lang="en-US" altLang="ja-JP" dirty="0" smtClean="0"/>
-              <a:t>, </a:t>
-            </a:r>
-            <a:r>
-              <a:rPr kumimoji="1" lang="ja-JP" altLang="en-US" dirty="0" smtClean="0"/>
-              <a:t>緑</a:t>
-            </a:r>
-            <a:r>
-              <a:rPr kumimoji="1" lang="en-US" altLang="ja-JP" dirty="0" smtClean="0"/>
-              <a:t>, </a:t>
-            </a:r>
-            <a:r>
-              <a:rPr kumimoji="1" lang="ja-JP" altLang="en-US" dirty="0" smtClean="0"/>
-              <a:t>青</a:t>
-            </a:r>
-            <a:r>
-              <a:rPr kumimoji="1" lang="en-US" altLang="ja-JP" dirty="0" smtClean="0"/>
-              <a:t>);</a:t>
-            </a:r>
+            <a:endParaRPr kumimoji="1" lang="en-US" altLang="ja-JP" dirty="0" smtClean="0"/>
           </a:p>
           <a:p>
             <a:pPr lvl="2"/>
@@ -35607,11 +35930,7 @@
             </a:r>
             <a:r>
               <a:rPr lang="ja-JP" altLang="en-US" dirty="0" smtClean="0"/>
-              <a:t>を指定して背景を</a:t>
-            </a:r>
-            <a:r>
-              <a:rPr lang="ja-JP" altLang="en-US" dirty="0" smtClean="0"/>
-              <a:t>塗る</a:t>
+              <a:t>を指定して背景を塗る</a:t>
             </a:r>
             <a:endParaRPr lang="en-US" altLang="ja-JP" dirty="0" smtClean="0"/>
           </a:p>
@@ -35695,6 +36014,172 @@
               <a:t>多重定義</a:t>
             </a:r>
             <a:endParaRPr kumimoji="1" lang="ja-JP" altLang="en-US" dirty="0"/>
+          </a:p>
+        </p:txBody>
+      </p:sp>
+      <p:sp>
+        <p:nvSpPr>
+          <p:cNvPr id="6" name="テキスト ボックス 5"/>
+          <p:cNvSpPr txBox="1"/>
+          <p:nvPr/>
+        </p:nvSpPr>
+        <p:spPr>
+          <a:xfrm>
+            <a:off x="2435859" y="3518860"/>
+            <a:ext cx="2031325" cy="338554"/>
+          </a:xfrm>
+          <a:prstGeom prst="rect">
+            <a:avLst/>
+          </a:prstGeom>
+          <a:noFill/>
+          <a:ln>
+            <a:solidFill>
+              <a:schemeClr val="tx1"/>
+            </a:solidFill>
+          </a:ln>
+        </p:spPr>
+        <p:txBody>
+          <a:bodyPr wrap="none" rtlCol="0">
+            <a:spAutoFit/>
+          </a:bodyPr>
+          <a:lstStyle/>
+          <a:p>
+            <a:r>
+              <a:rPr kumimoji="1" lang="en-US" altLang="ja-JP" sz="1600" dirty="0" err="1" smtClean="0">
+                <a:latin typeface="MS Gothic" charset="-128"/>
+                <a:ea typeface="MS Gothic" charset="-128"/>
+                <a:cs typeface="MS Gothic" charset="-128"/>
+              </a:rPr>
+              <a:t>backgound</a:t>
+            </a:r>
+            <a:r>
+              <a:rPr kumimoji="1" lang="en-US" altLang="ja-JP" sz="1600" dirty="0" smtClean="0">
+                <a:latin typeface="MS Gothic" charset="-128"/>
+                <a:ea typeface="MS Gothic" charset="-128"/>
+                <a:cs typeface="MS Gothic" charset="-128"/>
+              </a:rPr>
+              <a:t>(</a:t>
+            </a:r>
+            <a:r>
+              <a:rPr kumimoji="1" lang="ja-JP" altLang="en-US" sz="1600" dirty="0" smtClean="0">
+                <a:latin typeface="MS Gothic" charset="-128"/>
+                <a:ea typeface="MS Gothic" charset="-128"/>
+                <a:cs typeface="MS Gothic" charset="-128"/>
+              </a:rPr>
+              <a:t>明るさ</a:t>
+            </a:r>
+            <a:r>
+              <a:rPr kumimoji="1" lang="en-US" altLang="ja-JP" sz="1600" dirty="0" smtClean="0">
+                <a:latin typeface="MS Gothic" charset="-128"/>
+                <a:ea typeface="MS Gothic" charset="-128"/>
+                <a:cs typeface="MS Gothic" charset="-128"/>
+              </a:rPr>
+              <a:t>);</a:t>
+            </a:r>
+            <a:endParaRPr kumimoji="1" lang="en-US" altLang="ja-JP" sz="1600" dirty="0" smtClean="0">
+              <a:latin typeface="MS Gothic" charset="-128"/>
+              <a:ea typeface="MS Gothic" charset="-128"/>
+              <a:cs typeface="MS Gothic" charset="-128"/>
+            </a:endParaRPr>
+          </a:p>
+        </p:txBody>
+      </p:sp>
+      <p:sp>
+        <p:nvSpPr>
+          <p:cNvPr id="7" name="テキスト ボックス 6"/>
+          <p:cNvSpPr txBox="1"/>
+          <p:nvPr/>
+        </p:nvSpPr>
+        <p:spPr>
+          <a:xfrm>
+            <a:off x="2435859" y="4248379"/>
+            <a:ext cx="2441694" cy="338554"/>
+          </a:xfrm>
+          <a:prstGeom prst="rect">
+            <a:avLst/>
+          </a:prstGeom>
+          <a:noFill/>
+          <a:ln>
+            <a:solidFill>
+              <a:schemeClr val="tx1"/>
+            </a:solidFill>
+          </a:ln>
+        </p:spPr>
+        <p:txBody>
+          <a:bodyPr wrap="none" rtlCol="0">
+            <a:spAutoFit/>
+          </a:bodyPr>
+          <a:lstStyle/>
+          <a:p>
+            <a:r>
+              <a:rPr kumimoji="1" lang="en-US" altLang="ja-JP" sz="1600" dirty="0" err="1" smtClean="0">
+                <a:latin typeface="MS Gothic" charset="-128"/>
+                <a:ea typeface="MS Gothic" charset="-128"/>
+                <a:cs typeface="MS Gothic" charset="-128"/>
+              </a:rPr>
+              <a:t>backgound</a:t>
+            </a:r>
+            <a:r>
+              <a:rPr kumimoji="1" lang="en-US" altLang="ja-JP" sz="1600" dirty="0" smtClean="0">
+                <a:latin typeface="MS Gothic" charset="-128"/>
+                <a:ea typeface="MS Gothic" charset="-128"/>
+                <a:cs typeface="MS Gothic" charset="-128"/>
+              </a:rPr>
+              <a:t>(</a:t>
+            </a:r>
+            <a:r>
+              <a:rPr kumimoji="1" lang="ja-JP" altLang="en-US" sz="1600" dirty="0" smtClean="0">
+                <a:latin typeface="MS Gothic" charset="-128"/>
+                <a:ea typeface="MS Gothic" charset="-128"/>
+                <a:cs typeface="MS Gothic" charset="-128"/>
+              </a:rPr>
+              <a:t>赤</a:t>
+            </a:r>
+            <a:r>
+              <a:rPr kumimoji="1" lang="en-US" altLang="ja-JP" sz="1600" dirty="0" smtClean="0">
+                <a:latin typeface="MS Gothic" charset="-128"/>
+                <a:ea typeface="MS Gothic" charset="-128"/>
+                <a:cs typeface="MS Gothic" charset="-128"/>
+              </a:rPr>
+              <a:t>, </a:t>
+            </a:r>
+            <a:r>
+              <a:rPr kumimoji="1" lang="ja-JP" altLang="en-US" sz="1600" dirty="0" smtClean="0">
+                <a:latin typeface="MS Gothic" charset="-128"/>
+                <a:ea typeface="MS Gothic" charset="-128"/>
+                <a:cs typeface="MS Gothic" charset="-128"/>
+              </a:rPr>
+              <a:t>緑</a:t>
+            </a:r>
+            <a:r>
+              <a:rPr kumimoji="1" lang="en-US" altLang="ja-JP" sz="1600" dirty="0" smtClean="0">
+                <a:latin typeface="MS Gothic" charset="-128"/>
+                <a:ea typeface="MS Gothic" charset="-128"/>
+                <a:cs typeface="MS Gothic" charset="-128"/>
+              </a:rPr>
+              <a:t>, </a:t>
+            </a:r>
+            <a:r>
+              <a:rPr kumimoji="1" lang="ja-JP" altLang="en-US" sz="1600" dirty="0" smtClean="0">
+                <a:latin typeface="MS Gothic" charset="-128"/>
+                <a:ea typeface="MS Gothic" charset="-128"/>
+                <a:cs typeface="MS Gothic" charset="-128"/>
+              </a:rPr>
+              <a:t>青</a:t>
+            </a:r>
+            <a:r>
+              <a:rPr kumimoji="1" lang="en-US" altLang="ja-JP" sz="1600" dirty="0" smtClean="0">
+                <a:latin typeface="MS Gothic" charset="-128"/>
+                <a:ea typeface="MS Gothic" charset="-128"/>
+                <a:cs typeface="MS Gothic" charset="-128"/>
+              </a:rPr>
+              <a:t>);</a:t>
+            </a:r>
+            <a:endParaRPr kumimoji="1" lang="en-US" altLang="ja-JP" sz="1600" dirty="0" smtClean="0">
+              <a:latin typeface="MS Gothic" charset="-128"/>
+              <a:ea typeface="MS Gothic" charset="-128"/>
+              <a:cs typeface="MS Gothic" charset="-128"/>
+            </a:endParaRPr>
           </a:p>
         </p:txBody>
       </p:sp>
@@ -39826,7 +40311,7 @@
         <p:spPr/>
         <p:txBody>
           <a:bodyPr>
-            <a:normAutofit fontScale="85000" lnSpcReduction="20000"/>
+            <a:normAutofit fontScale="85000" lnSpcReduction="10000"/>
           </a:bodyPr>
           <a:lstStyle/>
           <a:p>
@@ -39864,49 +40349,22 @@
           </a:p>
           <a:p>
             <a:pPr lvl="1"/>
-            <a:r>
-              <a:rPr lang="en-US" altLang="ja-JP" dirty="0" smtClean="0"/>
-              <a:t>super(</a:t>
-            </a:r>
+            <a:endParaRPr lang="en-US" altLang="ja-JP" dirty="0" smtClean="0"/>
+          </a:p>
+          <a:p>
             <a:r>
               <a:rPr lang="ja-JP" altLang="en-US" dirty="0" smtClean="0"/>
-              <a:t>引数</a:t>
-            </a:r>
-            <a:r>
-              <a:rPr lang="en-US" altLang="ja-JP" dirty="0" smtClean="0"/>
-              <a:t>);</a:t>
-            </a:r>
-          </a:p>
-          <a:p>
+              <a:t>親クラスのメソッドを</a:t>
+            </a:r>
             <a:r>
               <a:rPr lang="ja-JP" altLang="en-US" dirty="0" smtClean="0"/>
-              <a:t>親クラスのメソッドを使う</a:t>
+              <a:t>使う</a:t>
             </a:r>
             <a:endParaRPr lang="en-US" altLang="ja-JP" dirty="0" smtClean="0"/>
           </a:p>
           <a:p>
             <a:pPr lvl="1"/>
-            <a:r>
-              <a:rPr lang="en-US" altLang="ja-JP" dirty="0" smtClean="0"/>
-              <a:t>super.</a:t>
-            </a:r>
-            <a:r>
-              <a:rPr lang="ja-JP" altLang="en-US" dirty="0" smtClean="0"/>
-              <a:t>メソッド</a:t>
-            </a:r>
-            <a:r>
-              <a:rPr lang="en-US" altLang="ja-JP" dirty="0" smtClean="0"/>
-              <a:t>(</a:t>
-            </a:r>
-            <a:r>
-              <a:rPr lang="ja-JP" altLang="en-US" dirty="0" smtClean="0"/>
-              <a:t>引数</a:t>
-            </a:r>
-            <a:r>
-              <a:rPr lang="en-US" altLang="ja-JP" dirty="0" smtClean="0"/>
-              <a:t>);</a:t>
-            </a:r>
-            <a:endParaRPr kumimoji="1" lang="ja-JP" altLang="en-US" dirty="0"/>
+            <a:endParaRPr lang="en-US" altLang="ja-JP" dirty="0" smtClean="0"/>
           </a:p>
         </p:txBody>
       </p:sp>
@@ -39942,7 +40400,7 @@
         </p:nvSpPr>
         <p:spPr>
           <a:xfrm>
-            <a:off x="2859671" y="4254500"/>
+            <a:off x="3286084" y="4238460"/>
             <a:ext cx="4565673" cy="369332"/>
           </a:xfrm>
           <a:prstGeom prst="rect">
@@ -39965,6 +40423,140 @@
               <a:t>必ずコンストラクタの最初で使う必要がある</a:t>
             </a:r>
             <a:endParaRPr kumimoji="1" lang="ja-JP" altLang="en-US" dirty="0"/>
+          </a:p>
+        </p:txBody>
+      </p:sp>
+      <p:sp>
+        <p:nvSpPr>
+          <p:cNvPr id="6" name="テキスト ボックス 5"/>
+          <p:cNvSpPr txBox="1"/>
+          <p:nvPr/>
+        </p:nvSpPr>
+        <p:spPr>
+          <a:xfrm>
+            <a:off x="1038859" y="4146127"/>
+            <a:ext cx="2031325" cy="461665"/>
+          </a:xfrm>
+          <a:prstGeom prst="rect">
+            <a:avLst/>
+          </a:prstGeom>
+          <a:noFill/>
+          <a:ln>
+            <a:solidFill>
+              <a:schemeClr val="tx1"/>
+            </a:solidFill>
+          </a:ln>
+        </p:spPr>
+        <p:txBody>
+          <a:bodyPr wrap="none" rtlCol="0">
+            <a:spAutoFit/>
+          </a:bodyPr>
+          <a:lstStyle/>
+          <a:p>
+            <a:r>
+              <a:rPr kumimoji="1" lang="en-US" altLang="ja-JP" sz="2400" dirty="0" smtClean="0">
+                <a:latin typeface="MS Gothic" charset="-128"/>
+                <a:ea typeface="MS Gothic" charset="-128"/>
+                <a:cs typeface="MS Gothic" charset="-128"/>
+              </a:rPr>
+              <a:t>super(</a:t>
+            </a:r>
+            <a:r>
+              <a:rPr kumimoji="1" lang="ja-JP" altLang="en-US" sz="2400" dirty="0" smtClean="0">
+                <a:latin typeface="MS Gothic" charset="-128"/>
+                <a:ea typeface="MS Gothic" charset="-128"/>
+                <a:cs typeface="MS Gothic" charset="-128"/>
+              </a:rPr>
+              <a:t>引数</a:t>
+            </a:r>
+            <a:r>
+              <a:rPr kumimoji="1" lang="en-US" altLang="ja-JP" sz="2400" dirty="0" smtClean="0">
+                <a:latin typeface="MS Gothic" charset="-128"/>
+                <a:ea typeface="MS Gothic" charset="-128"/>
+                <a:cs typeface="MS Gothic" charset="-128"/>
+              </a:rPr>
+              <a:t>);</a:t>
+            </a:r>
+            <a:endParaRPr kumimoji="1" lang="en-US" altLang="ja-JP" sz="2400" dirty="0" smtClean="0">
+              <a:latin typeface="MS Gothic" charset="-128"/>
+              <a:ea typeface="MS Gothic" charset="-128"/>
+              <a:cs typeface="MS Gothic" charset="-128"/>
+            </a:endParaRPr>
+          </a:p>
+        </p:txBody>
+      </p:sp>
+      <p:sp>
+        <p:nvSpPr>
+          <p:cNvPr id="7" name="テキスト ボックス 6"/>
+          <p:cNvSpPr txBox="1"/>
+          <p:nvPr/>
+        </p:nvSpPr>
+        <p:spPr>
+          <a:xfrm>
+            <a:off x="1038859" y="5515802"/>
+            <a:ext cx="3416320" cy="461665"/>
+          </a:xfrm>
+          <a:prstGeom prst="rect">
+            <a:avLst/>
+          </a:prstGeom>
+          <a:noFill/>
+          <a:ln>
+            <a:solidFill>
+              <a:schemeClr val="tx1"/>
+            </a:solidFill>
+          </a:ln>
+        </p:spPr>
+        <p:txBody>
+          <a:bodyPr wrap="none" rtlCol="0">
+            <a:spAutoFit/>
+          </a:bodyPr>
+          <a:lstStyle/>
+          <a:p>
+            <a:r>
+              <a:rPr kumimoji="1" lang="en-US" altLang="ja-JP" sz="2400" dirty="0" smtClean="0">
+                <a:latin typeface="MS Gothic" charset="-128"/>
+                <a:ea typeface="MS Gothic" charset="-128"/>
+                <a:cs typeface="MS Gothic" charset="-128"/>
+              </a:rPr>
+              <a:t>super.</a:t>
+            </a:r>
+            <a:r>
+              <a:rPr kumimoji="1" lang="ja-JP" altLang="en-US" sz="2400" dirty="0" smtClean="0">
+                <a:latin typeface="MS Gothic" charset="-128"/>
+                <a:ea typeface="MS Gothic" charset="-128"/>
+                <a:cs typeface="MS Gothic" charset="-128"/>
+              </a:rPr>
+              <a:t>メソッド</a:t>
+            </a:r>
+            <a:r>
+              <a:rPr kumimoji="1" lang="en-US" altLang="ja-JP" sz="2400" dirty="0" smtClean="0">
+                <a:latin typeface="MS Gothic" charset="-128"/>
+                <a:ea typeface="MS Gothic" charset="-128"/>
+                <a:cs typeface="MS Gothic" charset="-128"/>
+              </a:rPr>
+              <a:t>(</a:t>
+            </a:r>
+            <a:r>
+              <a:rPr kumimoji="1" lang="ja-JP" altLang="en-US" sz="2400" dirty="0" smtClean="0">
+                <a:latin typeface="MS Gothic" charset="-128"/>
+                <a:ea typeface="MS Gothic" charset="-128"/>
+                <a:cs typeface="MS Gothic" charset="-128"/>
+              </a:rPr>
+              <a:t>引数</a:t>
+            </a:r>
+            <a:r>
+              <a:rPr kumimoji="1" lang="en-US" altLang="ja-JP" sz="2400" dirty="0" smtClean="0">
+                <a:latin typeface="MS Gothic" charset="-128"/>
+                <a:ea typeface="MS Gothic" charset="-128"/>
+                <a:cs typeface="MS Gothic" charset="-128"/>
+              </a:rPr>
+              <a:t>);</a:t>
+            </a:r>
+            <a:endParaRPr kumimoji="1" lang="en-US" altLang="ja-JP" sz="2400" dirty="0" smtClean="0">
+              <a:latin typeface="MS Gothic" charset="-128"/>
+              <a:ea typeface="MS Gothic" charset="-128"/>
+              <a:cs typeface="MS Gothic" charset="-128"/>
+            </a:endParaRPr>
           </a:p>
         </p:txBody>
       </p:sp>

--- a/slide_programming_processing.pptx
+++ b/slide_programming_processing.pptx
@@ -302,7 +302,7 @@
           <a:p>
             <a:fld id="{71984368-59CE-BF4B-96DC-49B83ECDD899}" type="datetimeFigureOut">
               <a:rPr kumimoji="1" lang="ja-JP" altLang="en-US" smtClean="0"/>
-              <a:t>2017/8/29</a:t>
+              <a:t>2017/9/1</a:t>
             </a:fld>
             <a:endParaRPr kumimoji="1" lang="ja-JP" altLang="en-US"/>
           </a:p>
@@ -1257,7 +1257,7 @@
           <a:p>
             <a:fld id="{A4339ECF-4268-CF43-973E-E0BDC6673544}" type="datetime1">
               <a:rPr lang="ja-JP" altLang="en-US" smtClean="0"/>
-              <a:t>2017/8/29</a:t>
+              <a:t>2017/9/1</a:t>
             </a:fld>
             <a:endParaRPr lang="en-US" dirty="0"/>
           </a:p>
@@ -1502,7 +1502,7 @@
           <a:p>
             <a:fld id="{DBE2F89D-5648-9040-9C9A-E3B66208AF07}" type="datetime1">
               <a:rPr lang="ja-JP" altLang="en-US" smtClean="0"/>
-              <a:t>2017/8/29</a:t>
+              <a:t>2017/9/1</a:t>
             </a:fld>
             <a:endParaRPr lang="en-US" dirty="0"/>
           </a:p>
@@ -1790,7 +1790,7 @@
           <a:p>
             <a:fld id="{1B8FC488-FE64-554F-AE5C-0DAF04315A50}" type="datetime1">
               <a:rPr lang="ja-JP" altLang="en-US" smtClean="0"/>
-              <a:t>2017/8/29</a:t>
+              <a:t>2017/9/1</a:t>
             </a:fld>
             <a:endParaRPr lang="en-US" dirty="0"/>
           </a:p>
@@ -2031,7 +2031,7 @@
           <a:p>
             <a:fld id="{4307745D-31D3-AB4D-8AE1-F450CF30FFEC}" type="datetime1">
               <a:rPr lang="ja-JP" altLang="en-US" smtClean="0"/>
-              <a:t>2017/8/29</a:t>
+              <a:t>2017/9/1</a:t>
             </a:fld>
             <a:endParaRPr lang="en-US" dirty="0"/>
           </a:p>
@@ -2389,7 +2389,7 @@
           <a:p>
             <a:fld id="{4E1C71AF-FCB5-E047-81EE-CCADF9049F68}" type="datetime1">
               <a:rPr lang="ja-JP" altLang="en-US" smtClean="0"/>
-              <a:t>2017/8/29</a:t>
+              <a:t>2017/9/1</a:t>
             </a:fld>
             <a:endParaRPr lang="en-US" dirty="0"/>
           </a:p>
@@ -2751,7 +2751,7 @@
           <a:p>
             <a:fld id="{F744B96D-8FD7-1C45-A616-068160AC20F9}" type="datetime1">
               <a:rPr lang="ja-JP" altLang="en-US" smtClean="0"/>
-              <a:t>2017/8/29</a:t>
+              <a:t>2017/9/1</a:t>
             </a:fld>
             <a:endParaRPr lang="en-US" dirty="0"/>
           </a:p>
@@ -3219,7 +3219,7 @@
           <a:p>
             <a:fld id="{48698094-E788-7E4D-9D8D-95CCE9BA87B0}" type="datetime1">
               <a:rPr lang="ja-JP" altLang="en-US" smtClean="0"/>
-              <a:t>2017/8/29</a:t>
+              <a:t>2017/9/1</a:t>
             </a:fld>
             <a:endParaRPr lang="en-US" dirty="0"/>
           </a:p>
@@ -3342,7 +3342,7 @@
           <a:p>
             <a:fld id="{CCD86B9D-072D-E447-86A7-329282897A3E}" type="datetime1">
               <a:rPr lang="ja-JP" altLang="en-US" smtClean="0"/>
-              <a:t>2017/8/29</a:t>
+              <a:t>2017/9/1</a:t>
             </a:fld>
             <a:endParaRPr lang="en-US" dirty="0"/>
           </a:p>
@@ -3518,7 +3518,7 @@
           <a:p>
             <a:fld id="{39EEAD98-9C65-3745-B7A0-834F18E59615}" type="datetime1">
               <a:rPr lang="ja-JP" altLang="en-US" smtClean="0"/>
-              <a:t>2017/8/29</a:t>
+              <a:t>2017/9/1</a:t>
             </a:fld>
             <a:endParaRPr lang="en-US" dirty="0"/>
           </a:p>
@@ -3905,7 +3905,7 @@
           <a:p>
             <a:fld id="{B750A2BE-7E35-344B-9C31-178C60B1730B}" type="datetime1">
               <a:rPr lang="ja-JP" altLang="en-US" smtClean="0"/>
-              <a:t>2017/8/29</a:t>
+              <a:t>2017/9/1</a:t>
             </a:fld>
             <a:endParaRPr lang="en-US" dirty="0"/>
           </a:p>
@@ -4288,7 +4288,7 @@
           <a:p>
             <a:fld id="{533B88BB-C6B3-BC45-993D-59E8C06AE742}" type="datetime1">
               <a:rPr lang="ja-JP" altLang="en-US" smtClean="0"/>
-              <a:t>2017/8/29</a:t>
+              <a:t>2017/9/1</a:t>
             </a:fld>
             <a:endParaRPr lang="en-US" dirty="0"/>
           </a:p>
@@ -4609,7 +4609,7 @@
             <a:fld id="{64F144C7-65D9-1246-BCEF-DA52814F34F2}" type="datetime1">
               <a:rPr lang="ja-JP" altLang="en-US" smtClean="0"/>
               <a:pPr/>
-              <a:t>2017/8/29</a:t>
+              <a:t>2017/9/1</a:t>
             </a:fld>
             <a:endParaRPr lang="en-US" dirty="0"/>
           </a:p>
@@ -5892,11 +5892,7 @@
           <a:p>
             <a:r>
               <a:rPr lang="ja-JP" altLang="en-US" dirty="0" smtClean="0"/>
-              <a:t>その</a:t>
-            </a:r>
-            <a:r>
-              <a:rPr lang="ja-JP" altLang="en-US" dirty="0" smtClean="0"/>
-              <a:t>ときに、メソッドを起動すると、</a:t>
+              <a:t>そのときに、メソッドを起動すると、</a:t>
             </a:r>
             <a:r>
               <a:rPr lang="en-US" altLang="ja-JP" dirty="0" smtClean="0"/>
@@ -14220,6 +14216,41 @@
           <a:chExt cx="0" cy="0"/>
         </a:xfrm>
       </p:grpSpPr>
+      <p:pic>
+        <p:nvPicPr>
+          <p:cNvPr id="5" name="図 4"/>
+          <p:cNvPicPr>
+            <a:picLocks noChangeAspect="1"/>
+          </p:cNvPicPr>
+          <p:nvPr/>
+        </p:nvPicPr>
+        <p:blipFill>
+          <a:blip r:embed="rId2">
+            <a:extLst>
+              <a:ext uri="{28A0092B-C50C-407E-A947-70E740481C1C}">
+                <a14:useLocalDpi xmlns:a14="http://schemas.microsoft.com/office/drawing/2010/main" val="0"/>
+              </a:ext>
+            </a:extLst>
+          </a:blip>
+          <a:stretch>
+            <a:fillRect/>
+          </a:stretch>
+        </p:blipFill>
+        <p:spPr>
+          <a:xfrm>
+            <a:off x="6732963" y="1853024"/>
+            <a:ext cx="1633797" cy="2318937"/>
+          </a:xfrm>
+          <a:prstGeom prst="rect">
+            <a:avLst/>
+          </a:prstGeom>
+          <a:ln>
+            <a:solidFill>
+              <a:schemeClr val="tx1"/>
+            </a:solidFill>
+          </a:ln>
+        </p:spPr>
+      </p:pic>
       <p:sp>
         <p:nvSpPr>
           <p:cNvPr id="2" name="タイトル 1"/>
@@ -14510,30 +14541,6 @@
           </a:p>
         </p:txBody>
       </p:sp>
-      <p:pic>
-        <p:nvPicPr>
-          <p:cNvPr id="8" name="図 7"/>
-          <p:cNvPicPr>
-            <a:picLocks noChangeAspect="1"/>
-          </p:cNvPicPr>
-          <p:nvPr/>
-        </p:nvPicPr>
-        <p:blipFill>
-          <a:blip r:embed="rId2"/>
-          <a:stretch>
-            <a:fillRect/>
-          </a:stretch>
-        </p:blipFill>
-        <p:spPr>
-          <a:xfrm>
-            <a:off x="6730346" y="1845734"/>
-            <a:ext cx="1636414" cy="2322651"/>
-          </a:xfrm>
-          <a:prstGeom prst="rect">
-            <a:avLst/>
-          </a:prstGeom>
-        </p:spPr>
-      </p:pic>
     </p:spTree>
     <p:extLst>
       <p:ext uri="{BB962C8B-B14F-4D97-AF65-F5344CB8AC3E}">
@@ -22976,77 +22983,22 @@
           <a:chExt cx="0" cy="0"/>
         </a:xfrm>
       </p:grpSpPr>
-      <p:sp>
-        <p:nvSpPr>
-          <p:cNvPr id="2" name="タイトル 1"/>
-          <p:cNvSpPr>
-            <a:spLocks noGrp="1"/>
-          </p:cNvSpPr>
-          <p:nvPr>
-            <p:ph type="title"/>
-          </p:nvPr>
-        </p:nvSpPr>
-        <p:spPr>
-          <a:xfrm>
-            <a:off x="822960" y="185192"/>
-            <a:ext cx="7543800" cy="1450757"/>
-          </a:xfrm>
-        </p:spPr>
-        <p:txBody>
-          <a:bodyPr/>
-          <a:lstStyle/>
-          <a:p>
-            <a:r>
-              <a:rPr kumimoji="1" lang="en-US" altLang="ja-JP" dirty="0" smtClean="0">
-                <a:latin typeface="+mj-ea"/>
-              </a:rPr>
-              <a:t>Processing</a:t>
-            </a:r>
-            <a:r>
-              <a:rPr kumimoji="1" lang="ja-JP" altLang="en-US" dirty="0" smtClean="0">
-                <a:latin typeface="+mj-ea"/>
-              </a:rPr>
-              <a:t>開発環境</a:t>
-            </a:r>
-            <a:endParaRPr kumimoji="1" lang="ja-JP" altLang="en-US" dirty="0">
-              <a:latin typeface="+mj-ea"/>
-            </a:endParaRPr>
-          </a:p>
-        </p:txBody>
-      </p:sp>
-      <p:sp>
-        <p:nvSpPr>
-          <p:cNvPr id="3" name="スライド番号プレースホルダー 2"/>
-          <p:cNvSpPr>
-            <a:spLocks noGrp="1"/>
-          </p:cNvSpPr>
-          <p:nvPr>
-            <p:ph type="sldNum" sz="quarter" idx="12"/>
-          </p:nvPr>
-        </p:nvSpPr>
-        <p:spPr/>
-        <p:txBody>
-          <a:bodyPr/>
-          <a:lstStyle/>
-          <a:p>
-            <a:fld id="{4FAB73BC-B049-4115-A692-8D63A059BFB8}" type="slidenum">
-              <a:rPr lang="en-US" smtClean="0"/>
-              <a:t>6</a:t>
-            </a:fld>
-            <a:endParaRPr lang="en-US" dirty="0"/>
-          </a:p>
-        </p:txBody>
-      </p:sp>
       <p:pic>
         <p:nvPicPr>
-          <p:cNvPr id="7" name="図 6"/>
+          <p:cNvPr id="4" name="図 3"/>
           <p:cNvPicPr>
             <a:picLocks noChangeAspect="1"/>
           </p:cNvPicPr>
           <p:nvPr/>
         </p:nvPicPr>
         <p:blipFill>
-          <a:blip r:embed="rId2"/>
+          <a:blip r:embed="rId2">
+            <a:extLst>
+              <a:ext uri="{28A0092B-C50C-407E-A947-70E740481C1C}">
+                <a14:useLocalDpi xmlns:a14="http://schemas.microsoft.com/office/drawing/2010/main" val="0"/>
+              </a:ext>
+            </a:extLst>
+          </a:blip>
           <a:stretch>
             <a:fillRect/>
           </a:stretch>
@@ -23061,6 +23013,67 @@
           </a:prstGeom>
         </p:spPr>
       </p:pic>
+      <p:sp>
+        <p:nvSpPr>
+          <p:cNvPr id="2" name="タイトル 1"/>
+          <p:cNvSpPr>
+            <a:spLocks noGrp="1"/>
+          </p:cNvSpPr>
+          <p:nvPr>
+            <p:ph type="title"/>
+          </p:nvPr>
+        </p:nvSpPr>
+        <p:spPr>
+          <a:xfrm>
+            <a:off x="822960" y="185192"/>
+            <a:ext cx="7543800" cy="1450757"/>
+          </a:xfrm>
+        </p:spPr>
+        <p:txBody>
+          <a:bodyPr/>
+          <a:lstStyle/>
+          <a:p>
+            <a:r>
+              <a:rPr kumimoji="1" lang="en-US" altLang="ja-JP" dirty="0" smtClean="0">
+                <a:latin typeface="+mj-ea"/>
+              </a:rPr>
+              <a:t>Processing</a:t>
+            </a:r>
+            <a:r>
+              <a:rPr kumimoji="1" lang="ja-JP" altLang="en-US" dirty="0" smtClean="0">
+                <a:latin typeface="+mj-ea"/>
+              </a:rPr>
+              <a:t>開発環境</a:t>
+            </a:r>
+            <a:endParaRPr kumimoji="1" lang="ja-JP" altLang="en-US" dirty="0">
+              <a:latin typeface="+mj-ea"/>
+            </a:endParaRPr>
+          </a:p>
+        </p:txBody>
+      </p:sp>
+      <p:sp>
+        <p:nvSpPr>
+          <p:cNvPr id="3" name="スライド番号プレースホルダー 2"/>
+          <p:cNvSpPr>
+            <a:spLocks noGrp="1"/>
+          </p:cNvSpPr>
+          <p:nvPr>
+            <p:ph type="sldNum" sz="quarter" idx="12"/>
+          </p:nvPr>
+        </p:nvSpPr>
+        <p:spPr/>
+        <p:txBody>
+          <a:bodyPr/>
+          <a:lstStyle/>
+          <a:p>
+            <a:fld id="{4FAB73BC-B049-4115-A692-8D63A059BFB8}" type="slidenum">
+              <a:rPr lang="en-US" smtClean="0"/>
+              <a:t>6</a:t>
+            </a:fld>
+            <a:endParaRPr lang="en-US" dirty="0"/>
+          </a:p>
+        </p:txBody>
+      </p:sp>
       <p:sp>
         <p:nvSpPr>
           <p:cNvPr id="8" name="正方形/長方形 7"/>
@@ -36076,11 +36089,6 @@
               </a:rPr>
               <a:t>);</a:t>
             </a:r>
-            <a:endParaRPr kumimoji="1" lang="en-US" altLang="ja-JP" sz="1600" dirty="0" smtClean="0">
-              <a:latin typeface="MS Gothic" charset="-128"/>
-              <a:ea typeface="MS Gothic" charset="-128"/>
-              <a:cs typeface="MS Gothic" charset="-128"/>
-            </a:endParaRPr>
           </a:p>
         </p:txBody>
       </p:sp>
@@ -36175,11 +36183,6 @@
               </a:rPr>
               <a:t>);</a:t>
             </a:r>
-            <a:endParaRPr kumimoji="1" lang="en-US" altLang="ja-JP" sz="1600" dirty="0" smtClean="0">
-              <a:latin typeface="MS Gothic" charset="-128"/>
-              <a:ea typeface="MS Gothic" charset="-128"/>
-              <a:cs typeface="MS Gothic" charset="-128"/>
-            </a:endParaRPr>
           </a:p>
         </p:txBody>
       </p:sp>
@@ -40354,11 +40357,7 @@
           <a:p>
             <a:r>
               <a:rPr lang="ja-JP" altLang="en-US" dirty="0" smtClean="0"/>
-              <a:t>親クラスのメソッドを</a:t>
-            </a:r>
-            <a:r>
-              <a:rPr lang="ja-JP" altLang="en-US" dirty="0" smtClean="0"/>
-              <a:t>使う</a:t>
+              <a:t>親クラスのメソッドを使う</a:t>
             </a:r>
             <a:endParaRPr lang="en-US" altLang="ja-JP" dirty="0" smtClean="0"/>
           </a:p>
@@ -40477,11 +40476,6 @@
               </a:rPr>
               <a:t>);</a:t>
             </a:r>
-            <a:endParaRPr kumimoji="1" lang="en-US" altLang="ja-JP" sz="2400" dirty="0" smtClean="0">
-              <a:latin typeface="MS Gothic" charset="-128"/>
-              <a:ea typeface="MS Gothic" charset="-128"/>
-              <a:cs typeface="MS Gothic" charset="-128"/>
-            </a:endParaRPr>
           </a:p>
         </p:txBody>
       </p:sp>
@@ -40552,11 +40546,6 @@
               </a:rPr>
               <a:t>);</a:t>
             </a:r>
-            <a:endParaRPr kumimoji="1" lang="en-US" altLang="ja-JP" sz="2400" dirty="0" smtClean="0">
-              <a:latin typeface="MS Gothic" charset="-128"/>
-              <a:ea typeface="MS Gothic" charset="-128"/>
-              <a:cs typeface="MS Gothic" charset="-128"/>
-            </a:endParaRPr>
           </a:p>
         </p:txBody>
       </p:sp>
